--- a/presentation/simple_sentiment_analysis_workshop.pptx
+++ b/presentation/simple_sentiment_analysis_workshop.pptx
@@ -5,7 +5,7 @@
     <p:sldMasterId id="2147483720" r:id="rId1"/>
   </p:sldMasterIdLst>
   <p:notesMasterIdLst>
-    <p:notesMasterId r:id="rId20"/>
+    <p:notesMasterId r:id="rId23"/>
   </p:notesMasterIdLst>
   <p:sldIdLst>
     <p:sldId id="256" r:id="rId2"/>
@@ -14,18 +14,21 @@
     <p:sldId id="258" r:id="rId5"/>
     <p:sldId id="269" r:id="rId6"/>
     <p:sldId id="270" r:id="rId7"/>
-    <p:sldId id="260" r:id="rId8"/>
-    <p:sldId id="266" r:id="rId9"/>
-    <p:sldId id="272" r:id="rId10"/>
-    <p:sldId id="273" r:id="rId11"/>
-    <p:sldId id="263" r:id="rId12"/>
-    <p:sldId id="267" r:id="rId13"/>
-    <p:sldId id="261" r:id="rId14"/>
-    <p:sldId id="274" r:id="rId15"/>
-    <p:sldId id="275" r:id="rId16"/>
-    <p:sldId id="268" r:id="rId17"/>
-    <p:sldId id="259" r:id="rId18"/>
-    <p:sldId id="271" r:id="rId19"/>
+    <p:sldId id="277" r:id="rId8"/>
+    <p:sldId id="260" r:id="rId9"/>
+    <p:sldId id="278" r:id="rId10"/>
+    <p:sldId id="266" r:id="rId11"/>
+    <p:sldId id="272" r:id="rId12"/>
+    <p:sldId id="273" r:id="rId13"/>
+    <p:sldId id="263" r:id="rId14"/>
+    <p:sldId id="267" r:id="rId15"/>
+    <p:sldId id="261" r:id="rId16"/>
+    <p:sldId id="274" r:id="rId17"/>
+    <p:sldId id="275" r:id="rId18"/>
+    <p:sldId id="279" r:id="rId19"/>
+    <p:sldId id="268" r:id="rId20"/>
+    <p:sldId id="259" r:id="rId21"/>
+    <p:sldId id="271" r:id="rId22"/>
   </p:sldIdLst>
   <p:sldSz cx="12192000" cy="6858000"/>
   <p:notesSz cx="6858000" cy="9144000"/>
@@ -127,7 +130,7 @@
   <p:extLst>
     <p:ext uri="{EFAFB233-063F-42B5-8137-9DF3F51BA10A}">
       <p15:sldGuideLst xmlns:p15="http://schemas.microsoft.com/office/powerpoint/2012/main">
-        <p15:guide id="1" orient="horz" pos="2183" userDrawn="1">
+        <p15:guide id="1" orient="horz" pos="2205" userDrawn="1">
           <p15:clr>
             <a:srgbClr val="A4A3A4"/>
           </p15:clr>
@@ -4267,6 +4270,93 @@
 </p:notes>
 </file>
 
+<file path=ppt/notesSlides/notesSlide5.xml><?xml version="1.0" encoding="utf-8"?>
+<p:notes xmlns:a="http://schemas.openxmlformats.org/drawingml/2006/main" xmlns:r="http://schemas.openxmlformats.org/officeDocument/2006/relationships" xmlns:p="http://schemas.openxmlformats.org/presentationml/2006/main">
+  <p:cSld>
+    <p:spTree>
+      <p:nvGrpSpPr>
+        <p:cNvPr id="1" name=""/>
+        <p:cNvGrpSpPr/>
+        <p:nvPr/>
+      </p:nvGrpSpPr>
+      <p:grpSpPr>
+        <a:xfrm>
+          <a:off x="0" y="0"/>
+          <a:ext cx="0" cy="0"/>
+          <a:chOff x="0" y="0"/>
+          <a:chExt cx="0" cy="0"/>
+        </a:xfrm>
+      </p:grpSpPr>
+      <p:sp>
+        <p:nvSpPr>
+          <p:cNvPr id="2" name="Slide Image Placeholder 1"/>
+          <p:cNvSpPr>
+            <a:spLocks noGrp="1" noRot="1" noChangeAspect="1"/>
+          </p:cNvSpPr>
+          <p:nvPr>
+            <p:ph type="sldImg"/>
+          </p:nvPr>
+        </p:nvSpPr>
+        <p:spPr/>
+      </p:sp>
+      <p:sp>
+        <p:nvSpPr>
+          <p:cNvPr id="3" name="Notes Placeholder 2"/>
+          <p:cNvSpPr>
+            <a:spLocks noGrp="1"/>
+          </p:cNvSpPr>
+          <p:nvPr>
+            <p:ph type="body" idx="1"/>
+          </p:nvPr>
+        </p:nvSpPr>
+        <p:spPr/>
+        <p:txBody>
+          <a:bodyPr/>
+          <a:lstStyle/>
+          <a:p>
+            <a:r>
+              <a:rPr lang="en-US" dirty="0"/>
+              <a:t>https://www.kdnuggets.com/2018/03/5-things-sentiment-analysis-classification.html</a:t>
+            </a:r>
+          </a:p>
+        </p:txBody>
+      </p:sp>
+      <p:sp>
+        <p:nvSpPr>
+          <p:cNvPr id="4" name="Slide Number Placeholder 3"/>
+          <p:cNvSpPr>
+            <a:spLocks noGrp="1"/>
+          </p:cNvSpPr>
+          <p:nvPr>
+            <p:ph type="sldNum" sz="quarter" idx="5"/>
+          </p:nvPr>
+        </p:nvSpPr>
+        <p:spPr/>
+        <p:txBody>
+          <a:bodyPr/>
+          <a:lstStyle/>
+          <a:p>
+            <a:fld id="{BF7B6824-EBEA-4FD9-9B99-8D3FCF9E4892}" type="slidenum">
+              <a:rPr lang="en-US" smtClean="0"/>
+              <a:t>7</a:t>
+            </a:fld>
+            <a:endParaRPr lang="en-US"/>
+          </a:p>
+        </p:txBody>
+      </p:sp>
+    </p:spTree>
+    <p:extLst>
+      <p:ext uri="{BB962C8B-B14F-4D97-AF65-F5344CB8AC3E}">
+        <p14:creationId xmlns:p14="http://schemas.microsoft.com/office/powerpoint/2010/main" val="2810111069"/>
+      </p:ext>
+    </p:extLst>
+  </p:cSld>
+  <p:clrMapOvr>
+    <a:masterClrMapping/>
+  </p:clrMapOvr>
+</p:notes>
+</file>
+
 <file path=ppt/slideLayouts/slideLayout1.xml><?xml version="1.0" encoding="utf-8"?>
 <p:sldLayout xmlns:a="http://schemas.openxmlformats.org/drawingml/2006/main" xmlns:r="http://schemas.openxmlformats.org/officeDocument/2006/relationships" xmlns:p="http://schemas.openxmlformats.org/presentationml/2006/main" type="title" preserve="1">
   <p:cSld name="Title Slide">
@@ -7896,16 +7986,552 @@
           <a:bodyPr/>
           <a:lstStyle/>
           <a:p>
-            <a:r>
-              <a:rPr lang="de-DE" dirty="0"/>
-              <a:t>Word Based binary Sentiment Classifiction</a:t>
-            </a:r>
             <a:br>
               <a:rPr lang="de-DE" dirty="0"/>
             </a:br>
             <a:r>
               <a:rPr lang="de-DE" dirty="0"/>
-              <a:t>BONUS</a:t>
+              <a:t>Word Based binary Sentiment Classifiction</a:t>
+            </a:r>
+            <a:endParaRPr lang="en-US" dirty="0"/>
+          </a:p>
+        </p:txBody>
+      </p:sp>
+      <mc:AlternateContent xmlns:mc="http://schemas.openxmlformats.org/markup-compatibility/2006">
+        <mc:Choice xmlns:a14="http://schemas.microsoft.com/office/drawing/2010/main" Requires="a14">
+          <p:sp>
+            <p:nvSpPr>
+              <p:cNvPr id="6" name="Content Placeholder 5">
+                <a:extLst>
+                  <a:ext uri="{FF2B5EF4-FFF2-40B4-BE49-F238E27FC236}">
+                    <a16:creationId xmlns:a16="http://schemas.microsoft.com/office/drawing/2014/main" id="{2AE796F7-D794-4D05-8899-07A1EBAFB632}"/>
+                  </a:ext>
+                </a:extLst>
+              </p:cNvPr>
+              <p:cNvSpPr>
+                <a:spLocks noGrp="1"/>
+              </p:cNvSpPr>
+              <p:nvPr>
+                <p:ph idx="1"/>
+              </p:nvPr>
+            </p:nvSpPr>
+            <p:spPr>
+              <a:xfrm>
+                <a:off x="992221" y="2015732"/>
+                <a:ext cx="10062633" cy="3678058"/>
+              </a:xfrm>
+            </p:spPr>
+            <p:txBody>
+              <a:bodyPr>
+                <a:normAutofit/>
+              </a:bodyPr>
+              <a:lstStyle/>
+              <a:p>
+                <a:pPr marL="457200" lvl="1" indent="0">
+                  <a:lnSpc>
+                    <a:spcPct val="150000"/>
+                  </a:lnSpc>
+                  <a:buNone/>
+                </a:pPr>
+                <a:r>
+                  <a:rPr lang="de-DE" sz="2600" dirty="0">
+                    <a:latin typeface="Cambria Math" panose="02040503050406030204" pitchFamily="18" charset="0"/>
+                  </a:rPr>
+                  <a:t>Class Probability</a:t>
+                </a:r>
+              </a:p>
+              <a:p>
+                <a:pPr marL="457200" lvl="1" indent="0">
+                  <a:lnSpc>
+                    <a:spcPct val="150000"/>
+                  </a:lnSpc>
+                  <a:buNone/>
+                </a:pPr>
+                <a14:m>
+                  <m:oMathPara xmlns:m="http://schemas.openxmlformats.org/officeDocument/2006/math">
+                    <m:oMathParaPr>
+                      <m:jc m:val="center"/>
+                    </m:oMathParaPr>
+                    <m:oMath xmlns:m="http://schemas.openxmlformats.org/officeDocument/2006/math">
+                      <m:r>
+                        <a:rPr lang="de-DE" sz="2600" i="1">
+                          <a:latin typeface="Cambria Math" panose="02040503050406030204" pitchFamily="18" charset="0"/>
+                        </a:rPr>
+                        <m:t>𝑃</m:t>
+                      </m:r>
+                      <m:d>
+                        <m:dPr>
+                          <m:endChr m:val="|"/>
+                          <m:ctrlPr>
+                            <a:rPr lang="de-DE" sz="2600" i="1">
+                              <a:latin typeface="Cambria Math" panose="02040503050406030204" pitchFamily="18" charset="0"/>
+                            </a:rPr>
+                          </m:ctrlPr>
+                        </m:dPr>
+                        <m:e>
+                          <m:r>
+                            <a:rPr lang="de-DE" sz="2600" i="1">
+                              <a:latin typeface="Cambria Math" panose="02040503050406030204" pitchFamily="18" charset="0"/>
+                            </a:rPr>
+                            <m:t>𝐶𝑙𝑎𝑠𝑠</m:t>
+                          </m:r>
+                          <m:r>
+                            <a:rPr lang="de-DE" sz="2600" i="1">
+                              <a:latin typeface="Cambria Math" panose="02040503050406030204" pitchFamily="18" charset="0"/>
+                            </a:rPr>
+                            <m:t> </m:t>
+                          </m:r>
+                        </m:e>
+                      </m:d>
+                      <m:r>
+                        <a:rPr lang="de-DE" sz="2600" i="1">
+                          <a:latin typeface="Cambria Math" panose="02040503050406030204" pitchFamily="18" charset="0"/>
+                        </a:rPr>
+                        <m:t> </m:t>
+                      </m:r>
+                      <m:r>
+                        <a:rPr lang="de-DE" sz="2600" i="1">
+                          <a:latin typeface="Cambria Math" panose="02040503050406030204" pitchFamily="18" charset="0"/>
+                        </a:rPr>
+                        <m:t>𝐷𝑜𝑐𝑢𝑚𝑒𝑛𝑡</m:t>
+                      </m:r>
+                      <m:r>
+                        <a:rPr lang="de-DE" sz="2600" i="1">
+                          <a:latin typeface="Cambria Math" panose="02040503050406030204" pitchFamily="18" charset="0"/>
+                        </a:rPr>
+                        <m:t>)=</m:t>
+                      </m:r>
+                      <m:func>
+                        <m:funcPr>
+                          <m:ctrlPr>
+                            <a:rPr lang="de-DE" sz="2600" i="1">
+                              <a:latin typeface="Cambria Math" panose="02040503050406030204" pitchFamily="18" charset="0"/>
+                            </a:rPr>
+                          </m:ctrlPr>
+                        </m:funcPr>
+                        <m:fName>
+                          <m:r>
+                            <a:rPr lang="de-DE" sz="2600" i="1">
+                              <a:latin typeface="Cambria Math" panose="02040503050406030204" pitchFamily="18" charset="0"/>
+                            </a:rPr>
+                            <m:t>𝑙𝑜𝑔</m:t>
+                          </m:r>
+                        </m:fName>
+                        <m:e>
+                          <m:r>
+                            <a:rPr lang="de-DE" sz="2600" i="1">
+                              <a:latin typeface="Cambria Math" panose="02040503050406030204" pitchFamily="18" charset="0"/>
+                            </a:rPr>
+                            <m:t>𝑃</m:t>
+                          </m:r>
+                          <m:d>
+                            <m:dPr>
+                              <m:ctrlPr>
+                                <a:rPr lang="de-DE" sz="2600" i="1">
+                                  <a:latin typeface="Cambria Math" panose="02040503050406030204" pitchFamily="18" charset="0"/>
+                                </a:rPr>
+                              </m:ctrlPr>
+                            </m:dPr>
+                            <m:e>
+                              <m:r>
+                                <a:rPr lang="de-DE" sz="2600" i="1">
+                                  <a:latin typeface="Cambria Math" panose="02040503050406030204" pitchFamily="18" charset="0"/>
+                                </a:rPr>
+                                <m:t>𝐶𝑙𝑎𝑠𝑠</m:t>
+                              </m:r>
+                            </m:e>
+                          </m:d>
+                        </m:e>
+                      </m:func>
+                      <m:r>
+                        <a:rPr lang="de-DE" sz="2600" i="1">
+                          <a:latin typeface="Cambria Math" panose="02040503050406030204" pitchFamily="18" charset="0"/>
+                        </a:rPr>
+                        <m:t>+</m:t>
+                      </m:r>
+                      <m:nary>
+                        <m:naryPr>
+                          <m:chr m:val="∑"/>
+                          <m:ctrlPr>
+                            <a:rPr lang="de-DE" sz="2600" i="1" smtClean="0">
+                              <a:latin typeface="Cambria Math" panose="02040503050406030204" pitchFamily="18" charset="0"/>
+                            </a:rPr>
+                          </m:ctrlPr>
+                        </m:naryPr>
+                        <m:sub>
+                          <m:r>
+                            <m:rPr>
+                              <m:brk m:alnAt="23"/>
+                            </m:rPr>
+                            <a:rPr lang="de-DE" sz="2600" b="0" i="1" smtClean="0">
+                              <a:latin typeface="Cambria Math" panose="02040503050406030204" pitchFamily="18" charset="0"/>
+                            </a:rPr>
+                            <m:t>𝑖</m:t>
+                          </m:r>
+                          <m:r>
+                            <a:rPr lang="de-DE" sz="2600" b="0" i="1" smtClean="0">
+                              <a:latin typeface="Cambria Math" panose="02040503050406030204" pitchFamily="18" charset="0"/>
+                            </a:rPr>
+                            <m:t>=0</m:t>
+                          </m:r>
+                        </m:sub>
+                        <m:sup>
+                          <m:r>
+                            <a:rPr lang="de-DE" sz="2600" b="0" i="1" smtClean="0">
+                              <a:latin typeface="Cambria Math" panose="02040503050406030204" pitchFamily="18" charset="0"/>
+                            </a:rPr>
+                            <m:t>𝑛</m:t>
+                          </m:r>
+                        </m:sup>
+                        <m:e>
+                          <m:func>
+                            <m:funcPr>
+                              <m:ctrlPr>
+                                <a:rPr lang="de-DE" sz="2600" i="1">
+                                  <a:latin typeface="Cambria Math" panose="02040503050406030204" pitchFamily="18" charset="0"/>
+                                </a:rPr>
+                              </m:ctrlPr>
+                            </m:funcPr>
+                            <m:fName>
+                              <m:r>
+                                <a:rPr lang="de-DE" sz="2600" i="1">
+                                  <a:latin typeface="Cambria Math" panose="02040503050406030204" pitchFamily="18" charset="0"/>
+                                </a:rPr>
+                                <m:t>𝑙𝑜𝑔</m:t>
+                              </m:r>
+                            </m:fName>
+                            <m:e>
+                              <m:sSub>
+                                <m:sSubPr>
+                                  <m:ctrlPr>
+                                    <a:rPr lang="de-DE" sz="2600" i="1">
+                                      <a:latin typeface="Cambria Math" panose="02040503050406030204" pitchFamily="18" charset="0"/>
+                                    </a:rPr>
+                                  </m:ctrlPr>
+                                </m:sSubPr>
+                                <m:e>
+                                  <m:r>
+                                    <a:rPr lang="de-DE" sz="2600" i="1">
+                                      <a:latin typeface="Cambria Math" panose="02040503050406030204" pitchFamily="18" charset="0"/>
+                                    </a:rPr>
+                                    <m:t>𝑝</m:t>
+                                  </m:r>
+                                </m:e>
+                                <m:sub>
+                                  <m:sSub>
+                                    <m:sSubPr>
+                                      <m:ctrlPr>
+                                        <a:rPr lang="de-DE" sz="2600" i="1" smtClean="0">
+                                          <a:latin typeface="Cambria Math" panose="02040503050406030204" pitchFamily="18" charset="0"/>
+                                        </a:rPr>
+                                      </m:ctrlPr>
+                                    </m:sSubPr>
+                                    <m:e>
+                                      <m:r>
+                                        <a:rPr lang="de-DE" sz="2600" b="0" i="1" smtClean="0">
+                                          <a:latin typeface="Cambria Math" panose="02040503050406030204" pitchFamily="18" charset="0"/>
+                                        </a:rPr>
+                                        <m:t>𝑊𝑜𝑟𝑑</m:t>
+                                      </m:r>
+                                    </m:e>
+                                    <m:sub>
+                                      <m:r>
+                                        <a:rPr lang="de-DE" sz="2600" b="0" i="1" smtClean="0">
+                                          <a:latin typeface="Cambria Math" panose="02040503050406030204" pitchFamily="18" charset="0"/>
+                                        </a:rPr>
+                                        <m:t>𝑖</m:t>
+                                      </m:r>
+                                    </m:sub>
+                                  </m:sSub>
+                                </m:sub>
+                              </m:sSub>
+                            </m:e>
+                          </m:func>
+                        </m:e>
+                      </m:nary>
+                    </m:oMath>
+                  </m:oMathPara>
+                </a14:m>
+                <a:endParaRPr lang="de-DE" sz="2600" i="1" dirty="0"/>
+              </a:p>
+              <a:p>
+                <a:pPr marL="457200" lvl="1" indent="0">
+                  <a:lnSpc>
+                    <a:spcPct val="150000"/>
+                  </a:lnSpc>
+                  <a:buNone/>
+                </a:pPr>
+                <a:r>
+                  <a:rPr lang="de-DE" sz="2600" dirty="0"/>
+                  <a:t>Word probability</a:t>
+                </a:r>
+                <a:endParaRPr lang="de-DE" sz="2600" dirty="0">
+                  <a:latin typeface="Cambria Math" panose="02040503050406030204" pitchFamily="18" charset="0"/>
+                </a:endParaRPr>
+              </a:p>
+              <a:p>
+                <a:pPr marL="457200" lvl="1" indent="0">
+                  <a:lnSpc>
+                    <a:spcPct val="150000"/>
+                  </a:lnSpc>
+                  <a:buNone/>
+                </a:pPr>
+                <a14:m>
+                  <m:oMathPara xmlns:m="http://schemas.openxmlformats.org/officeDocument/2006/math">
+                    <m:oMathParaPr>
+                      <m:jc m:val="centerGroup"/>
+                    </m:oMathParaPr>
+                    <m:oMath xmlns:m="http://schemas.openxmlformats.org/officeDocument/2006/math">
+                      <m:r>
+                        <a:rPr lang="de-DE" sz="2600" b="0" i="1" smtClean="0">
+                          <a:latin typeface="Cambria Math" panose="02040503050406030204" pitchFamily="18" charset="0"/>
+                        </a:rPr>
+                        <m:t>𝑃</m:t>
+                      </m:r>
+                      <m:d>
+                        <m:dPr>
+                          <m:endChr m:val="|"/>
+                          <m:ctrlPr>
+                            <a:rPr lang="de-DE" sz="2600" b="0" i="1" smtClean="0">
+                              <a:latin typeface="Cambria Math" panose="02040503050406030204" pitchFamily="18" charset="0"/>
+                            </a:rPr>
+                          </m:ctrlPr>
+                        </m:dPr>
+                        <m:e>
+                          <m:r>
+                            <a:rPr lang="de-DE" sz="2600" b="0" i="1" smtClean="0">
+                              <a:latin typeface="Cambria Math" panose="02040503050406030204" pitchFamily="18" charset="0"/>
+                            </a:rPr>
+                            <m:t>𝐶𝑙𝑎𝑠𝑠</m:t>
+                          </m:r>
+                          <m:r>
+                            <a:rPr lang="de-DE" sz="2600" b="0" i="1" smtClean="0">
+                              <a:latin typeface="Cambria Math" panose="02040503050406030204" pitchFamily="18" charset="0"/>
+                            </a:rPr>
+                            <m:t> </m:t>
+                          </m:r>
+                        </m:e>
+                      </m:d>
+                      <m:r>
+                        <a:rPr lang="de-DE" sz="2600" b="0" i="1" smtClean="0">
+                          <a:latin typeface="Cambria Math" panose="02040503050406030204" pitchFamily="18" charset="0"/>
+                        </a:rPr>
+                        <m:t> </m:t>
+                      </m:r>
+                      <m:r>
+                        <a:rPr lang="de-DE" sz="2600" b="0" i="1" smtClean="0">
+                          <a:latin typeface="Cambria Math" panose="02040503050406030204" pitchFamily="18" charset="0"/>
+                        </a:rPr>
+                        <m:t>𝑊𝑜𝑟𝑑</m:t>
+                      </m:r>
+                      <m:r>
+                        <a:rPr lang="de-DE" sz="2600" b="0" i="1" smtClean="0">
+                          <a:latin typeface="Cambria Math" panose="02040503050406030204" pitchFamily="18" charset="0"/>
+                        </a:rPr>
+                        <m:t>)=</m:t>
+                      </m:r>
+                      <m:r>
+                        <a:rPr lang="de-DE" sz="2600" b="0" i="1" smtClean="0">
+                          <a:latin typeface="Cambria Math" panose="02040503050406030204" pitchFamily="18" charset="0"/>
+                        </a:rPr>
+                        <m:t>𝑃</m:t>
+                      </m:r>
+                      <m:d>
+                        <m:dPr>
+                          <m:ctrlPr>
+                            <a:rPr lang="de-DE" sz="2600" b="0" i="1" smtClean="0">
+                              <a:latin typeface="Cambria Math" panose="02040503050406030204" pitchFamily="18" charset="0"/>
+                            </a:rPr>
+                          </m:ctrlPr>
+                        </m:dPr>
+                        <m:e>
+                          <m:r>
+                            <a:rPr lang="de-DE" sz="2600" b="0" i="1" smtClean="0">
+                              <a:latin typeface="Cambria Math" panose="02040503050406030204" pitchFamily="18" charset="0"/>
+                            </a:rPr>
+                            <m:t>𝑊𝑜𝑟𝑑</m:t>
+                          </m:r>
+                        </m:e>
+                      </m:d>
+                      <m:r>
+                        <a:rPr lang="de-DE" sz="2600" b="0" i="1" smtClean="0">
+                          <a:latin typeface="Cambria Math" panose="02040503050406030204" pitchFamily="18" charset="0"/>
+                        </a:rPr>
+                        <m:t>+</m:t>
+                      </m:r>
+                      <m:r>
+                        <a:rPr lang="de-DE" sz="2600" b="0" i="1" smtClean="0">
+                          <a:latin typeface="Cambria Math" panose="02040503050406030204" pitchFamily="18" charset="0"/>
+                        </a:rPr>
+                        <m:t>𝑃</m:t>
+                      </m:r>
+                      <m:d>
+                        <m:dPr>
+                          <m:endChr m:val="|"/>
+                          <m:ctrlPr>
+                            <a:rPr lang="de-DE" sz="2600" b="0" i="1" smtClean="0">
+                              <a:latin typeface="Cambria Math" panose="02040503050406030204" pitchFamily="18" charset="0"/>
+                            </a:rPr>
+                          </m:ctrlPr>
+                        </m:dPr>
+                        <m:e>
+                          <m:r>
+                            <a:rPr lang="de-DE" sz="2600" b="0" i="1" smtClean="0">
+                              <a:latin typeface="Cambria Math" panose="02040503050406030204" pitchFamily="18" charset="0"/>
+                            </a:rPr>
+                            <m:t>𝑊𝑜𝑟𝑑</m:t>
+                          </m:r>
+                          <m:r>
+                            <a:rPr lang="de-DE" sz="2600" b="0" i="1" smtClean="0">
+                              <a:latin typeface="Cambria Math" panose="02040503050406030204" pitchFamily="18" charset="0"/>
+                            </a:rPr>
+                            <m:t> </m:t>
+                          </m:r>
+                        </m:e>
+                      </m:d>
+                      <m:r>
+                        <a:rPr lang="de-DE" sz="2600" b="0" i="1" smtClean="0">
+                          <a:latin typeface="Cambria Math" panose="02040503050406030204" pitchFamily="18" charset="0"/>
+                        </a:rPr>
+                        <m:t> </m:t>
+                      </m:r>
+                      <m:r>
+                        <a:rPr lang="de-DE" sz="2600" b="0" i="1" smtClean="0">
+                          <a:latin typeface="Cambria Math" panose="02040503050406030204" pitchFamily="18" charset="0"/>
+                        </a:rPr>
+                        <m:t>𝐶𝑙𝑎𝑠𝑠</m:t>
+                      </m:r>
+                      <m:r>
+                        <a:rPr lang="de-DE" sz="2600" b="0" i="1" smtClean="0">
+                          <a:latin typeface="Cambria Math" panose="02040503050406030204" pitchFamily="18" charset="0"/>
+                        </a:rPr>
+                        <m:t>)</m:t>
+                      </m:r>
+                    </m:oMath>
+                  </m:oMathPara>
+                </a14:m>
+                <a:endParaRPr lang="de-DE" sz="2600" i="1" dirty="0"/>
+              </a:p>
+              <a:p>
+                <a:pPr marL="457200" lvl="1" indent="0" algn="ctr">
+                  <a:buNone/>
+                </a:pPr>
+                <a:endParaRPr lang="de-DE" i="1" dirty="0"/>
+              </a:p>
+              <a:p>
+                <a:endParaRPr lang="de-DE" dirty="0"/>
+              </a:p>
+              <a:p>
+                <a:endParaRPr lang="en-US" dirty="0"/>
+              </a:p>
+            </p:txBody>
+          </p:sp>
+        </mc:Choice>
+        <mc:Fallback>
+          <p:sp>
+            <p:nvSpPr>
+              <p:cNvPr id="6" name="Content Placeholder 5">
+                <a:extLst>
+                  <a:ext uri="{FF2B5EF4-FFF2-40B4-BE49-F238E27FC236}">
+                    <a16:creationId xmlns:a16="http://schemas.microsoft.com/office/drawing/2014/main" id="{2AE796F7-D794-4D05-8899-07A1EBAFB632}"/>
+                  </a:ext>
+                </a:extLst>
+              </p:cNvPr>
+              <p:cNvSpPr>
+                <a:spLocks noGrp="1" noRot="1" noChangeAspect="1" noMove="1" noResize="1" noEditPoints="1" noAdjustHandles="1" noChangeArrowheads="1" noChangeShapeType="1" noTextEdit="1"/>
+              </p:cNvSpPr>
+              <p:nvPr>
+                <p:ph idx="1"/>
+              </p:nvPr>
+            </p:nvSpPr>
+            <p:spPr>
+              <a:xfrm>
+                <a:off x="992221" y="2015732"/>
+                <a:ext cx="10062633" cy="3678058"/>
+              </a:xfrm>
+              <a:blipFill>
+                <a:blip r:embed="rId2"/>
+                <a:stretch>
+                  <a:fillRect/>
+                </a:stretch>
+              </a:blipFill>
+            </p:spPr>
+            <p:txBody>
+              <a:bodyPr/>
+              <a:lstStyle/>
+              <a:p>
+                <a:r>
+                  <a:rPr lang="en-US">
+                    <a:noFill/>
+                  </a:rPr>
+                  <a:t> </a:t>
+                </a:r>
+              </a:p>
+            </p:txBody>
+          </p:sp>
+        </mc:Fallback>
+      </mc:AlternateContent>
+    </p:spTree>
+    <p:extLst>
+      <p:ext uri="{BB962C8B-B14F-4D97-AF65-F5344CB8AC3E}">
+        <p14:creationId xmlns:p14="http://schemas.microsoft.com/office/powerpoint/2010/main" val="3687919095"/>
+      </p:ext>
+    </p:extLst>
+  </p:cSld>
+  <p:clrMapOvr>
+    <a:masterClrMapping/>
+  </p:clrMapOvr>
+</p:sld>
+</file>
+
+<file path=ppt/slides/slide11.xml><?xml version="1.0" encoding="utf-8"?>
+<p:sld xmlns:a="http://schemas.openxmlformats.org/drawingml/2006/main" xmlns:r="http://schemas.openxmlformats.org/officeDocument/2006/relationships" xmlns:p="http://schemas.openxmlformats.org/presentationml/2006/main">
+  <p:cSld>
+    <p:spTree>
+      <p:nvGrpSpPr>
+        <p:cNvPr id="1" name=""/>
+        <p:cNvGrpSpPr/>
+        <p:nvPr/>
+      </p:nvGrpSpPr>
+      <p:grpSpPr>
+        <a:xfrm>
+          <a:off x="0" y="0"/>
+          <a:ext cx="0" cy="0"/>
+          <a:chOff x="0" y="0"/>
+          <a:chExt cx="0" cy="0"/>
+        </a:xfrm>
+      </p:grpSpPr>
+      <p:sp>
+        <p:nvSpPr>
+          <p:cNvPr id="2" name="Title 1">
+            <a:extLst>
+              <a:ext uri="{FF2B5EF4-FFF2-40B4-BE49-F238E27FC236}">
+                <a16:creationId xmlns:a16="http://schemas.microsoft.com/office/drawing/2014/main" id="{8FF5B417-7BC6-4C87-93ED-E70C1F6E3E1D}"/>
+              </a:ext>
+            </a:extLst>
+          </p:cNvPr>
+          <p:cNvSpPr>
+            <a:spLocks noGrp="1"/>
+          </p:cNvSpPr>
+          <p:nvPr>
+            <p:ph type="title"/>
+          </p:nvPr>
+        </p:nvSpPr>
+        <p:spPr/>
+        <p:txBody>
+          <a:bodyPr/>
+          <a:lstStyle/>
+          <a:p>
+            <a:r>
+              <a:rPr lang="de-DE" dirty="0"/>
+              <a:t>Word Based binary Sentiment Classifiction</a:t>
+            </a:r>
+            <a:br>
+              <a:rPr lang="de-DE" dirty="0"/>
+            </a:br>
+            <a:r>
+              <a:rPr lang="de-DE" dirty="0"/>
+              <a:t>STEPS</a:t>
             </a:r>
             <a:endParaRPr lang="en-US" dirty="0"/>
           </a:p>
@@ -7927,10 +8553,203 @@
             <p:ph idx="1"/>
           </p:nvPr>
         </p:nvSpPr>
+        <p:spPr>
+          <a:xfrm>
+            <a:off x="1451579" y="2015732"/>
+            <a:ext cx="9603275" cy="3678058"/>
+          </a:xfrm>
+        </p:spPr>
+        <p:txBody>
+          <a:bodyPr>
+            <a:normAutofit lnSpcReduction="10000"/>
+          </a:bodyPr>
+          <a:lstStyle/>
+          <a:p>
+            <a:pPr marL="800100" lvl="1" indent="-342900">
+              <a:buAutoNum type="arabicParenR"/>
+            </a:pPr>
+            <a:r>
+              <a:rPr lang="de-DE" sz="2400" dirty="0"/>
+              <a:t>Load text files</a:t>
+            </a:r>
+          </a:p>
+          <a:p>
+            <a:pPr marL="800100" lvl="1" indent="-342900">
+              <a:buAutoNum type="arabicParenR"/>
+            </a:pPr>
+            <a:r>
+              <a:rPr lang="de-DE" sz="2400" dirty="0"/>
+              <a:t>Tokenize and remove stopwords</a:t>
+            </a:r>
+          </a:p>
+          <a:p>
+            <a:pPr marL="800100" lvl="1" indent="-342900">
+              <a:buAutoNum type="arabicParenR"/>
+            </a:pPr>
+            <a:r>
+              <a:rPr lang="de-DE" sz="2400" dirty="0"/>
+              <a:t>Calculate for each token: </a:t>
+            </a:r>
+          </a:p>
+          <a:p>
+            <a:pPr marL="1257300" lvl="2" indent="-342900">
+              <a:buAutoNum type="arabicParenR"/>
+            </a:pPr>
+            <a:r>
+              <a:rPr lang="de-DE" sz="2000" dirty="0"/>
+              <a:t>Number of occurences in the documents</a:t>
+            </a:r>
+          </a:p>
+          <a:p>
+            <a:pPr marL="1257300" lvl="2" indent="-342900">
+              <a:buAutoNum type="arabicParenR"/>
+            </a:pPr>
+            <a:r>
+              <a:rPr lang="de-DE" sz="2000" dirty="0"/>
+              <a:t>Number of occurences per class (positive/negative)</a:t>
+            </a:r>
+          </a:p>
+          <a:p>
+            <a:pPr marL="800100" lvl="1" indent="-342900">
+              <a:buAutoNum type="arabicParenR"/>
+            </a:pPr>
+            <a:r>
+              <a:rPr lang="de-DE" sz="2400" dirty="0"/>
+              <a:t>Write prediction function which normalizes the probabilites</a:t>
+            </a:r>
+          </a:p>
+          <a:p>
+            <a:pPr marL="800100" lvl="1" indent="-342900">
+              <a:buAutoNum type="arabicParenR"/>
+            </a:pPr>
+            <a:r>
+              <a:rPr lang="de-DE" sz="2400" dirty="0">
+                <a:solidFill>
+                  <a:prstClr val="black"/>
+                </a:solidFill>
+              </a:rPr>
+              <a:t>Run test script and modify your code to improve results </a:t>
+            </a:r>
+          </a:p>
+          <a:p>
+            <a:pPr marL="457200" lvl="1" indent="0">
+              <a:buNone/>
+            </a:pPr>
+            <a:r>
+              <a:rPr lang="de-DE" sz="2400" dirty="0">
+                <a:solidFill>
+                  <a:prstClr val="black"/>
+                </a:solidFill>
+              </a:rPr>
+              <a:t>(You should end up with around 70% accuracy)</a:t>
+            </a:r>
+          </a:p>
+          <a:p>
+            <a:pPr lvl="2">
+              <a:buFontTx/>
+              <a:buChar char="-"/>
+            </a:pPr>
+            <a:endParaRPr lang="de-DE" dirty="0"/>
+          </a:p>
+          <a:p>
+            <a:endParaRPr lang="de-DE" dirty="0"/>
+          </a:p>
+          <a:p>
+            <a:endParaRPr lang="en-US" dirty="0"/>
+          </a:p>
+        </p:txBody>
+      </p:sp>
+    </p:spTree>
+    <p:extLst>
+      <p:ext uri="{BB962C8B-B14F-4D97-AF65-F5344CB8AC3E}">
+        <p14:creationId xmlns:p14="http://schemas.microsoft.com/office/powerpoint/2010/main" val="3988124057"/>
+      </p:ext>
+    </p:extLst>
+  </p:cSld>
+  <p:clrMapOvr>
+    <a:masterClrMapping/>
+  </p:clrMapOvr>
+</p:sld>
+</file>
+
+<file path=ppt/slides/slide12.xml><?xml version="1.0" encoding="utf-8"?>
+<p:sld xmlns:a="http://schemas.openxmlformats.org/drawingml/2006/main" xmlns:r="http://schemas.openxmlformats.org/officeDocument/2006/relationships" xmlns:p="http://schemas.openxmlformats.org/presentationml/2006/main">
+  <p:cSld>
+    <p:spTree>
+      <p:nvGrpSpPr>
+        <p:cNvPr id="1" name=""/>
+        <p:cNvGrpSpPr/>
+        <p:nvPr/>
+      </p:nvGrpSpPr>
+      <p:grpSpPr>
+        <a:xfrm>
+          <a:off x="0" y="0"/>
+          <a:ext cx="0" cy="0"/>
+          <a:chOff x="0" y="0"/>
+          <a:chExt cx="0" cy="0"/>
+        </a:xfrm>
+      </p:grpSpPr>
+      <p:sp>
+        <p:nvSpPr>
+          <p:cNvPr id="2" name="Title 1">
+            <a:extLst>
+              <a:ext uri="{FF2B5EF4-FFF2-40B4-BE49-F238E27FC236}">
+                <a16:creationId xmlns:a16="http://schemas.microsoft.com/office/drawing/2014/main" id="{8FF5B417-7BC6-4C87-93ED-E70C1F6E3E1D}"/>
+              </a:ext>
+            </a:extLst>
+          </p:cNvPr>
+          <p:cNvSpPr>
+            <a:spLocks noGrp="1"/>
+          </p:cNvSpPr>
+          <p:nvPr>
+            <p:ph type="title"/>
+          </p:nvPr>
+        </p:nvSpPr>
         <p:spPr/>
         <p:txBody>
+          <a:bodyPr/>
+          <a:lstStyle/>
+          <a:p>
+            <a:r>
+              <a:rPr lang="de-DE" dirty="0"/>
+              <a:t>Word Based binary Sentiment Classifiction</a:t>
+            </a:r>
+            <a:br>
+              <a:rPr lang="de-DE" dirty="0"/>
+            </a:br>
+            <a:r>
+              <a:rPr lang="de-DE" dirty="0"/>
+              <a:t>BONUS</a:t>
+            </a:r>
+            <a:endParaRPr lang="en-US" dirty="0"/>
+          </a:p>
+        </p:txBody>
+      </p:sp>
+      <p:sp>
+        <p:nvSpPr>
+          <p:cNvPr id="6" name="Content Placeholder 5">
+            <a:extLst>
+              <a:ext uri="{FF2B5EF4-FFF2-40B4-BE49-F238E27FC236}">
+                <a16:creationId xmlns:a16="http://schemas.microsoft.com/office/drawing/2014/main" id="{2AE796F7-D794-4D05-8899-07A1EBAFB632}"/>
+              </a:ext>
+            </a:extLst>
+          </p:cNvPr>
+          <p:cNvSpPr>
+            <a:spLocks noGrp="1"/>
+          </p:cNvSpPr>
+          <p:nvPr>
+            <p:ph idx="1"/>
+          </p:nvPr>
+        </p:nvSpPr>
+        <p:spPr>
+          <a:xfrm>
+            <a:off x="1451579" y="2015732"/>
+            <a:ext cx="9603275" cy="3957051"/>
+          </a:xfrm>
+        </p:spPr>
+        <p:txBody>
           <a:bodyPr>
-            <a:normAutofit fontScale="85000" lnSpcReduction="20000"/>
+            <a:normAutofit/>
           </a:bodyPr>
           <a:lstStyle/>
           <a:p>
@@ -7948,14 +8767,17 @@
             </a:pPr>
             <a:r>
               <a:rPr lang="de-DE" dirty="0"/>
-              <a:t>	Calculate integrate the TF/IDF value (document frequency ratio to word frequency) to 	improve 	accuracy</a:t>
+              <a:t>	Calculate integrate the TF/IDF value (document frequency ratio to word 	frequency) to improve accuracy</a:t>
             </a:r>
           </a:p>
           <a:p>
             <a:pPr marL="0" indent="0">
               <a:buNone/>
             </a:pPr>
-            <a:endParaRPr lang="de-DE" dirty="0"/>
+            <a:r>
+              <a:rPr lang="de-DE" dirty="0"/>
+              <a:t>Bonus 2)</a:t>
+            </a:r>
           </a:p>
           <a:p>
             <a:pPr marL="0" indent="0">
@@ -7963,7 +8785,7 @@
             </a:pPr>
             <a:r>
               <a:rPr lang="de-DE" dirty="0"/>
-              <a:t>Bonus 2)</a:t>
+              <a:t>	Change granularity to sentence level or aspect-level (rule-based)</a:t>
             </a:r>
           </a:p>
           <a:p>
@@ -7972,31 +8794,16 @@
             </a:pPr>
             <a:r>
               <a:rPr lang="de-DE" dirty="0"/>
-              <a:t>	Change granularity to sentence level or aspect-level (rule-based)</a:t>
+              <a:t>Bonus 3) </a:t>
             </a:r>
           </a:p>
           <a:p>
             <a:pPr marL="0" indent="0">
               <a:buNone/>
             </a:pPr>
-            <a:endParaRPr lang="de-DE" dirty="0"/>
-          </a:p>
-          <a:p>
-            <a:pPr marL="0" indent="0">
-              <a:buNone/>
-            </a:pPr>
             <a:r>
               <a:rPr lang="de-DE" dirty="0"/>
-              <a:t>Bonus 3) </a:t>
-            </a:r>
-          </a:p>
-          <a:p>
-            <a:pPr marL="0" indent="0">
-              <a:buNone/>
-            </a:pPr>
-            <a:r>
-              <a:rPr lang="de-DE" dirty="0"/>
-              <a:t>	Try to improve performance with word bi- and trigrams as well as character bi- and trigrams</a:t>
+              <a:t>	Try to improve performance with word bi- and trigrams as well as character bi- 	and trigrams</a:t>
             </a:r>
           </a:p>
         </p:txBody>
@@ -8014,7 +8821,7 @@
 </p:sld>
 </file>
 
-<file path=ppt/slides/slide11.xml><?xml version="1.0" encoding="utf-8"?>
+<file path=ppt/slides/slide13.xml><?xml version="1.0" encoding="utf-8"?>
 <p:sld xmlns:a="http://schemas.openxmlformats.org/drawingml/2006/main" xmlns:r="http://schemas.openxmlformats.org/officeDocument/2006/relationships" xmlns:p="http://schemas.openxmlformats.org/presentationml/2006/main">
   <p:cSld>
     <p:bg>
@@ -8110,7 +8917,7 @@
 </p:sld>
 </file>
 
-<file path=ppt/slides/slide12.xml><?xml version="1.0" encoding="utf-8"?>
+<file path=ppt/slides/slide14.xml><?xml version="1.0" encoding="utf-8"?>
 <p:sld xmlns:a="http://schemas.openxmlformats.org/drawingml/2006/main" xmlns:r="http://schemas.openxmlformats.org/officeDocument/2006/relationships" xmlns:p="http://schemas.openxmlformats.org/presentationml/2006/main">
   <p:cSld>
     <p:spTree>
@@ -8186,7 +8993,7 @@
 </p:sld>
 </file>
 
-<file path=ppt/slides/slide13.xml><?xml version="1.0" encoding="utf-8"?>
+<file path=ppt/slides/slide15.xml><?xml version="1.0" encoding="utf-8"?>
 <p:sld xmlns:a="http://schemas.openxmlformats.org/drawingml/2006/main" xmlns:r="http://schemas.openxmlformats.org/officeDocument/2006/relationships" xmlns:p="http://schemas.openxmlformats.org/presentationml/2006/main">
   <p:cSld>
     <p:bg>
@@ -8234,7 +9041,7 @@
           <a:p>
             <a:r>
               <a:rPr lang="de-DE" dirty="0"/>
-              <a:t>Wrap up &amp; Questions</a:t>
+              <a:t>Conclusion</a:t>
             </a:r>
             <a:endParaRPr lang="en-US" dirty="0"/>
           </a:p>
@@ -8278,7 +9085,7 @@
 </p:sld>
 </file>
 
-<file path=ppt/slides/slide14.xml><?xml version="1.0" encoding="utf-8"?>
+<file path=ppt/slides/slide16.xml><?xml version="1.0" encoding="utf-8"?>
 <p:sld xmlns:a="http://schemas.openxmlformats.org/drawingml/2006/main" xmlns:r="http://schemas.openxmlformats.org/officeDocument/2006/relationships" xmlns:p="http://schemas.openxmlformats.org/presentationml/2006/main">
   <p:cSld>
     <p:spTree>
@@ -8321,7 +9128,7 @@
             </a:br>
             <a:r>
               <a:rPr lang="de-DE" dirty="0"/>
-              <a:t>Wrap up</a:t>
+              <a:t>Conclusion</a:t>
             </a:r>
             <a:endParaRPr lang="en-US" dirty="0"/>
           </a:p>
@@ -8361,7 +9168,7 @@
           <a:p>
             <a:r>
               <a:rPr lang="de-DE" dirty="0"/>
-              <a:t>Simple Algorithm which uses Probabilistic Properties</a:t>
+              <a:t>Simple Algorithm which uses probabilistic Properties</a:t>
             </a:r>
           </a:p>
           <a:p>
@@ -8590,7 +9397,7 @@
 </p:sld>
 </file>
 
-<file path=ppt/slides/slide15.xml><?xml version="1.0" encoding="utf-8"?>
+<file path=ppt/slides/slide17.xml><?xml version="1.0" encoding="utf-8"?>
 <p:sld xmlns:a="http://schemas.openxmlformats.org/drawingml/2006/main" xmlns:r="http://schemas.openxmlformats.org/officeDocument/2006/relationships" xmlns:p="http://schemas.openxmlformats.org/presentationml/2006/main">
   <p:cSld>
     <p:spTree>
@@ -8652,7 +9459,385 @@
 </p:sld>
 </file>
 
-<file path=ppt/slides/slide16.xml><?xml version="1.0" encoding="utf-8"?>
+<file path=ppt/slides/slide18.xml><?xml version="1.0" encoding="utf-8"?>
+<p:sld xmlns:a="http://schemas.openxmlformats.org/drawingml/2006/main" xmlns:r="http://schemas.openxmlformats.org/officeDocument/2006/relationships" xmlns:p="http://schemas.openxmlformats.org/presentationml/2006/main">
+  <p:cSld>
+    <p:spTree>
+      <p:nvGrpSpPr>
+        <p:cNvPr id="1" name=""/>
+        <p:cNvGrpSpPr/>
+        <p:nvPr/>
+      </p:nvGrpSpPr>
+      <p:grpSpPr>
+        <a:xfrm>
+          <a:off x="0" y="0"/>
+          <a:ext cx="0" cy="0"/>
+          <a:chOff x="0" y="0"/>
+          <a:chExt cx="0" cy="0"/>
+        </a:xfrm>
+      </p:grpSpPr>
+      <p:sp>
+        <p:nvSpPr>
+          <p:cNvPr id="2" name="Title 1">
+            <a:extLst>
+              <a:ext uri="{FF2B5EF4-FFF2-40B4-BE49-F238E27FC236}">
+                <a16:creationId xmlns:a16="http://schemas.microsoft.com/office/drawing/2014/main" id="{CA3F3120-A4FA-4762-806F-CD75E047FBDB}"/>
+              </a:ext>
+            </a:extLst>
+          </p:cNvPr>
+          <p:cNvSpPr>
+            <a:spLocks noGrp="1"/>
+          </p:cNvSpPr>
+          <p:nvPr>
+            <p:ph type="title"/>
+          </p:nvPr>
+        </p:nvSpPr>
+        <p:spPr/>
+        <p:txBody>
+          <a:bodyPr/>
+          <a:lstStyle/>
+          <a:p>
+            <a:br>
+              <a:rPr lang="de-DE" dirty="0"/>
+            </a:br>
+            <a:r>
+              <a:rPr lang="de-DE" dirty="0"/>
+              <a:t>FeedbacK</a:t>
+            </a:r>
+            <a:endParaRPr lang="en-US" dirty="0"/>
+          </a:p>
+        </p:txBody>
+      </p:sp>
+      <p:sp>
+        <p:nvSpPr>
+          <p:cNvPr id="5" name="Content Placeholder 4">
+            <a:extLst>
+              <a:ext uri="{FF2B5EF4-FFF2-40B4-BE49-F238E27FC236}">
+                <a16:creationId xmlns:a16="http://schemas.microsoft.com/office/drawing/2014/main" id="{80E44C40-BC4F-4277-88A8-EF1A22C055E9}"/>
+              </a:ext>
+            </a:extLst>
+          </p:cNvPr>
+          <p:cNvSpPr>
+            <a:spLocks noGrp="1"/>
+          </p:cNvSpPr>
+          <p:nvPr>
+            <p:ph idx="1"/>
+          </p:nvPr>
+        </p:nvSpPr>
+        <p:spPr/>
+        <p:txBody>
+          <a:bodyPr/>
+          <a:lstStyle/>
+          <a:p>
+            <a:pPr marL="457200" indent="-457200">
+              <a:buFont typeface="+mj-lt"/>
+              <a:buAutoNum type="arabicPeriod"/>
+            </a:pPr>
+            <a:r>
+              <a:rPr lang="de-DE" dirty="0"/>
+              <a:t>„I liked...“</a:t>
+            </a:r>
+          </a:p>
+          <a:p>
+            <a:pPr marL="457200" indent="-457200">
+              <a:buFont typeface="+mj-lt"/>
+              <a:buAutoNum type="arabicPeriod"/>
+            </a:pPr>
+            <a:endParaRPr lang="de-DE" dirty="0"/>
+          </a:p>
+          <a:p>
+            <a:pPr marL="457200" indent="-457200" algn="ctr">
+              <a:buFont typeface="+mj-lt"/>
+              <a:buAutoNum type="arabicPeriod"/>
+            </a:pPr>
+            <a:r>
+              <a:rPr lang="de-DE" dirty="0"/>
+              <a:t>„For future workshops it would be nice...“</a:t>
+            </a:r>
+          </a:p>
+          <a:p>
+            <a:pPr marL="457200" indent="-457200">
+              <a:buFont typeface="+mj-lt"/>
+              <a:buAutoNum type="arabicPeriod"/>
+            </a:pPr>
+            <a:endParaRPr lang="de-DE" dirty="0"/>
+          </a:p>
+          <a:p>
+            <a:pPr marL="457200" indent="-457200" algn="r">
+              <a:buFont typeface="+mj-lt"/>
+              <a:buAutoNum type="arabicPeriod"/>
+            </a:pPr>
+            <a:r>
+              <a:rPr lang="de-DE" dirty="0"/>
+              <a:t>„Overall the ... was very good“</a:t>
+            </a:r>
+            <a:endParaRPr lang="en-US" dirty="0"/>
+          </a:p>
+          <a:p>
+            <a:pPr marL="0" indent="0">
+              <a:buNone/>
+            </a:pPr>
+            <a:endParaRPr lang="en-US" dirty="0"/>
+          </a:p>
+        </p:txBody>
+      </p:sp>
+      <p:sp>
+        <p:nvSpPr>
+          <p:cNvPr id="4" name="Content Placeholder 4">
+            <a:extLst>
+              <a:ext uri="{FF2B5EF4-FFF2-40B4-BE49-F238E27FC236}">
+                <a16:creationId xmlns:a16="http://schemas.microsoft.com/office/drawing/2014/main" id="{5BAE9E28-B0DB-40ED-8BA7-3DFC73F6A2BF}"/>
+              </a:ext>
+            </a:extLst>
+          </p:cNvPr>
+          <p:cNvSpPr txBox="1">
+            <a:spLocks/>
+          </p:cNvSpPr>
+          <p:nvPr/>
+        </p:nvSpPr>
+        <p:spPr>
+          <a:xfrm>
+            <a:off x="457200" y="1714500"/>
+            <a:ext cx="8229600" cy="2879725"/>
+          </a:xfrm>
+          <a:prstGeom prst="rect">
+            <a:avLst/>
+          </a:prstGeom>
+        </p:spPr>
+        <p:txBody>
+          <a:bodyPr/>
+          <a:lstStyle>
+            <a:lvl1pPr marL="228600" indent="-228600" algn="l" defTabSz="914400" rtl="0" eaLnBrk="1" latinLnBrk="0" hangingPunct="1">
+              <a:lnSpc>
+                <a:spcPct val="120000"/>
+              </a:lnSpc>
+              <a:spcBef>
+                <a:spcPts val="1000"/>
+              </a:spcBef>
+              <a:buClr>
+                <a:schemeClr val="accent1"/>
+              </a:buClr>
+              <a:buSzPct val="100000"/>
+              <a:buFont typeface="Arial" panose="020B0604020202020204" pitchFamily="34" charset="0"/>
+              <a:buChar char="•"/>
+              <a:defRPr sz="2000" kern="1200">
+                <a:solidFill>
+                  <a:schemeClr val="tx1"/>
+                </a:solidFill>
+                <a:effectLst/>
+                <a:latin typeface="+mn-lt"/>
+                <a:ea typeface="+mn-ea"/>
+                <a:cs typeface="+mn-cs"/>
+              </a:defRPr>
+            </a:lvl1pPr>
+            <a:lvl2pPr marL="685800" indent="-228600" algn="l" defTabSz="914400" rtl="0" eaLnBrk="1" latinLnBrk="0" hangingPunct="1">
+              <a:lnSpc>
+                <a:spcPct val="120000"/>
+              </a:lnSpc>
+              <a:spcBef>
+                <a:spcPts val="500"/>
+              </a:spcBef>
+              <a:buClr>
+                <a:schemeClr val="accent1"/>
+              </a:buClr>
+              <a:buSzPct val="100000"/>
+              <a:buFont typeface="Arial" panose="020B0604020202020204" pitchFamily="34" charset="0"/>
+              <a:buChar char="•"/>
+              <a:defRPr sz="1800" kern="1200" cap="none" baseline="0">
+                <a:solidFill>
+                  <a:schemeClr val="tx1"/>
+                </a:solidFill>
+                <a:effectLst/>
+                <a:latin typeface="+mn-lt"/>
+                <a:ea typeface="+mn-ea"/>
+                <a:cs typeface="+mn-cs"/>
+              </a:defRPr>
+            </a:lvl2pPr>
+            <a:lvl3pPr marL="1143000" indent="-228600" algn="l" defTabSz="914400" rtl="0" eaLnBrk="1" latinLnBrk="0" hangingPunct="1">
+              <a:lnSpc>
+                <a:spcPct val="120000"/>
+              </a:lnSpc>
+              <a:spcBef>
+                <a:spcPts val="500"/>
+              </a:spcBef>
+              <a:buClr>
+                <a:schemeClr val="accent1"/>
+              </a:buClr>
+              <a:buSzPct val="100000"/>
+              <a:buFont typeface="Arial" panose="020B0604020202020204" pitchFamily="34" charset="0"/>
+              <a:buChar char="•"/>
+              <a:defRPr sz="1600" kern="1200">
+                <a:solidFill>
+                  <a:schemeClr val="tx1"/>
+                </a:solidFill>
+                <a:effectLst/>
+                <a:latin typeface="+mn-lt"/>
+                <a:ea typeface="+mn-ea"/>
+                <a:cs typeface="+mn-cs"/>
+              </a:defRPr>
+            </a:lvl3pPr>
+            <a:lvl4pPr marL="1600200" indent="-228600" algn="l" defTabSz="914400" rtl="0" eaLnBrk="1" latinLnBrk="0" hangingPunct="1">
+              <a:lnSpc>
+                <a:spcPct val="120000"/>
+              </a:lnSpc>
+              <a:spcBef>
+                <a:spcPts val="500"/>
+              </a:spcBef>
+              <a:buClr>
+                <a:schemeClr val="accent1"/>
+              </a:buClr>
+              <a:buSzPct val="100000"/>
+              <a:buFont typeface="Arial" panose="020B0604020202020204" pitchFamily="34" charset="0"/>
+              <a:buChar char="•"/>
+              <a:defRPr sz="1400" kern="1200" cap="none" baseline="0">
+                <a:solidFill>
+                  <a:schemeClr val="tx1"/>
+                </a:solidFill>
+                <a:effectLst/>
+                <a:latin typeface="+mn-lt"/>
+                <a:ea typeface="+mn-ea"/>
+                <a:cs typeface="+mn-cs"/>
+              </a:defRPr>
+            </a:lvl4pPr>
+            <a:lvl5pPr marL="2057400" indent="-228600" algn="l" defTabSz="914400" rtl="0" eaLnBrk="1" latinLnBrk="0" hangingPunct="1">
+              <a:lnSpc>
+                <a:spcPct val="120000"/>
+              </a:lnSpc>
+              <a:spcBef>
+                <a:spcPts val="500"/>
+              </a:spcBef>
+              <a:buClr>
+                <a:schemeClr val="accent1"/>
+              </a:buClr>
+              <a:buSzPct val="100000"/>
+              <a:buFont typeface="Arial" panose="020B0604020202020204" pitchFamily="34" charset="0"/>
+              <a:buChar char="•"/>
+              <a:defRPr sz="1200" kern="1200">
+                <a:solidFill>
+                  <a:schemeClr val="tx1"/>
+                </a:solidFill>
+                <a:effectLst/>
+                <a:latin typeface="+mn-lt"/>
+                <a:ea typeface="+mn-ea"/>
+                <a:cs typeface="+mn-cs"/>
+              </a:defRPr>
+            </a:lvl5pPr>
+            <a:lvl6pPr marL="2514600" indent="-228600" algn="l" defTabSz="914400" rtl="0" eaLnBrk="1" latinLnBrk="0" hangingPunct="1">
+              <a:lnSpc>
+                <a:spcPct val="120000"/>
+              </a:lnSpc>
+              <a:spcBef>
+                <a:spcPts val="500"/>
+              </a:spcBef>
+              <a:buClr>
+                <a:schemeClr val="accent1"/>
+              </a:buClr>
+              <a:buSzPct val="100000"/>
+              <a:buFont typeface="Arial" panose="020B0604020202020204" pitchFamily="34" charset="0"/>
+              <a:buChar char="•"/>
+              <a:defRPr sz="1200" kern="1200">
+                <a:solidFill>
+                  <a:schemeClr val="tx1"/>
+                </a:solidFill>
+                <a:effectLst/>
+                <a:latin typeface="+mn-lt"/>
+                <a:ea typeface="+mn-ea"/>
+                <a:cs typeface="+mn-cs"/>
+              </a:defRPr>
+            </a:lvl6pPr>
+            <a:lvl7pPr marL="2971800" indent="-228600" algn="l" defTabSz="914400" rtl="0" eaLnBrk="1" latinLnBrk="0" hangingPunct="1">
+              <a:lnSpc>
+                <a:spcPct val="120000"/>
+              </a:lnSpc>
+              <a:spcBef>
+                <a:spcPts val="500"/>
+              </a:spcBef>
+              <a:buClr>
+                <a:schemeClr val="accent1"/>
+              </a:buClr>
+              <a:buSzPct val="100000"/>
+              <a:buFont typeface="Arial" panose="020B0604020202020204" pitchFamily="34" charset="0"/>
+              <a:buChar char="•"/>
+              <a:defRPr sz="1200" kern="1200">
+                <a:solidFill>
+                  <a:schemeClr val="tx1"/>
+                </a:solidFill>
+                <a:effectLst/>
+                <a:latin typeface="+mn-lt"/>
+                <a:ea typeface="+mn-ea"/>
+                <a:cs typeface="+mn-cs"/>
+              </a:defRPr>
+            </a:lvl7pPr>
+            <a:lvl8pPr marL="3429000" indent="-228600" algn="l" defTabSz="914400" rtl="0" eaLnBrk="1" latinLnBrk="0" hangingPunct="1">
+              <a:lnSpc>
+                <a:spcPct val="120000"/>
+              </a:lnSpc>
+              <a:spcBef>
+                <a:spcPts val="500"/>
+              </a:spcBef>
+              <a:buClr>
+                <a:schemeClr val="accent1"/>
+              </a:buClr>
+              <a:buSzPct val="100000"/>
+              <a:buFont typeface="Arial" panose="020B0604020202020204" pitchFamily="34" charset="0"/>
+              <a:buChar char="•"/>
+              <a:defRPr sz="1200" kern="1200" baseline="0">
+                <a:solidFill>
+                  <a:schemeClr val="tx1"/>
+                </a:solidFill>
+                <a:effectLst/>
+                <a:latin typeface="+mn-lt"/>
+                <a:ea typeface="+mn-ea"/>
+                <a:cs typeface="+mn-cs"/>
+              </a:defRPr>
+            </a:lvl8pPr>
+            <a:lvl9pPr marL="3886200" indent="-228600" algn="l" defTabSz="914400" rtl="0" eaLnBrk="1" latinLnBrk="0" hangingPunct="1">
+              <a:lnSpc>
+                <a:spcPct val="120000"/>
+              </a:lnSpc>
+              <a:spcBef>
+                <a:spcPts val="500"/>
+              </a:spcBef>
+              <a:buClr>
+                <a:schemeClr val="accent1"/>
+              </a:buClr>
+              <a:buSzPct val="100000"/>
+              <a:buFont typeface="Arial" panose="020B0604020202020204" pitchFamily="34" charset="0"/>
+              <a:buChar char="•"/>
+              <a:defRPr sz="1200" kern="1200" baseline="0">
+                <a:solidFill>
+                  <a:schemeClr val="tx1"/>
+                </a:solidFill>
+                <a:effectLst/>
+                <a:latin typeface="+mn-lt"/>
+                <a:ea typeface="+mn-ea"/>
+                <a:cs typeface="+mn-cs"/>
+              </a:defRPr>
+            </a:lvl9pPr>
+          </a:lstStyle>
+          <a:p>
+            <a:pPr marL="457200" indent="-457200">
+              <a:buFont typeface="+mj-lt"/>
+              <a:buAutoNum type="arabicPeriod"/>
+            </a:pPr>
+            <a:endParaRPr lang="en-US" dirty="0"/>
+          </a:p>
+        </p:txBody>
+      </p:sp>
+    </p:spTree>
+    <p:extLst>
+      <p:ext uri="{BB962C8B-B14F-4D97-AF65-F5344CB8AC3E}">
+        <p14:creationId xmlns:p14="http://schemas.microsoft.com/office/powerpoint/2010/main" val="201939630"/>
+      </p:ext>
+    </p:extLst>
+  </p:cSld>
+  <p:clrMapOvr>
+    <a:masterClrMapping/>
+  </p:clrMapOvr>
+</p:sld>
+</file>
+
+<file path=ppt/slides/slide19.xml><?xml version="1.0" encoding="utf-8"?>
 <p:sld xmlns:a="http://schemas.openxmlformats.org/drawingml/2006/main" xmlns:r="http://schemas.openxmlformats.org/officeDocument/2006/relationships" xmlns:p="http://schemas.openxmlformats.org/presentationml/2006/main">
   <p:cSld>
     <p:spTree>
@@ -8702,561 +9887,6 @@
     <p:extLst>
       <p:ext uri="{BB962C8B-B14F-4D97-AF65-F5344CB8AC3E}">
         <p14:creationId xmlns:p14="http://schemas.microsoft.com/office/powerpoint/2010/main" val="3227614308"/>
-      </p:ext>
-    </p:extLst>
-  </p:cSld>
-  <p:clrMapOvr>
-    <a:masterClrMapping/>
-  </p:clrMapOvr>
-</p:sld>
-</file>
-
-<file path=ppt/slides/slide17.xml><?xml version="1.0" encoding="utf-8"?>
-<p:sld xmlns:a="http://schemas.openxmlformats.org/drawingml/2006/main" xmlns:r="http://schemas.openxmlformats.org/officeDocument/2006/relationships" xmlns:p="http://schemas.openxmlformats.org/presentationml/2006/main">
-  <p:cSld>
-    <p:bg>
-      <p:bgPr>
-        <a:solidFill>
-          <a:srgbClr val="F9F9F9"/>
-        </a:solidFill>
-        <a:effectLst/>
-      </p:bgPr>
-    </p:bg>
-    <p:spTree>
-      <p:nvGrpSpPr>
-        <p:cNvPr id="1" name=""/>
-        <p:cNvGrpSpPr/>
-        <p:nvPr/>
-      </p:nvGrpSpPr>
-      <p:grpSpPr>
-        <a:xfrm>
-          <a:off x="0" y="0"/>
-          <a:ext cx="0" cy="0"/>
-          <a:chOff x="0" y="0"/>
-          <a:chExt cx="0" cy="0"/>
-        </a:xfrm>
-      </p:grpSpPr>
-      <p:pic>
-        <p:nvPicPr>
-          <p:cNvPr id="5" name="Content Placeholder 4">
-            <a:extLst>
-              <a:ext uri="{FF2B5EF4-FFF2-40B4-BE49-F238E27FC236}">
-                <a16:creationId xmlns:a16="http://schemas.microsoft.com/office/drawing/2014/main" id="{246DA853-321D-4E9F-BC7B-CA2A172E6B15}"/>
-              </a:ext>
-            </a:extLst>
-          </p:cNvPr>
-          <p:cNvPicPr>
-            <a:picLocks noGrp="1" noChangeAspect="1"/>
-          </p:cNvPicPr>
-          <p:nvPr>
-            <p:ph idx="4294967295"/>
-          </p:nvPr>
-        </p:nvPicPr>
-        <p:blipFill>
-          <a:blip r:embed="rId2">
-            <a:extLst>
-              <a:ext uri="{28A0092B-C50C-407E-A947-70E740481C1C}">
-                <a14:useLocalDpi xmlns:a14="http://schemas.microsoft.com/office/drawing/2010/main" val="0"/>
-              </a:ext>
-            </a:extLst>
-          </a:blip>
-          <a:stretch>
-            <a:fillRect/>
-          </a:stretch>
-        </p:blipFill>
-        <p:spPr>
-          <a:xfrm>
-            <a:off x="1999620" y="475995"/>
-            <a:ext cx="8015967" cy="5229733"/>
-          </a:xfrm>
-          <a:ln>
-            <a:solidFill>
-              <a:schemeClr val="tx1"/>
-            </a:solidFill>
-          </a:ln>
-        </p:spPr>
-      </p:pic>
-      <p:cxnSp>
-        <p:nvCxnSpPr>
-          <p:cNvPr id="10" name="Straight Connector 9">
-            <a:extLst>
-              <a:ext uri="{FF2B5EF4-FFF2-40B4-BE49-F238E27FC236}">
-                <a16:creationId xmlns:a16="http://schemas.microsoft.com/office/drawing/2014/main" id="{EFA65C79-A94F-4446-B04E-298551A3A2FD}"/>
-              </a:ext>
-            </a:extLst>
-          </p:cNvPr>
-          <p:cNvCxnSpPr/>
-          <p:nvPr/>
-        </p:nvCxnSpPr>
-        <p:spPr>
-          <a:xfrm>
-            <a:off x="8343900" y="1409573"/>
-            <a:ext cx="1585962" cy="133350"/>
-          </a:xfrm>
-          <a:prstGeom prst="line">
-            <a:avLst/>
-          </a:prstGeom>
-          <a:ln w="57150">
-            <a:solidFill>
-              <a:schemeClr val="tx1"/>
-            </a:solidFill>
-          </a:ln>
-        </p:spPr>
-        <p:style>
-          <a:lnRef idx="1">
-            <a:schemeClr val="accent1"/>
-          </a:lnRef>
-          <a:fillRef idx="0">
-            <a:schemeClr val="accent1"/>
-          </a:fillRef>
-          <a:effectRef idx="0">
-            <a:schemeClr val="accent1"/>
-          </a:effectRef>
-          <a:fontRef idx="minor">
-            <a:schemeClr val="tx1"/>
-          </a:fontRef>
-        </p:style>
-      </p:cxnSp>
-      <p:grpSp>
-        <p:nvGrpSpPr>
-          <p:cNvPr id="3" name="Group 2">
-            <a:extLst>
-              <a:ext uri="{FF2B5EF4-FFF2-40B4-BE49-F238E27FC236}">
-                <a16:creationId xmlns:a16="http://schemas.microsoft.com/office/drawing/2014/main" id="{DA98055B-8271-4962-9E35-1534C0196379}"/>
-              </a:ext>
-            </a:extLst>
-          </p:cNvPr>
-          <p:cNvGrpSpPr/>
-          <p:nvPr/>
-        </p:nvGrpSpPr>
-        <p:grpSpPr>
-          <a:xfrm>
-            <a:off x="3715298" y="756986"/>
-            <a:ext cx="6300289" cy="1901373"/>
-            <a:chOff x="3715298" y="756986"/>
-            <a:chExt cx="6300289" cy="1901373"/>
-          </a:xfrm>
-        </p:grpSpPr>
-        <p:sp>
-          <p:nvSpPr>
-            <p:cNvPr id="8" name="Rectangle 7">
-              <a:extLst>
-                <a:ext uri="{FF2B5EF4-FFF2-40B4-BE49-F238E27FC236}">
-                  <a16:creationId xmlns:a16="http://schemas.microsoft.com/office/drawing/2014/main" id="{C940ABA7-BD86-453B-8273-C769A61A8FDD}"/>
-                </a:ext>
-              </a:extLst>
-            </p:cNvPr>
-            <p:cNvSpPr/>
-            <p:nvPr/>
-          </p:nvSpPr>
-          <p:spPr>
-            <a:xfrm>
-              <a:off x="8343900" y="2281238"/>
-              <a:ext cx="1671687" cy="263999"/>
-            </a:xfrm>
-            <a:prstGeom prst="rect">
-              <a:avLst/>
-            </a:prstGeom>
-            <a:noFill/>
-            <a:ln w="38100">
-              <a:solidFill>
-                <a:srgbClr val="0070C0"/>
-              </a:solidFill>
-            </a:ln>
-          </p:spPr>
-          <p:style>
-            <a:lnRef idx="2">
-              <a:schemeClr val="accent1">
-                <a:shade val="50000"/>
-              </a:schemeClr>
-            </a:lnRef>
-            <a:fillRef idx="1">
-              <a:schemeClr val="accent1"/>
-            </a:fillRef>
-            <a:effectRef idx="0">
-              <a:schemeClr val="accent1"/>
-            </a:effectRef>
-            <a:fontRef idx="minor">
-              <a:schemeClr val="lt1"/>
-            </a:fontRef>
-          </p:style>
-          <p:txBody>
-            <a:bodyPr rtlCol="0" anchor="ctr"/>
-            <a:lstStyle/>
-            <a:p>
-              <a:pPr algn="ctr"/>
-              <a:endParaRPr lang="en-US"/>
-            </a:p>
-          </p:txBody>
-        </p:sp>
-        <p:sp>
-          <p:nvSpPr>
-            <p:cNvPr id="11" name="Rectangle 10">
-              <a:extLst>
-                <a:ext uri="{FF2B5EF4-FFF2-40B4-BE49-F238E27FC236}">
-                  <a16:creationId xmlns:a16="http://schemas.microsoft.com/office/drawing/2014/main" id="{C77031B1-68BB-48FE-9E37-4C3B746536F6}"/>
-                </a:ext>
-              </a:extLst>
-            </p:cNvPr>
-            <p:cNvSpPr/>
-            <p:nvPr/>
-          </p:nvSpPr>
-          <p:spPr>
-            <a:xfrm>
-              <a:off x="7106338" y="2203906"/>
-              <a:ext cx="925300" cy="454453"/>
-            </a:xfrm>
-            <a:prstGeom prst="rect">
-              <a:avLst/>
-            </a:prstGeom>
-            <a:noFill/>
-            <a:ln w="38100">
-              <a:solidFill>
-                <a:srgbClr val="0070C0"/>
-              </a:solidFill>
-            </a:ln>
-          </p:spPr>
-          <p:style>
-            <a:lnRef idx="2">
-              <a:schemeClr val="accent1">
-                <a:shade val="50000"/>
-              </a:schemeClr>
-            </a:lnRef>
-            <a:fillRef idx="1">
-              <a:schemeClr val="accent1"/>
-            </a:fillRef>
-            <a:effectRef idx="0">
-              <a:schemeClr val="accent1"/>
-            </a:effectRef>
-            <a:fontRef idx="minor">
-              <a:schemeClr val="lt1"/>
-            </a:fontRef>
-          </p:style>
-          <p:txBody>
-            <a:bodyPr rtlCol="0" anchor="ctr"/>
-            <a:lstStyle/>
-            <a:p>
-              <a:pPr algn="ctr"/>
-              <a:endParaRPr lang="en-US"/>
-            </a:p>
-          </p:txBody>
-        </p:sp>
-        <p:sp>
-          <p:nvSpPr>
-            <p:cNvPr id="12" name="Rectangle 11">
-              <a:extLst>
-                <a:ext uri="{FF2B5EF4-FFF2-40B4-BE49-F238E27FC236}">
-                  <a16:creationId xmlns:a16="http://schemas.microsoft.com/office/drawing/2014/main" id="{CF77B09F-1521-4CB2-A9EE-8ABF2F01090D}"/>
-                </a:ext>
-              </a:extLst>
-            </p:cNvPr>
-            <p:cNvSpPr/>
-            <p:nvPr/>
-          </p:nvSpPr>
-          <p:spPr>
-            <a:xfrm>
-              <a:off x="5264653" y="756986"/>
-              <a:ext cx="1485900" cy="308244"/>
-            </a:xfrm>
-            <a:prstGeom prst="rect">
-              <a:avLst/>
-            </a:prstGeom>
-            <a:noFill/>
-            <a:ln w="38100">
-              <a:solidFill>
-                <a:srgbClr val="0070C0"/>
-              </a:solidFill>
-            </a:ln>
-          </p:spPr>
-          <p:style>
-            <a:lnRef idx="2">
-              <a:schemeClr val="accent1">
-                <a:shade val="50000"/>
-              </a:schemeClr>
-            </a:lnRef>
-            <a:fillRef idx="1">
-              <a:schemeClr val="accent1"/>
-            </a:fillRef>
-            <a:effectRef idx="0">
-              <a:schemeClr val="accent1"/>
-            </a:effectRef>
-            <a:fontRef idx="minor">
-              <a:schemeClr val="lt1"/>
-            </a:fontRef>
-          </p:style>
-          <p:txBody>
-            <a:bodyPr rtlCol="0" anchor="ctr"/>
-            <a:lstStyle/>
-            <a:p>
-              <a:pPr algn="ctr"/>
-              <a:endParaRPr lang="en-US"/>
-            </a:p>
-          </p:txBody>
-        </p:sp>
-        <p:sp>
-          <p:nvSpPr>
-            <p:cNvPr id="13" name="Rectangle 12">
-              <a:extLst>
-                <a:ext uri="{FF2B5EF4-FFF2-40B4-BE49-F238E27FC236}">
-                  <a16:creationId xmlns:a16="http://schemas.microsoft.com/office/drawing/2014/main" id="{E114470B-95D2-4CF2-AA75-46A0269E8AF6}"/>
-                </a:ext>
-              </a:extLst>
-            </p:cNvPr>
-            <p:cNvSpPr/>
-            <p:nvPr/>
-          </p:nvSpPr>
-          <p:spPr>
-            <a:xfrm>
-              <a:off x="3715298" y="1659118"/>
-              <a:ext cx="1266825" cy="445907"/>
-            </a:xfrm>
-            <a:prstGeom prst="rect">
-              <a:avLst/>
-            </a:prstGeom>
-            <a:noFill/>
-            <a:ln w="38100">
-              <a:solidFill>
-                <a:srgbClr val="0070C0"/>
-              </a:solidFill>
-            </a:ln>
-          </p:spPr>
-          <p:style>
-            <a:lnRef idx="2">
-              <a:schemeClr val="accent1">
-                <a:shade val="50000"/>
-              </a:schemeClr>
-            </a:lnRef>
-            <a:fillRef idx="1">
-              <a:schemeClr val="accent1"/>
-            </a:fillRef>
-            <a:effectRef idx="0">
-              <a:schemeClr val="accent1"/>
-            </a:effectRef>
-            <a:fontRef idx="minor">
-              <a:schemeClr val="lt1"/>
-            </a:fontRef>
-          </p:style>
-          <p:txBody>
-            <a:bodyPr rtlCol="0" anchor="ctr"/>
-            <a:lstStyle/>
-            <a:p>
-              <a:pPr algn="ctr"/>
-              <a:endParaRPr lang="en-US"/>
-            </a:p>
-          </p:txBody>
-        </p:sp>
-      </p:grpSp>
-      <p:cxnSp>
-        <p:nvCxnSpPr>
-          <p:cNvPr id="14" name="Straight Connector 13">
-            <a:extLst>
-              <a:ext uri="{FF2B5EF4-FFF2-40B4-BE49-F238E27FC236}">
-                <a16:creationId xmlns:a16="http://schemas.microsoft.com/office/drawing/2014/main" id="{08F9CE3C-A7FF-4587-A4E5-AF278202B3A6}"/>
-              </a:ext>
-            </a:extLst>
-          </p:cNvPr>
-          <p:cNvCxnSpPr>
-            <a:cxnSpLocks/>
-          </p:cNvCxnSpPr>
-          <p:nvPr/>
-        </p:nvCxnSpPr>
-        <p:spPr>
-          <a:xfrm flipV="1">
-            <a:off x="8386762" y="1409573"/>
-            <a:ext cx="1543100" cy="133350"/>
-          </a:xfrm>
-          <a:prstGeom prst="line">
-            <a:avLst/>
-          </a:prstGeom>
-          <a:ln w="57150">
-            <a:solidFill>
-              <a:schemeClr val="tx1"/>
-            </a:solidFill>
-          </a:ln>
-        </p:spPr>
-        <p:style>
-          <a:lnRef idx="1">
-            <a:schemeClr val="accent1"/>
-          </a:lnRef>
-          <a:fillRef idx="0">
-            <a:schemeClr val="accent1"/>
-          </a:fillRef>
-          <a:effectRef idx="0">
-            <a:schemeClr val="accent1"/>
-          </a:effectRef>
-          <a:fontRef idx="minor">
-            <a:schemeClr val="tx1"/>
-          </a:fontRef>
-        </p:style>
-      </p:cxnSp>
-    </p:spTree>
-    <p:extLst>
-      <p:ext uri="{BB962C8B-B14F-4D97-AF65-F5344CB8AC3E}">
-        <p14:creationId xmlns:p14="http://schemas.microsoft.com/office/powerpoint/2010/main" val="274859066"/>
-      </p:ext>
-    </p:extLst>
-  </p:cSld>
-  <p:clrMapOvr>
-    <a:masterClrMapping/>
-  </p:clrMapOvr>
-</p:sld>
-</file>
-
-<file path=ppt/slides/slide18.xml><?xml version="1.0" encoding="utf-8"?>
-<p:sld xmlns:a="http://schemas.openxmlformats.org/drawingml/2006/main" xmlns:r="http://schemas.openxmlformats.org/officeDocument/2006/relationships" xmlns:p="http://schemas.openxmlformats.org/presentationml/2006/main">
-  <p:cSld>
-    <p:spTree>
-      <p:nvGrpSpPr>
-        <p:cNvPr id="1" name=""/>
-        <p:cNvGrpSpPr/>
-        <p:nvPr/>
-      </p:nvGrpSpPr>
-      <p:grpSpPr>
-        <a:xfrm>
-          <a:off x="0" y="0"/>
-          <a:ext cx="0" cy="0"/>
-          <a:chOff x="0" y="0"/>
-          <a:chExt cx="0" cy="0"/>
-        </a:xfrm>
-      </p:grpSpPr>
-      <p:sp>
-        <p:nvSpPr>
-          <p:cNvPr id="2" name="Title 1">
-            <a:extLst>
-              <a:ext uri="{FF2B5EF4-FFF2-40B4-BE49-F238E27FC236}">
-                <a16:creationId xmlns:a16="http://schemas.microsoft.com/office/drawing/2014/main" id="{8FF5B417-7BC6-4C87-93ED-E70C1F6E3E1D}"/>
-              </a:ext>
-            </a:extLst>
-          </p:cNvPr>
-          <p:cNvSpPr>
-            <a:spLocks noGrp="1"/>
-          </p:cNvSpPr>
-          <p:nvPr>
-            <p:ph type="title"/>
-          </p:nvPr>
-        </p:nvSpPr>
-        <p:spPr/>
-        <p:txBody>
-          <a:bodyPr/>
-          <a:lstStyle/>
-          <a:p>
-            <a:r>
-              <a:rPr lang="de-DE" dirty="0"/>
-              <a:t>Probaibilistic Sentiment Classification</a:t>
-            </a:r>
-            <a:endParaRPr lang="en-US" dirty="0"/>
-          </a:p>
-        </p:txBody>
-      </p:sp>
-      <p:sp>
-        <p:nvSpPr>
-          <p:cNvPr id="6" name="Content Placeholder 5">
-            <a:extLst>
-              <a:ext uri="{FF2B5EF4-FFF2-40B4-BE49-F238E27FC236}">
-                <a16:creationId xmlns:a16="http://schemas.microsoft.com/office/drawing/2014/main" id="{2AE796F7-D794-4D05-8899-07A1EBAFB632}"/>
-              </a:ext>
-            </a:extLst>
-          </p:cNvPr>
-          <p:cNvSpPr>
-            <a:spLocks noGrp="1"/>
-          </p:cNvSpPr>
-          <p:nvPr>
-            <p:ph idx="1"/>
-          </p:nvPr>
-        </p:nvSpPr>
-        <p:spPr/>
-        <p:txBody>
-          <a:bodyPr>
-            <a:normAutofit fontScale="70000" lnSpcReduction="20000"/>
-          </a:bodyPr>
-          <a:lstStyle/>
-          <a:p>
-            <a:r>
-              <a:rPr lang="de-DE" dirty="0"/>
-              <a:t>Word-based (Unigram, 1 Word = 1 Feature)</a:t>
-            </a:r>
-          </a:p>
-          <a:p>
-            <a:r>
-              <a:rPr lang="de-DE" dirty="0"/>
-              <a:t>Probability -&gt; Frequency for xi / Frequency x</a:t>
-            </a:r>
-          </a:p>
-          <a:p>
-            <a:r>
-              <a:rPr lang="de-DE" dirty="0"/>
-              <a:t>Granularity:</a:t>
-            </a:r>
-          </a:p>
-          <a:p>
-            <a:pPr lvl="1"/>
-            <a:r>
-              <a:rPr lang="de-DE" sz="2800" dirty="0">
-                <a:solidFill>
-                  <a:schemeClr val="bg1">
-                    <a:lumMod val="50000"/>
-                  </a:schemeClr>
-                </a:solidFill>
-              </a:rPr>
-              <a:t>Word-Level (Aspects)</a:t>
-            </a:r>
-          </a:p>
-          <a:p>
-            <a:pPr lvl="1"/>
-            <a:r>
-              <a:rPr lang="de-DE" sz="2800" dirty="0">
-                <a:solidFill>
-                  <a:schemeClr val="bg1">
-                    <a:lumMod val="50000"/>
-                  </a:schemeClr>
-                </a:solidFill>
-              </a:rPr>
-              <a:t>Sentence-Level</a:t>
-            </a:r>
-          </a:p>
-          <a:p>
-            <a:pPr lvl="1"/>
-            <a:r>
-              <a:rPr lang="de-DE" sz="2800" dirty="0"/>
-              <a:t>Document-Level</a:t>
-            </a:r>
-          </a:p>
-          <a:p>
-            <a:r>
-              <a:rPr lang="de-DE" sz="3200" dirty="0"/>
-              <a:t>Unseen words: </a:t>
-            </a:r>
-          </a:p>
-          <a:p>
-            <a:pPr lvl="1"/>
-            <a:r>
-              <a:rPr lang="de-DE" sz="2800" dirty="0">
-                <a:solidFill>
-                  <a:schemeClr val="bg1">
-                    <a:lumMod val="50000"/>
-                  </a:schemeClr>
-                </a:solidFill>
-              </a:rPr>
-              <a:t>Backoff / Laplace Smoothing</a:t>
-            </a:r>
-          </a:p>
-          <a:p>
-            <a:pPr lvl="1"/>
-            <a:r>
-              <a:rPr lang="de-DE" sz="2800" dirty="0"/>
-              <a:t>Discard words</a:t>
-            </a:r>
-            <a:endParaRPr lang="de-DE" dirty="0"/>
-          </a:p>
-          <a:p>
-            <a:endParaRPr lang="en-US" dirty="0"/>
-          </a:p>
-        </p:txBody>
-      </p:sp>
-    </p:spTree>
-    <p:extLst>
-      <p:ext uri="{BB962C8B-B14F-4D97-AF65-F5344CB8AC3E}">
-        <p14:creationId xmlns:p14="http://schemas.microsoft.com/office/powerpoint/2010/main" val="196565384"/>
       </p:ext>
     </p:extLst>
   </p:cSld>
@@ -9846,356 +10476,377 @@
           </p:txBody>
         </p:sp>
       </p:grpSp>
-      <p:sp>
-        <p:nvSpPr>
-          <p:cNvPr id="22" name="Textfeld 12">
+      <p:grpSp>
+        <p:nvGrpSpPr>
+          <p:cNvPr id="2" name="Group 1">
             <a:extLst>
               <a:ext uri="{FF2B5EF4-FFF2-40B4-BE49-F238E27FC236}">
-                <a16:creationId xmlns:a16="http://schemas.microsoft.com/office/drawing/2014/main" id="{EE430C2C-AAD9-4B28-9EEB-60662C72ADF9}"/>
+                <a16:creationId xmlns:a16="http://schemas.microsoft.com/office/drawing/2014/main" id="{42FB220C-3827-4127-B762-1CC6C35E3783}"/>
               </a:ext>
             </a:extLst>
           </p:cNvPr>
-          <p:cNvSpPr txBox="1"/>
+          <p:cNvGrpSpPr/>
           <p:nvPr/>
-        </p:nvSpPr>
-        <p:spPr>
+        </p:nvGrpSpPr>
+        <p:grpSpPr>
           <a:xfrm>
-            <a:off x="6272114" y="2693859"/>
-            <a:ext cx="2780889" cy="646331"/>
+            <a:off x="5239187" y="1284928"/>
+            <a:ext cx="6845001" cy="3474498"/>
+            <a:chOff x="5239187" y="1284928"/>
+            <a:chExt cx="6845001" cy="3474498"/>
           </a:xfrm>
-          <a:prstGeom prst="rect">
-            <a:avLst/>
-          </a:prstGeom>
-          <a:noFill/>
-        </p:spPr>
-        <p:txBody>
-          <a:bodyPr wrap="none" rtlCol="0">
-            <a:spAutoFit/>
-          </a:bodyPr>
-          <a:lstStyle/>
-          <a:p>
-            <a:r>
-              <a:rPr lang="en-US" dirty="0">
+        </p:grpSpPr>
+        <p:sp>
+          <p:nvSpPr>
+            <p:cNvPr id="22" name="Textfeld 12">
+              <a:extLst>
+                <a:ext uri="{FF2B5EF4-FFF2-40B4-BE49-F238E27FC236}">
+                  <a16:creationId xmlns:a16="http://schemas.microsoft.com/office/drawing/2014/main" id="{EE430C2C-AAD9-4B28-9EEB-60662C72ADF9}"/>
+                </a:ext>
+              </a:extLst>
+            </p:cNvPr>
+            <p:cNvSpPr txBox="1"/>
+            <p:nvPr/>
+          </p:nvSpPr>
+          <p:spPr>
+            <a:xfrm>
+              <a:off x="6272114" y="2693859"/>
+              <a:ext cx="2780889" cy="646331"/>
+            </a:xfrm>
+            <a:prstGeom prst="rect">
+              <a:avLst/>
+            </a:prstGeom>
+            <a:noFill/>
+          </p:spPr>
+          <p:txBody>
+            <a:bodyPr wrap="none" rtlCol="0">
+              <a:spAutoFit/>
+            </a:bodyPr>
+            <a:lstStyle/>
+            <a:p>
+              <a:r>
+                <a:rPr lang="en-US" dirty="0">
+                  <a:solidFill>
+                    <a:schemeClr val="tx1">
+                      <a:lumMod val="65000"/>
+                      <a:lumOff val="35000"/>
+                    </a:schemeClr>
+                  </a:solidFill>
+                </a:rPr>
+                <a:t>Computational Linguistics, </a:t>
+              </a:r>
+            </a:p>
+            <a:p>
+              <a:r>
+                <a:rPr lang="en-US" dirty="0">
+                  <a:solidFill>
+                    <a:schemeClr val="tx1">
+                      <a:lumMod val="65000"/>
+                      <a:lumOff val="35000"/>
+                    </a:schemeClr>
+                  </a:solidFill>
+                </a:rPr>
+                <a:t>Master of Science (ongoing)</a:t>
+              </a:r>
+              <a:endParaRPr lang="de-DE" dirty="0">
                 <a:solidFill>
                   <a:schemeClr val="tx1">
                     <a:lumMod val="65000"/>
                     <a:lumOff val="35000"/>
                   </a:schemeClr>
                 </a:solidFill>
-              </a:rPr>
-              <a:t>Computational Linguistics, </a:t>
-            </a:r>
-          </a:p>
-          <a:p>
-            <a:r>
-              <a:rPr lang="en-US" dirty="0">
+              </a:endParaRPr>
+            </a:p>
+          </p:txBody>
+        </p:sp>
+        <p:pic>
+          <p:nvPicPr>
+            <p:cNvPr id="23" name="Grafik 25" descr="Bücher">
+              <a:extLst>
+                <a:ext uri="{FF2B5EF4-FFF2-40B4-BE49-F238E27FC236}">
+                  <a16:creationId xmlns:a16="http://schemas.microsoft.com/office/drawing/2014/main" id="{0DE32401-08CF-412D-B272-31861C5F1833}"/>
+                </a:ext>
+              </a:extLst>
+            </p:cNvPr>
+            <p:cNvPicPr>
+              <a:picLocks noChangeAspect="1"/>
+            </p:cNvPicPr>
+            <p:nvPr/>
+          </p:nvPicPr>
+          <p:blipFill>
+            <a:blip r:embed="rId8">
+              <a:extLst>
+                <a:ext uri="{28A0092B-C50C-407E-A947-70E740481C1C}">
+                  <a14:useLocalDpi xmlns:a14="http://schemas.microsoft.com/office/drawing/2010/main" val="0"/>
+                </a:ext>
+                <a:ext uri="{96DAC541-7B7A-43D3-8B79-37D633B846F1}">
+                  <asvg:svgBlip xmlns:asvg="http://schemas.microsoft.com/office/drawing/2016/SVG/main" r:embed="rId9"/>
+                </a:ext>
+              </a:extLst>
+            </a:blip>
+            <a:stretch>
+              <a:fillRect/>
+            </a:stretch>
+          </p:blipFill>
+          <p:spPr>
+            <a:xfrm>
+              <a:off x="5239187" y="2563139"/>
+              <a:ext cx="914400" cy="914400"/>
+            </a:xfrm>
+            <a:prstGeom prst="rect">
+              <a:avLst/>
+            </a:prstGeom>
+          </p:spPr>
+        </p:pic>
+        <p:sp>
+          <p:nvSpPr>
+            <p:cNvPr id="25" name="Textfeld 18">
+              <a:extLst>
+                <a:ext uri="{FF2B5EF4-FFF2-40B4-BE49-F238E27FC236}">
+                  <a16:creationId xmlns:a16="http://schemas.microsoft.com/office/drawing/2014/main" id="{C4CE8578-9B35-4AFF-A5A3-C10F5C5E999D}"/>
+                </a:ext>
+              </a:extLst>
+            </p:cNvPr>
+            <p:cNvSpPr txBox="1"/>
+            <p:nvPr/>
+          </p:nvSpPr>
+          <p:spPr>
+            <a:xfrm>
+              <a:off x="6245214" y="1422177"/>
+              <a:ext cx="5838974" cy="646331"/>
+            </a:xfrm>
+            <a:prstGeom prst="rect">
+              <a:avLst/>
+            </a:prstGeom>
+            <a:noFill/>
+          </p:spPr>
+          <p:txBody>
+            <a:bodyPr wrap="square" rtlCol="0">
+              <a:spAutoFit/>
+            </a:bodyPr>
+            <a:lstStyle/>
+            <a:p>
+              <a:r>
+                <a:rPr lang="en-US" dirty="0">
+                  <a:solidFill>
+                    <a:schemeClr val="tx1">
+                      <a:lumMod val="65000"/>
+                      <a:lumOff val="35000"/>
+                    </a:schemeClr>
+                  </a:solidFill>
+                </a:rPr>
+                <a:t>Cognitive Engineer, </a:t>
+              </a:r>
+            </a:p>
+            <a:p>
+              <a:r>
+                <a:rPr lang="en-US" dirty="0">
+                  <a:solidFill>
+                    <a:schemeClr val="tx1">
+                      <a:lumMod val="65000"/>
+                      <a:lumOff val="35000"/>
+                    </a:schemeClr>
+                  </a:solidFill>
+                </a:rPr>
+                <a:t>IBM Watson and Cloud Platform</a:t>
+              </a:r>
+              <a:endParaRPr lang="de-DE" dirty="0">
                 <a:solidFill>
                   <a:schemeClr val="tx1">
                     <a:lumMod val="65000"/>
                     <a:lumOff val="35000"/>
                   </a:schemeClr>
                 </a:solidFill>
-              </a:rPr>
-              <a:t>Master of Science (ongoing)</a:t>
-            </a:r>
-            <a:endParaRPr lang="de-DE" dirty="0">
-              <a:solidFill>
-                <a:schemeClr val="tx1">
-                  <a:lumMod val="65000"/>
-                  <a:lumOff val="35000"/>
-                </a:schemeClr>
-              </a:solidFill>
-            </a:endParaRPr>
-          </a:p>
-        </p:txBody>
-      </p:sp>
-      <p:pic>
-        <p:nvPicPr>
-          <p:cNvPr id="23" name="Grafik 25" descr="Bücher">
-            <a:extLst>
-              <a:ext uri="{FF2B5EF4-FFF2-40B4-BE49-F238E27FC236}">
-                <a16:creationId xmlns:a16="http://schemas.microsoft.com/office/drawing/2014/main" id="{0DE32401-08CF-412D-B272-31861C5F1833}"/>
-              </a:ext>
-            </a:extLst>
-          </p:cNvPr>
-          <p:cNvPicPr>
-            <a:picLocks noChangeAspect="1"/>
-          </p:cNvPicPr>
-          <p:nvPr/>
-        </p:nvPicPr>
-        <p:blipFill>
-          <a:blip r:embed="rId8">
-            <a:extLst>
-              <a:ext uri="{28A0092B-C50C-407E-A947-70E740481C1C}">
-                <a14:useLocalDpi xmlns:a14="http://schemas.microsoft.com/office/drawing/2010/main" val="0"/>
-              </a:ext>
-              <a:ext uri="{96DAC541-7B7A-43D3-8B79-37D633B846F1}">
-                <asvg:svgBlip xmlns:asvg="http://schemas.microsoft.com/office/drawing/2016/SVG/main" r:embed="rId9"/>
-              </a:ext>
-            </a:extLst>
-          </a:blip>
-          <a:stretch>
-            <a:fillRect/>
-          </a:stretch>
-        </p:blipFill>
-        <p:spPr>
-          <a:xfrm>
-            <a:off x="5239187" y="2563139"/>
-            <a:ext cx="914400" cy="914400"/>
-          </a:xfrm>
-          <a:prstGeom prst="rect">
-            <a:avLst/>
-          </a:prstGeom>
-        </p:spPr>
-      </p:pic>
-      <p:sp>
-        <p:nvSpPr>
-          <p:cNvPr id="25" name="Textfeld 18">
-            <a:extLst>
-              <a:ext uri="{FF2B5EF4-FFF2-40B4-BE49-F238E27FC236}">
-                <a16:creationId xmlns:a16="http://schemas.microsoft.com/office/drawing/2014/main" id="{C4CE8578-9B35-4AFF-A5A3-C10F5C5E999D}"/>
-              </a:ext>
-            </a:extLst>
-          </p:cNvPr>
-          <p:cNvSpPr txBox="1"/>
-          <p:nvPr/>
-        </p:nvSpPr>
-        <p:spPr>
-          <a:xfrm>
-            <a:off x="6245214" y="1422177"/>
-            <a:ext cx="5838974" cy="646331"/>
-          </a:xfrm>
-          <a:prstGeom prst="rect">
-            <a:avLst/>
-          </a:prstGeom>
-          <a:noFill/>
-        </p:spPr>
-        <p:txBody>
-          <a:bodyPr wrap="square" rtlCol="0">
-            <a:spAutoFit/>
-          </a:bodyPr>
-          <a:lstStyle/>
-          <a:p>
-            <a:r>
-              <a:rPr lang="en-US" dirty="0">
+              </a:endParaRPr>
+            </a:p>
+          </p:txBody>
+        </p:sp>
+        <p:pic>
+          <p:nvPicPr>
+            <p:cNvPr id="26" name="Grafik 27" descr="Aktenkoffer">
+              <a:extLst>
+                <a:ext uri="{FF2B5EF4-FFF2-40B4-BE49-F238E27FC236}">
+                  <a16:creationId xmlns:a16="http://schemas.microsoft.com/office/drawing/2014/main" id="{4B4316DC-08AE-46CD-B359-49899055B5DC}"/>
+                </a:ext>
+              </a:extLst>
+            </p:cNvPr>
+            <p:cNvPicPr>
+              <a:picLocks noChangeAspect="1"/>
+            </p:cNvPicPr>
+            <p:nvPr/>
+          </p:nvPicPr>
+          <p:blipFill>
+            <a:blip r:embed="rId10">
+              <a:extLst>
+                <a:ext uri="{28A0092B-C50C-407E-A947-70E740481C1C}">
+                  <a14:useLocalDpi xmlns:a14="http://schemas.microsoft.com/office/drawing/2010/main" val="0"/>
+                </a:ext>
+                <a:ext uri="{96DAC541-7B7A-43D3-8B79-37D633B846F1}">
+                  <asvg:svgBlip xmlns:asvg="http://schemas.microsoft.com/office/drawing/2016/SVG/main" r:embed="rId11"/>
+                </a:ext>
+              </a:extLst>
+            </a:blip>
+            <a:stretch>
+              <a:fillRect/>
+            </a:stretch>
+          </p:blipFill>
+          <p:spPr>
+            <a:xfrm>
+              <a:off x="5239187" y="1284928"/>
+              <a:ext cx="914400" cy="914400"/>
+            </a:xfrm>
+            <a:prstGeom prst="rect">
+              <a:avLst/>
+            </a:prstGeom>
+          </p:spPr>
+        </p:pic>
+        <p:sp>
+          <p:nvSpPr>
+            <p:cNvPr id="28" name="Textfeld 2">
+              <a:extLst>
+                <a:ext uri="{FF2B5EF4-FFF2-40B4-BE49-F238E27FC236}">
+                  <a16:creationId xmlns:a16="http://schemas.microsoft.com/office/drawing/2014/main" id="{90B4CA53-6F7C-4911-944B-20DC1611540E}"/>
+                </a:ext>
+              </a:extLst>
+            </p:cNvPr>
+            <p:cNvSpPr txBox="1"/>
+            <p:nvPr/>
+          </p:nvSpPr>
+          <p:spPr>
+            <a:xfrm>
+              <a:off x="6153587" y="3985810"/>
+              <a:ext cx="4753851" cy="646331"/>
+            </a:xfrm>
+            <a:prstGeom prst="rect">
+              <a:avLst/>
+            </a:prstGeom>
+            <a:noFill/>
+          </p:spPr>
+          <p:txBody>
+            <a:bodyPr wrap="square" rtlCol="0">
+              <a:spAutoFit/>
+            </a:bodyPr>
+            <a:lstStyle/>
+            <a:p>
+              <a:r>
+                <a:rPr lang="en-US" dirty="0">
+                  <a:solidFill>
+                    <a:schemeClr val="tx1">
+                      <a:lumMod val="65000"/>
+                      <a:lumOff val="35000"/>
+                    </a:schemeClr>
+                  </a:solidFill>
+                </a:rPr>
+                <a:t>#</a:t>
+              </a:r>
+              <a:r>
+                <a:rPr lang="en-US" dirty="0" err="1">
+                  <a:solidFill>
+                    <a:schemeClr val="tx1">
+                      <a:lumMod val="65000"/>
+                      <a:lumOff val="35000"/>
+                    </a:schemeClr>
+                  </a:solidFill>
+                </a:rPr>
+                <a:t>nlp</a:t>
+              </a:r>
+              <a:r>
+                <a:rPr lang="en-US" dirty="0">
+                  <a:solidFill>
+                    <a:schemeClr val="tx1">
+                      <a:lumMod val="65000"/>
+                      <a:lumOff val="35000"/>
+                    </a:schemeClr>
+                  </a:solidFill>
+                </a:rPr>
+                <a:t> #ml #cognitive #Watson #linguistics #java</a:t>
+              </a:r>
+            </a:p>
+            <a:p>
+              <a:r>
+                <a:rPr lang="en-US" dirty="0">
+                  <a:solidFill>
+                    <a:schemeClr val="tx1">
+                      <a:lumMod val="65000"/>
+                      <a:lumOff val="35000"/>
+                    </a:schemeClr>
+                  </a:solidFill>
+                </a:rPr>
+                <a:t>#climbing #drums #</a:t>
+              </a:r>
+              <a:r>
+                <a:rPr lang="en-US" dirty="0" err="1">
+                  <a:solidFill>
+                    <a:schemeClr val="tx1">
+                      <a:lumMod val="65000"/>
+                      <a:lumOff val="35000"/>
+                    </a:schemeClr>
+                  </a:solidFill>
+                </a:rPr>
+                <a:t>moredrums</a:t>
+              </a:r>
+              <a:r>
+                <a:rPr lang="en-US" dirty="0">
+                  <a:solidFill>
+                    <a:schemeClr val="tx1">
+                      <a:lumMod val="65000"/>
+                      <a:lumOff val="35000"/>
+                    </a:schemeClr>
+                  </a:solidFill>
+                </a:rPr>
+                <a:t> #coding #travel</a:t>
+              </a:r>
+              <a:endParaRPr lang="de-DE" dirty="0">
                 <a:solidFill>
                   <a:schemeClr val="tx1">
                     <a:lumMod val="65000"/>
                     <a:lumOff val="35000"/>
                   </a:schemeClr>
                 </a:solidFill>
-              </a:rPr>
-              <a:t>Cognitive Engineer, </a:t>
-            </a:r>
-          </a:p>
-          <a:p>
-            <a:r>
-              <a:rPr lang="en-US" dirty="0">
-                <a:solidFill>
-                  <a:schemeClr val="tx1">
-                    <a:lumMod val="65000"/>
-                    <a:lumOff val="35000"/>
-                  </a:schemeClr>
-                </a:solidFill>
-              </a:rPr>
-              <a:t>IBM Watson and Cloud Platform</a:t>
-            </a:r>
-            <a:endParaRPr lang="de-DE" dirty="0">
-              <a:solidFill>
-                <a:schemeClr val="tx1">
-                  <a:lumMod val="65000"/>
-                  <a:lumOff val="35000"/>
-                </a:schemeClr>
-              </a:solidFill>
-            </a:endParaRPr>
-          </a:p>
-        </p:txBody>
-      </p:sp>
-      <p:pic>
-        <p:nvPicPr>
-          <p:cNvPr id="26" name="Grafik 27" descr="Aktenkoffer">
-            <a:extLst>
-              <a:ext uri="{FF2B5EF4-FFF2-40B4-BE49-F238E27FC236}">
-                <a16:creationId xmlns:a16="http://schemas.microsoft.com/office/drawing/2014/main" id="{4B4316DC-08AE-46CD-B359-49899055B5DC}"/>
-              </a:ext>
-            </a:extLst>
-          </p:cNvPr>
-          <p:cNvPicPr>
-            <a:picLocks noChangeAspect="1"/>
-          </p:cNvPicPr>
-          <p:nvPr/>
-        </p:nvPicPr>
-        <p:blipFill>
-          <a:blip r:embed="rId10">
-            <a:extLst>
-              <a:ext uri="{28A0092B-C50C-407E-A947-70E740481C1C}">
-                <a14:useLocalDpi xmlns:a14="http://schemas.microsoft.com/office/drawing/2010/main" val="0"/>
-              </a:ext>
-              <a:ext uri="{96DAC541-7B7A-43D3-8B79-37D633B846F1}">
-                <asvg:svgBlip xmlns:asvg="http://schemas.microsoft.com/office/drawing/2016/SVG/main" r:embed="rId11"/>
-              </a:ext>
-            </a:extLst>
-          </a:blip>
-          <a:stretch>
-            <a:fillRect/>
-          </a:stretch>
-        </p:blipFill>
-        <p:spPr>
-          <a:xfrm>
-            <a:off x="5239187" y="1284928"/>
-            <a:ext cx="914400" cy="914400"/>
-          </a:xfrm>
-          <a:prstGeom prst="rect">
-            <a:avLst/>
-          </a:prstGeom>
-        </p:spPr>
-      </p:pic>
-      <p:sp>
-        <p:nvSpPr>
-          <p:cNvPr id="28" name="Textfeld 2">
-            <a:extLst>
-              <a:ext uri="{FF2B5EF4-FFF2-40B4-BE49-F238E27FC236}">
-                <a16:creationId xmlns:a16="http://schemas.microsoft.com/office/drawing/2014/main" id="{90B4CA53-6F7C-4911-944B-20DC1611540E}"/>
-              </a:ext>
-            </a:extLst>
-          </p:cNvPr>
-          <p:cNvSpPr txBox="1"/>
-          <p:nvPr/>
-        </p:nvSpPr>
-        <p:spPr>
-          <a:xfrm>
-            <a:off x="6153587" y="3985810"/>
-            <a:ext cx="4753851" cy="646331"/>
-          </a:xfrm>
-          <a:prstGeom prst="rect">
-            <a:avLst/>
-          </a:prstGeom>
-          <a:noFill/>
-        </p:spPr>
-        <p:txBody>
-          <a:bodyPr wrap="square" rtlCol="0">
-            <a:spAutoFit/>
-          </a:bodyPr>
-          <a:lstStyle/>
-          <a:p>
-            <a:r>
-              <a:rPr lang="en-US" dirty="0">
-                <a:solidFill>
-                  <a:schemeClr val="tx1">
-                    <a:lumMod val="65000"/>
-                    <a:lumOff val="35000"/>
-                  </a:schemeClr>
-                </a:solidFill>
-              </a:rPr>
-              <a:t>#</a:t>
-            </a:r>
-            <a:r>
-              <a:rPr lang="en-US" dirty="0" err="1">
-                <a:solidFill>
-                  <a:schemeClr val="tx1">
-                    <a:lumMod val="65000"/>
-                    <a:lumOff val="35000"/>
-                  </a:schemeClr>
-                </a:solidFill>
-              </a:rPr>
-              <a:t>nlp</a:t>
-            </a:r>
-            <a:r>
-              <a:rPr lang="en-US" dirty="0">
-                <a:solidFill>
-                  <a:schemeClr val="tx1">
-                    <a:lumMod val="65000"/>
-                    <a:lumOff val="35000"/>
-                  </a:schemeClr>
-                </a:solidFill>
-              </a:rPr>
-              <a:t> #ml #cognitive #Watson #linguistics #java</a:t>
-            </a:r>
-          </a:p>
-          <a:p>
-            <a:r>
-              <a:rPr lang="en-US" dirty="0">
-                <a:solidFill>
-                  <a:schemeClr val="tx1">
-                    <a:lumMod val="65000"/>
-                    <a:lumOff val="35000"/>
-                  </a:schemeClr>
-                </a:solidFill>
-              </a:rPr>
-              <a:t>#climbing #drums #</a:t>
-            </a:r>
-            <a:r>
-              <a:rPr lang="en-US" dirty="0" err="1">
-                <a:solidFill>
-                  <a:schemeClr val="tx1">
-                    <a:lumMod val="65000"/>
-                    <a:lumOff val="35000"/>
-                  </a:schemeClr>
-                </a:solidFill>
-              </a:rPr>
-              <a:t>moredrums</a:t>
-            </a:r>
-            <a:r>
-              <a:rPr lang="en-US" dirty="0">
-                <a:solidFill>
-                  <a:schemeClr val="tx1">
-                    <a:lumMod val="65000"/>
-                    <a:lumOff val="35000"/>
-                  </a:schemeClr>
-                </a:solidFill>
-              </a:rPr>
-              <a:t> #coding #travel</a:t>
-            </a:r>
-            <a:endParaRPr lang="de-DE" dirty="0">
-              <a:solidFill>
-                <a:schemeClr val="tx1">
-                  <a:lumMod val="65000"/>
-                  <a:lumOff val="35000"/>
-                </a:schemeClr>
-              </a:solidFill>
-            </a:endParaRPr>
-          </a:p>
-        </p:txBody>
-      </p:sp>
-      <p:pic>
-        <p:nvPicPr>
-          <p:cNvPr id="29" name="Grafik 29" descr="Fußball">
-            <a:extLst>
-              <a:ext uri="{FF2B5EF4-FFF2-40B4-BE49-F238E27FC236}">
-                <a16:creationId xmlns:a16="http://schemas.microsoft.com/office/drawing/2014/main" id="{A9FDB289-D1A8-466B-98A5-FD9350A625D9}"/>
-              </a:ext>
-            </a:extLst>
-          </p:cNvPr>
-          <p:cNvPicPr>
-            <a:picLocks noChangeAspect="1"/>
-          </p:cNvPicPr>
-          <p:nvPr/>
-        </p:nvPicPr>
-        <p:blipFill>
-          <a:blip r:embed="rId12">
-            <a:extLst>
-              <a:ext uri="{28A0092B-C50C-407E-A947-70E740481C1C}">
-                <a14:useLocalDpi xmlns:a14="http://schemas.microsoft.com/office/drawing/2010/main" val="0"/>
-              </a:ext>
-              <a:ext uri="{96DAC541-7B7A-43D3-8B79-37D633B846F1}">
-                <asvg:svgBlip xmlns:asvg="http://schemas.microsoft.com/office/drawing/2016/SVG/main" r:embed="rId13"/>
-              </a:ext>
-            </a:extLst>
-          </a:blip>
-          <a:stretch>
-            <a:fillRect/>
-          </a:stretch>
-        </p:blipFill>
-        <p:spPr>
-          <a:xfrm>
-            <a:off x="5239187" y="3845026"/>
-            <a:ext cx="914400" cy="914400"/>
-          </a:xfrm>
-          <a:prstGeom prst="rect">
-            <a:avLst/>
-          </a:prstGeom>
-        </p:spPr>
-      </p:pic>
+              </a:endParaRPr>
+            </a:p>
+          </p:txBody>
+        </p:sp>
+        <p:pic>
+          <p:nvPicPr>
+            <p:cNvPr id="29" name="Grafik 29" descr="Fußball">
+              <a:extLst>
+                <a:ext uri="{FF2B5EF4-FFF2-40B4-BE49-F238E27FC236}">
+                  <a16:creationId xmlns:a16="http://schemas.microsoft.com/office/drawing/2014/main" id="{A9FDB289-D1A8-466B-98A5-FD9350A625D9}"/>
+                </a:ext>
+              </a:extLst>
+            </p:cNvPr>
+            <p:cNvPicPr>
+              <a:picLocks noChangeAspect="1"/>
+            </p:cNvPicPr>
+            <p:nvPr/>
+          </p:nvPicPr>
+          <p:blipFill>
+            <a:blip r:embed="rId12">
+              <a:extLst>
+                <a:ext uri="{28A0092B-C50C-407E-A947-70E740481C1C}">
+                  <a14:useLocalDpi xmlns:a14="http://schemas.microsoft.com/office/drawing/2010/main" val="0"/>
+                </a:ext>
+                <a:ext uri="{96DAC541-7B7A-43D3-8B79-37D633B846F1}">
+                  <asvg:svgBlip xmlns:asvg="http://schemas.microsoft.com/office/drawing/2016/SVG/main" r:embed="rId13"/>
+                </a:ext>
+              </a:extLst>
+            </a:blip>
+            <a:stretch>
+              <a:fillRect/>
+            </a:stretch>
+          </p:blipFill>
+          <p:spPr>
+            <a:xfrm>
+              <a:off x="5239187" y="3845026"/>
+              <a:ext cx="914400" cy="914400"/>
+            </a:xfrm>
+            <a:prstGeom prst="rect">
+              <a:avLst/>
+            </a:prstGeom>
+          </p:spPr>
+        </p:pic>
+      </p:grpSp>
       <p:graphicFrame>
         <p:nvGraphicFramePr>
           <p:cNvPr id="30" name="Diagram 29">
@@ -10336,6 +10987,561 @@
 </p:sld>
 </file>
 
+<file path=ppt/slides/slide20.xml><?xml version="1.0" encoding="utf-8"?>
+<p:sld xmlns:a="http://schemas.openxmlformats.org/drawingml/2006/main" xmlns:r="http://schemas.openxmlformats.org/officeDocument/2006/relationships" xmlns:p="http://schemas.openxmlformats.org/presentationml/2006/main">
+  <p:cSld>
+    <p:bg>
+      <p:bgPr>
+        <a:solidFill>
+          <a:srgbClr val="F9F9F9"/>
+        </a:solidFill>
+        <a:effectLst/>
+      </p:bgPr>
+    </p:bg>
+    <p:spTree>
+      <p:nvGrpSpPr>
+        <p:cNvPr id="1" name=""/>
+        <p:cNvGrpSpPr/>
+        <p:nvPr/>
+      </p:nvGrpSpPr>
+      <p:grpSpPr>
+        <a:xfrm>
+          <a:off x="0" y="0"/>
+          <a:ext cx="0" cy="0"/>
+          <a:chOff x="0" y="0"/>
+          <a:chExt cx="0" cy="0"/>
+        </a:xfrm>
+      </p:grpSpPr>
+      <p:pic>
+        <p:nvPicPr>
+          <p:cNvPr id="5" name="Content Placeholder 4">
+            <a:extLst>
+              <a:ext uri="{FF2B5EF4-FFF2-40B4-BE49-F238E27FC236}">
+                <a16:creationId xmlns:a16="http://schemas.microsoft.com/office/drawing/2014/main" id="{246DA853-321D-4E9F-BC7B-CA2A172E6B15}"/>
+              </a:ext>
+            </a:extLst>
+          </p:cNvPr>
+          <p:cNvPicPr>
+            <a:picLocks noGrp="1" noChangeAspect="1"/>
+          </p:cNvPicPr>
+          <p:nvPr>
+            <p:ph idx="4294967295"/>
+          </p:nvPr>
+        </p:nvPicPr>
+        <p:blipFill>
+          <a:blip r:embed="rId2">
+            <a:extLst>
+              <a:ext uri="{28A0092B-C50C-407E-A947-70E740481C1C}">
+                <a14:useLocalDpi xmlns:a14="http://schemas.microsoft.com/office/drawing/2010/main" val="0"/>
+              </a:ext>
+            </a:extLst>
+          </a:blip>
+          <a:stretch>
+            <a:fillRect/>
+          </a:stretch>
+        </p:blipFill>
+        <p:spPr>
+          <a:xfrm>
+            <a:off x="1999620" y="475995"/>
+            <a:ext cx="8015967" cy="5229733"/>
+          </a:xfrm>
+          <a:ln>
+            <a:solidFill>
+              <a:schemeClr val="tx1"/>
+            </a:solidFill>
+          </a:ln>
+        </p:spPr>
+      </p:pic>
+      <p:cxnSp>
+        <p:nvCxnSpPr>
+          <p:cNvPr id="10" name="Straight Connector 9">
+            <a:extLst>
+              <a:ext uri="{FF2B5EF4-FFF2-40B4-BE49-F238E27FC236}">
+                <a16:creationId xmlns:a16="http://schemas.microsoft.com/office/drawing/2014/main" id="{EFA65C79-A94F-4446-B04E-298551A3A2FD}"/>
+              </a:ext>
+            </a:extLst>
+          </p:cNvPr>
+          <p:cNvCxnSpPr/>
+          <p:nvPr/>
+        </p:nvCxnSpPr>
+        <p:spPr>
+          <a:xfrm>
+            <a:off x="8343900" y="1409573"/>
+            <a:ext cx="1585962" cy="133350"/>
+          </a:xfrm>
+          <a:prstGeom prst="line">
+            <a:avLst/>
+          </a:prstGeom>
+          <a:ln w="57150">
+            <a:solidFill>
+              <a:schemeClr val="tx1"/>
+            </a:solidFill>
+          </a:ln>
+        </p:spPr>
+        <p:style>
+          <a:lnRef idx="1">
+            <a:schemeClr val="accent1"/>
+          </a:lnRef>
+          <a:fillRef idx="0">
+            <a:schemeClr val="accent1"/>
+          </a:fillRef>
+          <a:effectRef idx="0">
+            <a:schemeClr val="accent1"/>
+          </a:effectRef>
+          <a:fontRef idx="minor">
+            <a:schemeClr val="tx1"/>
+          </a:fontRef>
+        </p:style>
+      </p:cxnSp>
+      <p:grpSp>
+        <p:nvGrpSpPr>
+          <p:cNvPr id="3" name="Group 2">
+            <a:extLst>
+              <a:ext uri="{FF2B5EF4-FFF2-40B4-BE49-F238E27FC236}">
+                <a16:creationId xmlns:a16="http://schemas.microsoft.com/office/drawing/2014/main" id="{DA98055B-8271-4962-9E35-1534C0196379}"/>
+              </a:ext>
+            </a:extLst>
+          </p:cNvPr>
+          <p:cNvGrpSpPr/>
+          <p:nvPr/>
+        </p:nvGrpSpPr>
+        <p:grpSpPr>
+          <a:xfrm>
+            <a:off x="3715298" y="756986"/>
+            <a:ext cx="6300289" cy="1901373"/>
+            <a:chOff x="3715298" y="756986"/>
+            <a:chExt cx="6300289" cy="1901373"/>
+          </a:xfrm>
+        </p:grpSpPr>
+        <p:sp>
+          <p:nvSpPr>
+            <p:cNvPr id="8" name="Rectangle 7">
+              <a:extLst>
+                <a:ext uri="{FF2B5EF4-FFF2-40B4-BE49-F238E27FC236}">
+                  <a16:creationId xmlns:a16="http://schemas.microsoft.com/office/drawing/2014/main" id="{C940ABA7-BD86-453B-8273-C769A61A8FDD}"/>
+                </a:ext>
+              </a:extLst>
+            </p:cNvPr>
+            <p:cNvSpPr/>
+            <p:nvPr/>
+          </p:nvSpPr>
+          <p:spPr>
+            <a:xfrm>
+              <a:off x="8343900" y="2281238"/>
+              <a:ext cx="1671687" cy="263999"/>
+            </a:xfrm>
+            <a:prstGeom prst="rect">
+              <a:avLst/>
+            </a:prstGeom>
+            <a:noFill/>
+            <a:ln w="38100">
+              <a:solidFill>
+                <a:srgbClr val="0070C0"/>
+              </a:solidFill>
+            </a:ln>
+          </p:spPr>
+          <p:style>
+            <a:lnRef idx="2">
+              <a:schemeClr val="accent1">
+                <a:shade val="50000"/>
+              </a:schemeClr>
+            </a:lnRef>
+            <a:fillRef idx="1">
+              <a:schemeClr val="accent1"/>
+            </a:fillRef>
+            <a:effectRef idx="0">
+              <a:schemeClr val="accent1"/>
+            </a:effectRef>
+            <a:fontRef idx="minor">
+              <a:schemeClr val="lt1"/>
+            </a:fontRef>
+          </p:style>
+          <p:txBody>
+            <a:bodyPr rtlCol="0" anchor="ctr"/>
+            <a:lstStyle/>
+            <a:p>
+              <a:pPr algn="ctr"/>
+              <a:endParaRPr lang="en-US"/>
+            </a:p>
+          </p:txBody>
+        </p:sp>
+        <p:sp>
+          <p:nvSpPr>
+            <p:cNvPr id="11" name="Rectangle 10">
+              <a:extLst>
+                <a:ext uri="{FF2B5EF4-FFF2-40B4-BE49-F238E27FC236}">
+                  <a16:creationId xmlns:a16="http://schemas.microsoft.com/office/drawing/2014/main" id="{C77031B1-68BB-48FE-9E37-4C3B746536F6}"/>
+                </a:ext>
+              </a:extLst>
+            </p:cNvPr>
+            <p:cNvSpPr/>
+            <p:nvPr/>
+          </p:nvSpPr>
+          <p:spPr>
+            <a:xfrm>
+              <a:off x="7106338" y="2203906"/>
+              <a:ext cx="925300" cy="454453"/>
+            </a:xfrm>
+            <a:prstGeom prst="rect">
+              <a:avLst/>
+            </a:prstGeom>
+            <a:noFill/>
+            <a:ln w="38100">
+              <a:solidFill>
+                <a:srgbClr val="0070C0"/>
+              </a:solidFill>
+            </a:ln>
+          </p:spPr>
+          <p:style>
+            <a:lnRef idx="2">
+              <a:schemeClr val="accent1">
+                <a:shade val="50000"/>
+              </a:schemeClr>
+            </a:lnRef>
+            <a:fillRef idx="1">
+              <a:schemeClr val="accent1"/>
+            </a:fillRef>
+            <a:effectRef idx="0">
+              <a:schemeClr val="accent1"/>
+            </a:effectRef>
+            <a:fontRef idx="minor">
+              <a:schemeClr val="lt1"/>
+            </a:fontRef>
+          </p:style>
+          <p:txBody>
+            <a:bodyPr rtlCol="0" anchor="ctr"/>
+            <a:lstStyle/>
+            <a:p>
+              <a:pPr algn="ctr"/>
+              <a:endParaRPr lang="en-US"/>
+            </a:p>
+          </p:txBody>
+        </p:sp>
+        <p:sp>
+          <p:nvSpPr>
+            <p:cNvPr id="12" name="Rectangle 11">
+              <a:extLst>
+                <a:ext uri="{FF2B5EF4-FFF2-40B4-BE49-F238E27FC236}">
+                  <a16:creationId xmlns:a16="http://schemas.microsoft.com/office/drawing/2014/main" id="{CF77B09F-1521-4CB2-A9EE-8ABF2F01090D}"/>
+                </a:ext>
+              </a:extLst>
+            </p:cNvPr>
+            <p:cNvSpPr/>
+            <p:nvPr/>
+          </p:nvSpPr>
+          <p:spPr>
+            <a:xfrm>
+              <a:off x="5264653" y="756986"/>
+              <a:ext cx="1485900" cy="308244"/>
+            </a:xfrm>
+            <a:prstGeom prst="rect">
+              <a:avLst/>
+            </a:prstGeom>
+            <a:noFill/>
+            <a:ln w="38100">
+              <a:solidFill>
+                <a:srgbClr val="0070C0"/>
+              </a:solidFill>
+            </a:ln>
+          </p:spPr>
+          <p:style>
+            <a:lnRef idx="2">
+              <a:schemeClr val="accent1">
+                <a:shade val="50000"/>
+              </a:schemeClr>
+            </a:lnRef>
+            <a:fillRef idx="1">
+              <a:schemeClr val="accent1"/>
+            </a:fillRef>
+            <a:effectRef idx="0">
+              <a:schemeClr val="accent1"/>
+            </a:effectRef>
+            <a:fontRef idx="minor">
+              <a:schemeClr val="lt1"/>
+            </a:fontRef>
+          </p:style>
+          <p:txBody>
+            <a:bodyPr rtlCol="0" anchor="ctr"/>
+            <a:lstStyle/>
+            <a:p>
+              <a:pPr algn="ctr"/>
+              <a:endParaRPr lang="en-US"/>
+            </a:p>
+          </p:txBody>
+        </p:sp>
+        <p:sp>
+          <p:nvSpPr>
+            <p:cNvPr id="13" name="Rectangle 12">
+              <a:extLst>
+                <a:ext uri="{FF2B5EF4-FFF2-40B4-BE49-F238E27FC236}">
+                  <a16:creationId xmlns:a16="http://schemas.microsoft.com/office/drawing/2014/main" id="{E114470B-95D2-4CF2-AA75-46A0269E8AF6}"/>
+                </a:ext>
+              </a:extLst>
+            </p:cNvPr>
+            <p:cNvSpPr/>
+            <p:nvPr/>
+          </p:nvSpPr>
+          <p:spPr>
+            <a:xfrm>
+              <a:off x="3715298" y="1659118"/>
+              <a:ext cx="1266825" cy="445907"/>
+            </a:xfrm>
+            <a:prstGeom prst="rect">
+              <a:avLst/>
+            </a:prstGeom>
+            <a:noFill/>
+            <a:ln w="38100">
+              <a:solidFill>
+                <a:srgbClr val="0070C0"/>
+              </a:solidFill>
+            </a:ln>
+          </p:spPr>
+          <p:style>
+            <a:lnRef idx="2">
+              <a:schemeClr val="accent1">
+                <a:shade val="50000"/>
+              </a:schemeClr>
+            </a:lnRef>
+            <a:fillRef idx="1">
+              <a:schemeClr val="accent1"/>
+            </a:fillRef>
+            <a:effectRef idx="0">
+              <a:schemeClr val="accent1"/>
+            </a:effectRef>
+            <a:fontRef idx="minor">
+              <a:schemeClr val="lt1"/>
+            </a:fontRef>
+          </p:style>
+          <p:txBody>
+            <a:bodyPr rtlCol="0" anchor="ctr"/>
+            <a:lstStyle/>
+            <a:p>
+              <a:pPr algn="ctr"/>
+              <a:endParaRPr lang="en-US"/>
+            </a:p>
+          </p:txBody>
+        </p:sp>
+      </p:grpSp>
+      <p:cxnSp>
+        <p:nvCxnSpPr>
+          <p:cNvPr id="14" name="Straight Connector 13">
+            <a:extLst>
+              <a:ext uri="{FF2B5EF4-FFF2-40B4-BE49-F238E27FC236}">
+                <a16:creationId xmlns:a16="http://schemas.microsoft.com/office/drawing/2014/main" id="{08F9CE3C-A7FF-4587-A4E5-AF278202B3A6}"/>
+              </a:ext>
+            </a:extLst>
+          </p:cNvPr>
+          <p:cNvCxnSpPr>
+            <a:cxnSpLocks/>
+          </p:cNvCxnSpPr>
+          <p:nvPr/>
+        </p:nvCxnSpPr>
+        <p:spPr>
+          <a:xfrm flipV="1">
+            <a:off x="8386762" y="1409573"/>
+            <a:ext cx="1543100" cy="133350"/>
+          </a:xfrm>
+          <a:prstGeom prst="line">
+            <a:avLst/>
+          </a:prstGeom>
+          <a:ln w="57150">
+            <a:solidFill>
+              <a:schemeClr val="tx1"/>
+            </a:solidFill>
+          </a:ln>
+        </p:spPr>
+        <p:style>
+          <a:lnRef idx="1">
+            <a:schemeClr val="accent1"/>
+          </a:lnRef>
+          <a:fillRef idx="0">
+            <a:schemeClr val="accent1"/>
+          </a:fillRef>
+          <a:effectRef idx="0">
+            <a:schemeClr val="accent1"/>
+          </a:effectRef>
+          <a:fontRef idx="minor">
+            <a:schemeClr val="tx1"/>
+          </a:fontRef>
+        </p:style>
+      </p:cxnSp>
+    </p:spTree>
+    <p:extLst>
+      <p:ext uri="{BB962C8B-B14F-4D97-AF65-F5344CB8AC3E}">
+        <p14:creationId xmlns:p14="http://schemas.microsoft.com/office/powerpoint/2010/main" val="274859066"/>
+      </p:ext>
+    </p:extLst>
+  </p:cSld>
+  <p:clrMapOvr>
+    <a:masterClrMapping/>
+  </p:clrMapOvr>
+</p:sld>
+</file>
+
+<file path=ppt/slides/slide21.xml><?xml version="1.0" encoding="utf-8"?>
+<p:sld xmlns:a="http://schemas.openxmlformats.org/drawingml/2006/main" xmlns:r="http://schemas.openxmlformats.org/officeDocument/2006/relationships" xmlns:p="http://schemas.openxmlformats.org/presentationml/2006/main">
+  <p:cSld>
+    <p:spTree>
+      <p:nvGrpSpPr>
+        <p:cNvPr id="1" name=""/>
+        <p:cNvGrpSpPr/>
+        <p:nvPr/>
+      </p:nvGrpSpPr>
+      <p:grpSpPr>
+        <a:xfrm>
+          <a:off x="0" y="0"/>
+          <a:ext cx="0" cy="0"/>
+          <a:chOff x="0" y="0"/>
+          <a:chExt cx="0" cy="0"/>
+        </a:xfrm>
+      </p:grpSpPr>
+      <p:sp>
+        <p:nvSpPr>
+          <p:cNvPr id="2" name="Title 1">
+            <a:extLst>
+              <a:ext uri="{FF2B5EF4-FFF2-40B4-BE49-F238E27FC236}">
+                <a16:creationId xmlns:a16="http://schemas.microsoft.com/office/drawing/2014/main" id="{8FF5B417-7BC6-4C87-93ED-E70C1F6E3E1D}"/>
+              </a:ext>
+            </a:extLst>
+          </p:cNvPr>
+          <p:cNvSpPr>
+            <a:spLocks noGrp="1"/>
+          </p:cNvSpPr>
+          <p:nvPr>
+            <p:ph type="title"/>
+          </p:nvPr>
+        </p:nvSpPr>
+        <p:spPr/>
+        <p:txBody>
+          <a:bodyPr/>
+          <a:lstStyle/>
+          <a:p>
+            <a:r>
+              <a:rPr lang="de-DE" dirty="0"/>
+              <a:t>Probaibilistic Sentiment Classification</a:t>
+            </a:r>
+            <a:endParaRPr lang="en-US" dirty="0"/>
+          </a:p>
+        </p:txBody>
+      </p:sp>
+      <p:sp>
+        <p:nvSpPr>
+          <p:cNvPr id="6" name="Content Placeholder 5">
+            <a:extLst>
+              <a:ext uri="{FF2B5EF4-FFF2-40B4-BE49-F238E27FC236}">
+                <a16:creationId xmlns:a16="http://schemas.microsoft.com/office/drawing/2014/main" id="{2AE796F7-D794-4D05-8899-07A1EBAFB632}"/>
+              </a:ext>
+            </a:extLst>
+          </p:cNvPr>
+          <p:cNvSpPr>
+            <a:spLocks noGrp="1"/>
+          </p:cNvSpPr>
+          <p:nvPr>
+            <p:ph idx="1"/>
+          </p:nvPr>
+        </p:nvSpPr>
+        <p:spPr/>
+        <p:txBody>
+          <a:bodyPr>
+            <a:normAutofit fontScale="70000" lnSpcReduction="20000"/>
+          </a:bodyPr>
+          <a:lstStyle/>
+          <a:p>
+            <a:r>
+              <a:rPr lang="de-DE" dirty="0"/>
+              <a:t>Word-based (Unigram, 1 Word = 1 Feature)</a:t>
+            </a:r>
+          </a:p>
+          <a:p>
+            <a:r>
+              <a:rPr lang="de-DE" dirty="0"/>
+              <a:t>Probability -&gt; Frequency for xi / Frequency x</a:t>
+            </a:r>
+          </a:p>
+          <a:p>
+            <a:r>
+              <a:rPr lang="de-DE" dirty="0"/>
+              <a:t>Granularity:</a:t>
+            </a:r>
+          </a:p>
+          <a:p>
+            <a:pPr lvl="1"/>
+            <a:r>
+              <a:rPr lang="de-DE" sz="2800" dirty="0">
+                <a:solidFill>
+                  <a:schemeClr val="bg1">
+                    <a:lumMod val="50000"/>
+                  </a:schemeClr>
+                </a:solidFill>
+              </a:rPr>
+              <a:t>Word-Level (Aspects)</a:t>
+            </a:r>
+          </a:p>
+          <a:p>
+            <a:pPr lvl="1"/>
+            <a:r>
+              <a:rPr lang="de-DE" sz="2800" dirty="0">
+                <a:solidFill>
+                  <a:schemeClr val="bg1">
+                    <a:lumMod val="50000"/>
+                  </a:schemeClr>
+                </a:solidFill>
+              </a:rPr>
+              <a:t>Sentence-Level</a:t>
+            </a:r>
+          </a:p>
+          <a:p>
+            <a:pPr lvl="1"/>
+            <a:r>
+              <a:rPr lang="de-DE" sz="2800" dirty="0"/>
+              <a:t>Document-Level</a:t>
+            </a:r>
+          </a:p>
+          <a:p>
+            <a:r>
+              <a:rPr lang="de-DE" sz="3200" dirty="0"/>
+              <a:t>Unseen words: </a:t>
+            </a:r>
+          </a:p>
+          <a:p>
+            <a:pPr lvl="1"/>
+            <a:r>
+              <a:rPr lang="de-DE" sz="2800" dirty="0">
+                <a:solidFill>
+                  <a:schemeClr val="bg1">
+                    <a:lumMod val="50000"/>
+                  </a:schemeClr>
+                </a:solidFill>
+              </a:rPr>
+              <a:t>Backoff / Laplace Smoothing</a:t>
+            </a:r>
+          </a:p>
+          <a:p>
+            <a:pPr lvl="1"/>
+            <a:r>
+              <a:rPr lang="de-DE" sz="2800" dirty="0"/>
+              <a:t>Discard words</a:t>
+            </a:r>
+            <a:endParaRPr lang="de-DE" dirty="0"/>
+          </a:p>
+          <a:p>
+            <a:endParaRPr lang="en-US" dirty="0"/>
+          </a:p>
+        </p:txBody>
+      </p:sp>
+    </p:spTree>
+    <p:extLst>
+      <p:ext uri="{BB962C8B-B14F-4D97-AF65-F5344CB8AC3E}">
+        <p14:creationId xmlns:p14="http://schemas.microsoft.com/office/powerpoint/2010/main" val="196565384"/>
+      </p:ext>
+    </p:extLst>
+  </p:cSld>
+  <p:clrMapOvr>
+    <a:masterClrMapping/>
+  </p:clrMapOvr>
+</p:sld>
+</file>
+
 <file path=ppt/slides/slide3.xml><?xml version="1.0" encoding="utf-8"?>
 <p:sld xmlns:a="http://schemas.openxmlformats.org/drawingml/2006/main" xmlns:r="http://schemas.openxmlformats.org/officeDocument/2006/relationships" xmlns:p="http://schemas.openxmlformats.org/presentationml/2006/main">
   <p:cSld>
@@ -10484,7 +11690,7 @@
                   </a:schemeClr>
                 </a:solidFill>
               </a:rPr>
-              <a:t>Wrap up &amp; Outlook			10 min</a:t>
+              <a:t>Conclusion				10 min</a:t>
             </a:r>
           </a:p>
         </p:txBody>
@@ -10681,6 +11887,9 @@
           <a:bodyPr/>
           <a:lstStyle/>
           <a:p>
+            <a:br>
+              <a:rPr lang="de-DE" dirty="0"/>
+            </a:br>
             <a:r>
               <a:rPr lang="de-DE" dirty="0"/>
               <a:t>Sentiment based on Words</a:t>
@@ -10728,6 +11937,9 @@
             </a:r>
             <a:r>
               <a:rPr lang="de-DE" sz="2400" dirty="0">
+                <a:solidFill>
+                  <a:schemeClr val="bg1"/>
+                </a:solidFill>
                 <a:highlight>
                   <a:srgbClr val="FF0000"/>
                 </a:highlight>
@@ -10744,6 +11956,9 @@
             </a:r>
             <a:r>
               <a:rPr lang="de-DE" sz="2400" dirty="0">
+                <a:solidFill>
+                  <a:schemeClr val="bg1"/>
+                </a:solidFill>
                 <a:highlight>
                   <a:srgbClr val="008000"/>
                 </a:highlight>
@@ -10760,6 +11975,9 @@
             </a:r>
             <a:r>
               <a:rPr lang="de-DE" sz="2400" dirty="0">
+                <a:solidFill>
+                  <a:schemeClr val="bg1"/>
+                </a:solidFill>
                 <a:highlight>
                   <a:srgbClr val="008000"/>
                 </a:highlight>
@@ -10776,6 +11994,9 @@
             </a:r>
             <a:r>
               <a:rPr lang="de-DE" sz="2400" dirty="0">
+                <a:solidFill>
+                  <a:schemeClr val="bg1"/>
+                </a:solidFill>
                 <a:highlight>
                   <a:srgbClr val="008000"/>
                 </a:highlight>
@@ -11101,6 +12322,9 @@
           <a:bodyPr/>
           <a:lstStyle/>
           <a:p>
+            <a:br>
+              <a:rPr lang="de-DE" dirty="0"/>
+            </a:br>
             <a:r>
               <a:rPr lang="de-DE" dirty="0"/>
               <a:t>Sentiment based on Words (ASPECTS)</a:t>
@@ -11150,6 +12374,9 @@
             </a:r>
             <a:r>
               <a:rPr lang="de-DE" sz="2800" dirty="0">
+                <a:solidFill>
+                  <a:schemeClr val="bg1"/>
+                </a:solidFill>
                 <a:highlight>
                   <a:srgbClr val="FF0000"/>
                 </a:highlight>
@@ -11166,6 +12393,9 @@
             </a:r>
             <a:r>
               <a:rPr lang="de-DE" sz="2800" dirty="0">
+                <a:solidFill>
+                  <a:schemeClr val="bg1"/>
+                </a:solidFill>
                 <a:highlight>
                   <a:srgbClr val="008000"/>
                 </a:highlight>
@@ -11182,6 +12412,9 @@
             </a:r>
             <a:r>
               <a:rPr lang="de-DE" sz="2800" dirty="0">
+                <a:solidFill>
+                  <a:schemeClr val="bg1"/>
+                </a:solidFill>
                 <a:highlight>
                   <a:srgbClr val="008000"/>
                 </a:highlight>
@@ -11198,6 +12431,9 @@
             </a:r>
             <a:r>
               <a:rPr lang="de-DE" sz="2800" dirty="0">
+                <a:solidFill>
+                  <a:schemeClr val="bg1"/>
+                </a:solidFill>
                 <a:highlight>
                   <a:srgbClr val="008000"/>
                 </a:highlight>
@@ -11401,6 +12637,79 @@
 </file>
 
 <file path=ppt/slides/slide7.xml><?xml version="1.0" encoding="utf-8"?>
+<p:sld xmlns:a="http://schemas.openxmlformats.org/drawingml/2006/main" xmlns:r="http://schemas.openxmlformats.org/officeDocument/2006/relationships" xmlns:p="http://schemas.openxmlformats.org/presentationml/2006/main">
+  <p:cSld>
+    <p:spTree>
+      <p:nvGrpSpPr>
+        <p:cNvPr id="1" name=""/>
+        <p:cNvGrpSpPr/>
+        <p:nvPr/>
+      </p:nvGrpSpPr>
+      <p:grpSpPr>
+        <a:xfrm>
+          <a:off x="0" y="0"/>
+          <a:ext cx="0" cy="0"/>
+          <a:chOff x="0" y="0"/>
+          <a:chExt cx="0" cy="0"/>
+        </a:xfrm>
+      </p:grpSpPr>
+      <p:pic>
+        <p:nvPicPr>
+          <p:cNvPr id="11" name="Picture 10">
+            <a:extLst>
+              <a:ext uri="{FF2B5EF4-FFF2-40B4-BE49-F238E27FC236}">
+                <a16:creationId xmlns:a16="http://schemas.microsoft.com/office/drawing/2014/main" id="{5B2E0C57-A83D-4758-B506-8F8B78411200}"/>
+              </a:ext>
+            </a:extLst>
+          </p:cNvPr>
+          <p:cNvPicPr>
+            <a:picLocks noChangeAspect="1"/>
+          </p:cNvPicPr>
+          <p:nvPr/>
+        </p:nvPicPr>
+        <p:blipFill>
+          <a:blip r:embed="rId3">
+            <a:extLst>
+              <a:ext uri="{28A0092B-C50C-407E-A947-70E740481C1C}">
+                <a14:useLocalDpi xmlns:a14="http://schemas.microsoft.com/office/drawing/2010/main" val="0"/>
+              </a:ext>
+            </a:extLst>
+          </a:blip>
+          <a:stretch>
+            <a:fillRect/>
+          </a:stretch>
+        </p:blipFill>
+        <p:spPr>
+          <a:xfrm>
+            <a:off x="2683840" y="641023"/>
+            <a:ext cx="6824319" cy="5115465"/>
+          </a:xfrm>
+          <a:prstGeom prst="rect">
+            <a:avLst/>
+          </a:prstGeom>
+          <a:effectLst>
+            <a:outerShdw blurRad="50800" dist="38100" dir="5400000" algn="t" rotWithShape="0">
+              <a:prstClr val="black">
+                <a:alpha val="40000"/>
+              </a:prstClr>
+            </a:outerShdw>
+          </a:effectLst>
+        </p:spPr>
+      </p:pic>
+    </p:spTree>
+    <p:extLst>
+      <p:ext uri="{BB962C8B-B14F-4D97-AF65-F5344CB8AC3E}">
+        <p14:creationId xmlns:p14="http://schemas.microsoft.com/office/powerpoint/2010/main" val="2575156696"/>
+      </p:ext>
+    </p:extLst>
+  </p:cSld>
+  <p:clrMapOvr>
+    <a:masterClrMapping/>
+  </p:clrMapOvr>
+</p:sld>
+</file>
+
+<file path=ppt/slides/slide8.xml><?xml version="1.0" encoding="utf-8"?>
 <p:sld xmlns:a="http://schemas.openxmlformats.org/drawingml/2006/main" xmlns:r="http://schemas.openxmlformats.org/officeDocument/2006/relationships" xmlns:p="http://schemas.openxmlformats.org/presentationml/2006/main">
   <p:cSld>
     <p:bg>
@@ -11487,151 +12796,6 @@
     <p:extLst>
       <p:ext uri="{BB962C8B-B14F-4D97-AF65-F5344CB8AC3E}">
         <p14:creationId xmlns:p14="http://schemas.microsoft.com/office/powerpoint/2010/main" val="28359135"/>
-      </p:ext>
-    </p:extLst>
-  </p:cSld>
-  <p:clrMapOvr>
-    <a:masterClrMapping/>
-  </p:clrMapOvr>
-</p:sld>
-</file>
-
-<file path=ppt/slides/slide8.xml><?xml version="1.0" encoding="utf-8"?>
-<p:sld xmlns:a="http://schemas.openxmlformats.org/drawingml/2006/main" xmlns:r="http://schemas.openxmlformats.org/officeDocument/2006/relationships" xmlns:p="http://schemas.openxmlformats.org/presentationml/2006/main">
-  <p:cSld>
-    <p:spTree>
-      <p:nvGrpSpPr>
-        <p:cNvPr id="1" name=""/>
-        <p:cNvGrpSpPr/>
-        <p:nvPr/>
-      </p:nvGrpSpPr>
-      <p:grpSpPr>
-        <a:xfrm>
-          <a:off x="0" y="0"/>
-          <a:ext cx="0" cy="0"/>
-          <a:chOff x="0" y="0"/>
-          <a:chExt cx="0" cy="0"/>
-        </a:xfrm>
-      </p:grpSpPr>
-      <p:sp>
-        <p:nvSpPr>
-          <p:cNvPr id="2" name="Title 1">
-            <a:extLst>
-              <a:ext uri="{FF2B5EF4-FFF2-40B4-BE49-F238E27FC236}">
-                <a16:creationId xmlns:a16="http://schemas.microsoft.com/office/drawing/2014/main" id="{8FF5B417-7BC6-4C87-93ED-E70C1F6E3E1D}"/>
-              </a:ext>
-            </a:extLst>
-          </p:cNvPr>
-          <p:cNvSpPr>
-            <a:spLocks noGrp="1"/>
-          </p:cNvSpPr>
-          <p:nvPr>
-            <p:ph type="title"/>
-          </p:nvPr>
-        </p:nvSpPr>
-        <p:spPr/>
-        <p:txBody>
-          <a:bodyPr/>
-          <a:lstStyle/>
-          <a:p>
-            <a:r>
-              <a:rPr lang="de-DE" dirty="0"/>
-              <a:t>Word Based binary Sentiment Classifiction</a:t>
-            </a:r>
-            <a:endParaRPr lang="en-US" dirty="0"/>
-          </a:p>
-        </p:txBody>
-      </p:sp>
-      <p:sp>
-        <p:nvSpPr>
-          <p:cNvPr id="6" name="Content Placeholder 5">
-            <a:extLst>
-              <a:ext uri="{FF2B5EF4-FFF2-40B4-BE49-F238E27FC236}">
-                <a16:creationId xmlns:a16="http://schemas.microsoft.com/office/drawing/2014/main" id="{2AE796F7-D794-4D05-8899-07A1EBAFB632}"/>
-              </a:ext>
-            </a:extLst>
-          </p:cNvPr>
-          <p:cNvSpPr>
-            <a:spLocks noGrp="1"/>
-          </p:cNvSpPr>
-          <p:nvPr>
-            <p:ph idx="1"/>
-          </p:nvPr>
-        </p:nvSpPr>
-        <p:spPr>
-          <a:xfrm>
-            <a:off x="1451579" y="2015732"/>
-            <a:ext cx="9603275" cy="3678058"/>
-          </a:xfrm>
-        </p:spPr>
-        <p:txBody>
-          <a:bodyPr>
-            <a:normAutofit fontScale="85000" lnSpcReduction="10000"/>
-          </a:bodyPr>
-          <a:lstStyle/>
-          <a:p>
-            <a:r>
-              <a:rPr lang="de-DE" sz="2800" dirty="0"/>
-              <a:t>Predict sentiment class of movie reviews</a:t>
-            </a:r>
-          </a:p>
-          <a:p>
-            <a:pPr lvl="1"/>
-            <a:r>
-              <a:rPr lang="de-DE" sz="2600" dirty="0"/>
-              <a:t>25 000 reviews for training, equal split positive/negative</a:t>
-            </a:r>
-          </a:p>
-          <a:p>
-            <a:r>
-              <a:rPr lang="de-DE" sz="2800" dirty="0"/>
-              <a:t>Calculate class probability, feature probability and the probability of each word belonging to each class</a:t>
-            </a:r>
-          </a:p>
-          <a:p>
-            <a:r>
-              <a:rPr lang="de-DE" sz="2800" dirty="0"/>
-              <a:t>Sentiment Class Probability will be:</a:t>
-            </a:r>
-          </a:p>
-          <a:p>
-            <a:pPr lvl="1"/>
-            <a:r>
-              <a:rPr lang="de-DE" dirty="0"/>
-              <a:t>class_probability * feature_probabilities = class_prediction_probability</a:t>
-            </a:r>
-          </a:p>
-          <a:p>
-            <a:pPr lvl="1"/>
-            <a:r>
-              <a:rPr lang="de-DE" dirty="0"/>
-              <a:t>Normalize by all probabilites: P_pos = P_pos / (P_pos + P_neg)</a:t>
-            </a:r>
-          </a:p>
-          <a:p>
-            <a:r>
-              <a:rPr lang="de-DE" sz="2600" dirty="0"/>
-              <a:t>Use logarithmus naturalis (ln) to avoid underflow and discard unknown tokens!</a:t>
-            </a:r>
-          </a:p>
-          <a:p>
-            <a:pPr marL="457200" lvl="1" indent="0">
-              <a:buNone/>
-            </a:pPr>
-            <a:endParaRPr lang="de-DE" dirty="0"/>
-          </a:p>
-          <a:p>
-            <a:endParaRPr lang="de-DE" dirty="0"/>
-          </a:p>
-          <a:p>
-            <a:endParaRPr lang="en-US" dirty="0"/>
-          </a:p>
-        </p:txBody>
-      </p:sp>
-    </p:spTree>
-    <p:extLst>
-      <p:ext uri="{BB962C8B-B14F-4D97-AF65-F5344CB8AC3E}">
-        <p14:creationId xmlns:p14="http://schemas.microsoft.com/office/powerpoint/2010/main" val="3687919095"/>
       </p:ext>
     </p:extLst>
   </p:cSld>
@@ -11679,16 +12843,12 @@
           <a:bodyPr/>
           <a:lstStyle/>
           <a:p>
-            <a:r>
-              <a:rPr lang="de-DE" dirty="0"/>
-              <a:t>Word Based binary Sentiment Classifiction</a:t>
-            </a:r>
             <a:br>
               <a:rPr lang="de-DE" dirty="0"/>
             </a:br>
             <a:r>
               <a:rPr lang="de-DE" dirty="0"/>
-              <a:t>STEPS</a:t>
+              <a:t>Word Based binary Sentiment Classifiction</a:t>
             </a:r>
             <a:endParaRPr lang="en-US" dirty="0"/>
           </a:p>
@@ -11718,83 +12878,20 @@
         </p:spPr>
         <p:txBody>
           <a:bodyPr>
-            <a:normAutofit/>
+            <a:normAutofit fontScale="92500" lnSpcReduction="10000"/>
           </a:bodyPr>
           <a:lstStyle/>
           <a:p>
-            <a:pPr marL="800100" lvl="1" indent="-342900">
-              <a:buAutoNum type="arabicParenR"/>
-            </a:pPr>
-            <a:r>
-              <a:rPr lang="de-DE" dirty="0"/>
-              <a:t>Load text files</a:t>
-            </a:r>
-          </a:p>
-          <a:p>
-            <a:pPr marL="800100" lvl="1" indent="-342900">
-              <a:buAutoNum type="arabicParenR"/>
-            </a:pPr>
-            <a:r>
-              <a:rPr lang="de-DE" dirty="0"/>
-              <a:t>Tokenize and remove stopwords</a:t>
-            </a:r>
-          </a:p>
-          <a:p>
-            <a:pPr marL="800100" lvl="1" indent="-342900">
-              <a:buAutoNum type="arabicParenR"/>
-            </a:pPr>
-            <a:r>
-              <a:rPr lang="de-DE" dirty="0"/>
-              <a:t>Calculate for each token: </a:t>
-            </a:r>
-          </a:p>
-          <a:p>
-            <a:pPr marL="1257300" lvl="2" indent="-342900">
-              <a:buAutoNum type="arabicParenR"/>
-            </a:pPr>
-            <a:r>
-              <a:rPr lang="de-DE" dirty="0"/>
-              <a:t>Number of occurences in the documents</a:t>
-            </a:r>
-          </a:p>
-          <a:p>
-            <a:pPr marL="1257300" lvl="2" indent="-342900">
-              <a:buAutoNum type="arabicParenR"/>
-            </a:pPr>
-            <a:r>
-              <a:rPr lang="de-DE" dirty="0"/>
-              <a:t>Number of occurences per class (positive/negative)</a:t>
-            </a:r>
-          </a:p>
-          <a:p>
-            <a:pPr marL="800100" lvl="1" indent="-342900">
-              <a:buAutoNum type="arabicParenR"/>
-            </a:pPr>
-            <a:r>
-              <a:rPr lang="de-DE" dirty="0"/>
-              <a:t>Sum up counts and calculate probabilites</a:t>
-            </a:r>
-          </a:p>
-          <a:p>
-            <a:pPr marL="800100" lvl="1" indent="-342900">
-              <a:buAutoNum type="arabicParenR"/>
-            </a:pPr>
-            <a:r>
-              <a:rPr lang="de-DE" dirty="0"/>
-              <a:t>Write prediction function which normalizes the probabilites</a:t>
-            </a:r>
-          </a:p>
-          <a:p>
-            <a:pPr marL="800100" lvl="1" indent="-342900">
-              <a:buAutoNum type="arabicParenR"/>
-            </a:pPr>
-            <a:r>
-              <a:rPr lang="de-DE" dirty="0">
-                <a:solidFill>
-                  <a:prstClr val="black"/>
-                </a:solidFill>
-              </a:rPr>
-              <a:t>Run test script and modify your code to improve results </a:t>
+            <a:r>
+              <a:rPr lang="de-DE" sz="2800" dirty="0"/>
+              <a:t>Predict sentiment of unseen movie reviews</a:t>
+            </a:r>
+          </a:p>
+          <a:p>
+            <a:pPr lvl="1"/>
+            <a:r>
+              <a:rPr lang="de-DE" sz="2600" dirty="0"/>
+              <a:t>25 000 reviews for training, equal split positive/negative</a:t>
             </a:r>
           </a:p>
           <a:p>
@@ -11802,18 +12899,37 @@
               <a:buNone/>
             </a:pPr>
             <a:r>
-              <a:rPr lang="de-DE" dirty="0">
-                <a:solidFill>
-                  <a:prstClr val="black"/>
-                </a:solidFill>
-              </a:rPr>
-              <a:t>(You should end up with around 70% accuracy)</a:t>
-            </a:r>
-          </a:p>
-          <a:p>
-            <a:pPr lvl="2">
-              <a:buFontTx/>
-              <a:buChar char="-"/>
+              <a:rPr lang="de-DE" sz="2200" i="1" dirty="0"/>
+              <a:t>   (You can reduce the amount for training/test to speed up development)</a:t>
+            </a:r>
+          </a:p>
+          <a:p>
+            <a:pPr marL="457200" lvl="1" indent="0">
+              <a:buNone/>
+            </a:pPr>
+            <a:endParaRPr lang="de-DE" sz="2600" i="1" dirty="0"/>
+          </a:p>
+          <a:p>
+            <a:r>
+              <a:rPr lang="de-DE" sz="2200" dirty="0"/>
+              <a:t>Calculate class probability, feature probability and the probability of each word belonging to each class</a:t>
+            </a:r>
+          </a:p>
+          <a:p>
+            <a:r>
+              <a:rPr lang="de-DE" sz="2200" dirty="0"/>
+              <a:t>Use logarithmus naturalis (ln) to avoid underflow</a:t>
+            </a:r>
+          </a:p>
+          <a:p>
+            <a:r>
+              <a:rPr lang="de-DE" sz="2200" dirty="0"/>
+              <a:t>discard unknown or zero-frequent tokens!</a:t>
+            </a:r>
+          </a:p>
+          <a:p>
+            <a:pPr marL="457200" lvl="1" indent="0">
+              <a:buNone/>
             </a:pPr>
             <a:endParaRPr lang="de-DE" dirty="0"/>
           </a:p>
@@ -11828,7 +12944,7 @@
     </p:spTree>
     <p:extLst>
       <p:ext uri="{BB962C8B-B14F-4D97-AF65-F5344CB8AC3E}">
-        <p14:creationId xmlns:p14="http://schemas.microsoft.com/office/powerpoint/2010/main" val="3988124057"/>
+        <p14:creationId xmlns:p14="http://schemas.microsoft.com/office/powerpoint/2010/main" val="4235305802"/>
       </p:ext>
     </p:extLst>
   </p:cSld>

--- a/presentation/simple_sentiment_analysis_workshop.pptx
+++ b/presentation/simple_sentiment_analysis_workshop.pptx
@@ -975,7 +975,7 @@
       <dgm:spPr/>
     </dgm:pt>
     <dgm:pt modelId="{BB66953D-769A-4759-8922-82FFDC3B044E}" type="pres">
-      <dgm:prSet presAssocID="{5F1B3B7F-48C7-4B22-98DF-FB115169C9B1}" presName="pictureRepeatNode" presStyleLbl="alignImgPlace1" presStyleIdx="0" presStyleCnt="1" custLinFactNeighborX="-1622" custLinFactNeighborY="2124"/>
+      <dgm:prSet presAssocID="{5F1B3B7F-48C7-4B22-98DF-FB115169C9B1}" presName="pictureRepeatNode" presStyleLbl="alignImgPlace1" presStyleIdx="0" presStyleCnt="1" custLinFactNeighborX="3201" custLinFactNeighborY="-3549"/>
       <dgm:spPr/>
     </dgm:pt>
     <dgm:pt modelId="{3389DBB2-769C-4684-8FA5-5F728BD462FA}" type="pres">
@@ -1001,7 +1001,7 @@
   <dgm:whole/>
   <dgm:extLst>
     <a:ext uri="http://schemas.microsoft.com/office/drawing/2008/diagram">
-      <dsp:dataModelExt xmlns:dsp="http://schemas.microsoft.com/office/drawing/2008/diagram" relId="rId18" minVer="http://schemas.openxmlformats.org/drawingml/2006/diagram"/>
+      <dsp:dataModelExt xmlns:dsp="http://schemas.microsoft.com/office/drawing/2008/diagram" relId="rId7" minVer="http://schemas.openxmlformats.org/drawingml/2006/diagram"/>
     </a:ext>
   </dgm:extLst>
 </dgm:dataModel>
@@ -1022,8 +1022,8 @@
       </dsp:nvSpPr>
       <dsp:spPr>
         <a:xfrm>
-          <a:off x="1296951" y="850047"/>
-          <a:ext cx="2680869" cy="2680869"/>
+          <a:off x="1401735" y="573815"/>
+          <a:ext cx="2634792" cy="2634792"/>
         </a:xfrm>
         <a:prstGeom prst="ellipse">
           <a:avLst/>
@@ -1069,8 +1069,8 @@
       </dsp:nvSpPr>
       <dsp:spPr>
         <a:xfrm>
-          <a:off x="1822991" y="2216647"/>
-          <a:ext cx="1715756" cy="884686"/>
+          <a:off x="1791658" y="2066398"/>
+          <a:ext cx="1686266" cy="869481"/>
         </a:xfrm>
         <a:prstGeom prst="rect">
           <a:avLst/>
@@ -1123,8 +1123,8 @@
         </a:p>
       </dsp:txBody>
       <dsp:txXfrm>
-        <a:off x="1822991" y="2216647"/>
-        <a:ext cx="1715756" cy="884686"/>
+        <a:off x="1791658" y="2066398"/>
+        <a:ext cx="1686266" cy="869481"/>
       </dsp:txXfrm>
     </dsp:sp>
   </dsp:spTree>
@@ -7997,8 +7997,8 @@
           </a:p>
         </p:txBody>
       </p:sp>
-      <mc:AlternateContent xmlns:mc="http://schemas.openxmlformats.org/markup-compatibility/2006">
-        <mc:Choice xmlns:a14="http://schemas.microsoft.com/office/drawing/2010/main" Requires="a14">
+      <mc:AlternateContent xmlns:mc="http://schemas.openxmlformats.org/markup-compatibility/2006" xmlns:a14="http://schemas.microsoft.com/office/drawing/2010/main">
+        <mc:Choice Requires="a14">
           <p:sp>
             <p:nvSpPr>
               <p:cNvPr id="6" name="Content Placeholder 5">
@@ -8427,7 +8427,7 @@
             </p:txBody>
           </p:sp>
         </mc:Choice>
-        <mc:Fallback>
+        <mc:Fallback xmlns="">
           <p:sp>
             <p:nvSpPr>
               <p:cNvPr id="6" name="Content Placeholder 5">
@@ -9915,10 +9915,10 @@
       </p:grpSpPr>
       <p:grpSp>
         <p:nvGrpSpPr>
-          <p:cNvPr id="6" name="Gruppieren 13">
+          <p:cNvPr id="27" name="Group 26">
             <a:extLst>
               <a:ext uri="{FF2B5EF4-FFF2-40B4-BE49-F238E27FC236}">
-                <a16:creationId xmlns:a16="http://schemas.microsoft.com/office/drawing/2014/main" id="{EFADFEF1-B0BA-4929-84EE-6BDE70AACE26}"/>
+                <a16:creationId xmlns:a16="http://schemas.microsoft.com/office/drawing/2014/main" id="{AD9E3993-F231-43F6-BBE6-C4CAB9EB938F}"/>
               </a:ext>
             </a:extLst>
           </p:cNvPr>
@@ -9927,506 +9927,12 @@
         </p:nvGrpSpPr>
         <p:grpSpPr>
           <a:xfrm>
-            <a:off x="1167170" y="3723065"/>
-            <a:ext cx="4617224" cy="1656993"/>
-            <a:chOff x="1019071" y="3575346"/>
-            <a:chExt cx="4617224" cy="1656993"/>
+            <a:off x="3097244" y="-153709"/>
+            <a:ext cx="5997511" cy="5669704"/>
+            <a:chOff x="3888825" y="25400"/>
+            <a:chExt cx="5997511" cy="5669704"/>
           </a:xfrm>
         </p:grpSpPr>
-        <p:grpSp>
-          <p:nvGrpSpPr>
-            <p:cNvPr id="8" name="Gruppieren 10">
-              <a:extLst>
-                <a:ext uri="{FF2B5EF4-FFF2-40B4-BE49-F238E27FC236}">
-                  <a16:creationId xmlns:a16="http://schemas.microsoft.com/office/drawing/2014/main" id="{CCC112F2-9DC6-406C-8E29-48AF3A370DE4}"/>
-                </a:ext>
-              </a:extLst>
-            </p:cNvPr>
-            <p:cNvGrpSpPr/>
-            <p:nvPr/>
-          </p:nvGrpSpPr>
-          <p:grpSpPr>
-            <a:xfrm>
-              <a:off x="1019071" y="4077088"/>
-              <a:ext cx="4617224" cy="1155251"/>
-              <a:chOff x="1136650" y="3574168"/>
-              <a:chExt cx="4617224" cy="1155251"/>
-            </a:xfrm>
-          </p:grpSpPr>
-          <p:sp>
-            <p:nvSpPr>
-              <p:cNvPr id="10" name="Textfeld 3">
-                <a:extLst>
-                  <a:ext uri="{FF2B5EF4-FFF2-40B4-BE49-F238E27FC236}">
-                    <a16:creationId xmlns:a16="http://schemas.microsoft.com/office/drawing/2014/main" id="{09002A7E-0ED0-4D93-AFE2-22AB7A0FC4D8}"/>
-                  </a:ext>
-                </a:extLst>
-              </p:cNvPr>
-              <p:cNvSpPr txBox="1"/>
-              <p:nvPr/>
-            </p:nvSpPr>
-            <p:spPr>
-              <a:xfrm>
-                <a:off x="1520928" y="3653025"/>
-                <a:ext cx="4217891" cy="276999"/>
-              </a:xfrm>
-              <a:prstGeom prst="rect">
-                <a:avLst/>
-              </a:prstGeom>
-              <a:noFill/>
-            </p:spPr>
-            <p:txBody>
-              <a:bodyPr wrap="square" rtlCol="0">
-                <a:spAutoFit/>
-              </a:bodyPr>
-              <a:lstStyle/>
-              <a:p>
-                <a:r>
-                  <a:rPr lang="de-DE" sz="1200" u="sng" dirty="0">
-                    <a:solidFill>
-                      <a:srgbClr val="0070C0"/>
-                    </a:solidFill>
-                    <a:hlinkClick r:id="rId3">
-                      <a:extLst>
-                        <a:ext uri="{A12FA001-AC4F-418D-AE19-62706E023703}">
-                          <ahyp:hlinkClr xmlns:ahyp="http://schemas.microsoft.com/office/drawing/2018/hyperlinkcolor" val="tx"/>
-                        </a:ext>
-                      </a:extLst>
-                    </a:hlinkClick>
-                  </a:rPr>
-                  <a:t>https://www.linkedin.com/in/rojowiec/</a:t>
-                </a:r>
-                <a:endParaRPr lang="de-DE" sz="1200" u="sng" dirty="0">
-                  <a:solidFill>
-                    <a:srgbClr val="0070C0"/>
-                  </a:solidFill>
-                </a:endParaRPr>
-              </a:p>
-            </p:txBody>
-          </p:sp>
-          <p:pic>
-            <p:nvPicPr>
-              <p:cNvPr id="11" name="Grafik 7">
-                <a:extLst>
-                  <a:ext uri="{FF2B5EF4-FFF2-40B4-BE49-F238E27FC236}">
-                    <a16:creationId xmlns:a16="http://schemas.microsoft.com/office/drawing/2014/main" id="{7861E19F-0E8F-4A4C-849F-D1D4B9034618}"/>
-                  </a:ext>
-                </a:extLst>
-              </p:cNvPr>
-              <p:cNvPicPr>
-                <a:picLocks noChangeAspect="1"/>
-              </p:cNvPicPr>
-              <p:nvPr/>
-            </p:nvPicPr>
-            <p:blipFill>
-              <a:blip r:embed="rId4" cstate="print">
-                <a:extLst>
-                  <a:ext uri="{28A0092B-C50C-407E-A947-70E740481C1C}">
-                    <a14:useLocalDpi xmlns:a14="http://schemas.microsoft.com/office/drawing/2010/main" val="0"/>
-                  </a:ext>
-                </a:extLst>
-              </a:blip>
-              <a:stretch>
-                <a:fillRect/>
-              </a:stretch>
-            </p:blipFill>
-            <p:spPr>
-              <a:xfrm>
-                <a:off x="1188026" y="3574168"/>
-                <a:ext cx="391112" cy="391112"/>
-              </a:xfrm>
-              <a:prstGeom prst="rect">
-                <a:avLst/>
-              </a:prstGeom>
-              <a:ln>
-                <a:noFill/>
-              </a:ln>
-              <a:effectLst>
-                <a:outerShdw blurRad="50800" dist="38100" dir="5400000" algn="t" rotWithShape="0">
-                  <a:prstClr val="black">
-                    <a:alpha val="40000"/>
-                  </a:prstClr>
-                </a:outerShdw>
-              </a:effectLst>
-            </p:spPr>
-          </p:pic>
-          <p:sp>
-            <p:nvSpPr>
-              <p:cNvPr id="12" name="AutoShape 6" descr="image being cropped">
-                <a:extLst>
-                  <a:ext uri="{FF2B5EF4-FFF2-40B4-BE49-F238E27FC236}">
-                    <a16:creationId xmlns:a16="http://schemas.microsoft.com/office/drawing/2014/main" id="{2940297D-AE31-4C96-9D2F-E22E6E05108E}"/>
-                  </a:ext>
-                </a:extLst>
-              </p:cNvPr>
-              <p:cNvSpPr>
-                <a:spLocks noChangeAspect="1" noChangeArrowheads="1"/>
-              </p:cNvSpPr>
-              <p:nvPr/>
-            </p:nvSpPr>
-            <p:spPr bwMode="auto">
-              <a:xfrm>
-                <a:off x="1136650" y="3765550"/>
-                <a:ext cx="304800" cy="304800"/>
-              </a:xfrm>
-              <a:prstGeom prst="rect">
-                <a:avLst/>
-              </a:prstGeom>
-              <a:noFill/>
-              <a:extLst>
-                <a:ext uri="{909E8E84-426E-40DD-AFC4-6F175D3DCCD1}">
-                  <a14:hiddenFill xmlns:a14="http://schemas.microsoft.com/office/drawing/2010/main">
-                    <a:solidFill>
-                      <a:srgbClr val="FFFFFF"/>
-                    </a:solidFill>
-                  </a14:hiddenFill>
-                </a:ext>
-              </a:extLst>
-            </p:spPr>
-            <p:txBody>
-              <a:bodyPr vert="horz" wrap="square" lIns="91440" tIns="45720" rIns="91440" bIns="45720" numCol="1" anchor="t" anchorCtr="0" compatLnSpc="1">
-                <a:prstTxWarp prst="textNoShape">
-                  <a:avLst/>
-                </a:prstTxWarp>
-              </a:bodyPr>
-              <a:lstStyle/>
-              <a:p>
-                <a:endParaRPr lang="de-DE" u="sng"/>
-              </a:p>
-            </p:txBody>
-          </p:sp>
-          <p:sp>
-            <p:nvSpPr>
-              <p:cNvPr id="13" name="Textfeld 14">
-                <a:extLst>
-                  <a:ext uri="{FF2B5EF4-FFF2-40B4-BE49-F238E27FC236}">
-                    <a16:creationId xmlns:a16="http://schemas.microsoft.com/office/drawing/2014/main" id="{4487F737-622B-493A-966C-829CB956C075}"/>
-                  </a:ext>
-                </a:extLst>
-              </p:cNvPr>
-              <p:cNvSpPr txBox="1"/>
-              <p:nvPr/>
-            </p:nvSpPr>
-            <p:spPr>
-              <a:xfrm>
-                <a:off x="1535983" y="4029075"/>
-                <a:ext cx="4217891" cy="276999"/>
-              </a:xfrm>
-              <a:prstGeom prst="rect">
-                <a:avLst/>
-              </a:prstGeom>
-              <a:noFill/>
-              <a:effectLst/>
-            </p:spPr>
-            <p:txBody>
-              <a:bodyPr wrap="square" rtlCol="0">
-                <a:spAutoFit/>
-              </a:bodyPr>
-              <a:lstStyle/>
-              <a:p>
-                <a:r>
-                  <a:rPr lang="de-DE" sz="1200" u="sng" dirty="0">
-                    <a:solidFill>
-                      <a:srgbClr val="0070C0"/>
-                    </a:solidFill>
-                    <a:hlinkClick r:id="rId5">
-                      <a:extLst>
-                        <a:ext uri="{A12FA001-AC4F-418D-AE19-62706E023703}">
-                          <ahyp:hlinkClr xmlns:ahyp="http://schemas.microsoft.com/office/drawing/2018/hyperlinkcolor" val="tx"/>
-                        </a:ext>
-                      </a:extLst>
-                    </a:hlinkClick>
-                  </a:rPr>
-                  <a:t>robin.rojowiec@de.ibm.com</a:t>
-                </a:r>
-                <a:endParaRPr lang="de-DE" sz="1200" u="sng" dirty="0">
-                  <a:solidFill>
-                    <a:srgbClr val="0070C0"/>
-                  </a:solidFill>
-                </a:endParaRPr>
-              </a:p>
-            </p:txBody>
-          </p:sp>
-          <p:grpSp>
-            <p:nvGrpSpPr>
-              <p:cNvPr id="14" name="Gruppieren 22">
-                <a:extLst>
-                  <a:ext uri="{FF2B5EF4-FFF2-40B4-BE49-F238E27FC236}">
-                    <a16:creationId xmlns:a16="http://schemas.microsoft.com/office/drawing/2014/main" id="{C1F02B87-0805-4E99-AF62-CA3814BB4A81}"/>
-                  </a:ext>
-                </a:extLst>
-              </p:cNvPr>
-              <p:cNvGrpSpPr/>
-              <p:nvPr/>
-            </p:nvGrpSpPr>
-            <p:grpSpPr>
-              <a:xfrm>
-                <a:off x="1231182" y="4020766"/>
-                <a:ext cx="304800" cy="304801"/>
-                <a:chOff x="5869169" y="3489799"/>
-                <a:chExt cx="437856" cy="436409"/>
-              </a:xfrm>
-            </p:grpSpPr>
-            <p:sp>
-              <p:nvSpPr>
-                <p:cNvPr id="19" name="Rechteck: abgerundete Ecken 19">
-                  <a:extLst>
-                    <a:ext uri="{FF2B5EF4-FFF2-40B4-BE49-F238E27FC236}">
-                      <a16:creationId xmlns:a16="http://schemas.microsoft.com/office/drawing/2014/main" id="{423FE7D7-B3D0-4994-A2C1-9644C431920A}"/>
-                    </a:ext>
-                  </a:extLst>
-                </p:cNvPr>
-                <p:cNvSpPr/>
-                <p:nvPr/>
-              </p:nvSpPr>
-              <p:spPr>
-                <a:xfrm>
-                  <a:off x="5869169" y="3489799"/>
-                  <a:ext cx="437856" cy="436409"/>
-                </a:xfrm>
-                <a:prstGeom prst="roundRect">
-                  <a:avLst/>
-                </a:prstGeom>
-                <a:solidFill>
-                  <a:schemeClr val="bg1"/>
-                </a:solidFill>
-                <a:ln>
-                  <a:solidFill>
-                    <a:schemeClr val="bg1"/>
-                  </a:solidFill>
-                </a:ln>
-                <a:effectLst>
-                  <a:outerShdw blurRad="50800" dist="38100" dir="5400000" algn="t" rotWithShape="0">
-                    <a:prstClr val="black">
-                      <a:alpha val="40000"/>
-                    </a:prstClr>
-                  </a:outerShdw>
-                </a:effectLst>
-              </p:spPr>
-              <p:style>
-                <a:lnRef idx="2">
-                  <a:schemeClr val="accent1">
-                    <a:shade val="50000"/>
-                  </a:schemeClr>
-                </a:lnRef>
-                <a:fillRef idx="1">
-                  <a:schemeClr val="accent1"/>
-                </a:fillRef>
-                <a:effectRef idx="0">
-                  <a:schemeClr val="accent1"/>
-                </a:effectRef>
-                <a:fontRef idx="minor">
-                  <a:schemeClr val="lt1"/>
-                </a:fontRef>
-              </p:style>
-              <p:txBody>
-                <a:bodyPr rtlCol="0" anchor="ctr"/>
-                <a:lstStyle/>
-                <a:p>
-                  <a:pPr algn="ctr"/>
-                  <a:endParaRPr lang="de-DE" u="sng"/>
-                </a:p>
-              </p:txBody>
-            </p:sp>
-            <p:pic>
-              <p:nvPicPr>
-                <p:cNvPr id="20" name="Grafik 21">
-                  <a:extLst>
-                    <a:ext uri="{FF2B5EF4-FFF2-40B4-BE49-F238E27FC236}">
-                      <a16:creationId xmlns:a16="http://schemas.microsoft.com/office/drawing/2014/main" id="{4909E320-EEC9-4183-B5E2-4E0F4F8DAEEF}"/>
-                    </a:ext>
-                  </a:extLst>
-                </p:cNvPr>
-                <p:cNvPicPr>
-                  <a:picLocks noChangeAspect="1"/>
-                </p:cNvPicPr>
-                <p:nvPr/>
-              </p:nvPicPr>
-              <p:blipFill>
-                <a:blip r:embed="rId6" cstate="print">
-                  <a:extLst>
-                    <a:ext uri="{28A0092B-C50C-407E-A947-70E740481C1C}">
-                      <a14:useLocalDpi xmlns:a14="http://schemas.microsoft.com/office/drawing/2010/main" val="0"/>
-                    </a:ext>
-                  </a:extLst>
-                </a:blip>
-                <a:stretch>
-                  <a:fillRect/>
-                </a:stretch>
-              </p:blipFill>
-              <p:spPr>
-                <a:xfrm>
-                  <a:off x="5906598" y="3638700"/>
-                  <a:ext cx="378802" cy="172182"/>
-                </a:xfrm>
-                <a:prstGeom prst="rect">
-                  <a:avLst/>
-                </a:prstGeom>
-              </p:spPr>
-            </p:pic>
-          </p:grpSp>
-          <p:sp>
-            <p:nvSpPr>
-              <p:cNvPr id="15" name="Textfeld 15">
-                <a:extLst>
-                  <a:ext uri="{FF2B5EF4-FFF2-40B4-BE49-F238E27FC236}">
-                    <a16:creationId xmlns:a16="http://schemas.microsoft.com/office/drawing/2014/main" id="{B02E5B29-58ED-4959-87C4-EE6F851EBD62}"/>
-                  </a:ext>
-                </a:extLst>
-              </p:cNvPr>
-              <p:cNvSpPr txBox="1"/>
-              <p:nvPr/>
-            </p:nvSpPr>
-            <p:spPr>
-              <a:xfrm>
-                <a:off x="1535983" y="4452420"/>
-                <a:ext cx="4217891" cy="276999"/>
-              </a:xfrm>
-              <a:prstGeom prst="rect">
-                <a:avLst/>
-              </a:prstGeom>
-              <a:noFill/>
-              <a:effectLst/>
-            </p:spPr>
-            <p:txBody>
-              <a:bodyPr wrap="square" rtlCol="0">
-                <a:spAutoFit/>
-              </a:bodyPr>
-              <a:lstStyle/>
-              <a:p>
-                <a:r>
-                  <a:rPr lang="de-DE" sz="1200" u="sng" dirty="0">
-                    <a:solidFill>
-                      <a:srgbClr val="0070C0"/>
-                    </a:solidFill>
-                  </a:rPr>
-                  <a:t>https://twitter.com/Robin_it_is</a:t>
-                </a:r>
-              </a:p>
-            </p:txBody>
-          </p:sp>
-          <p:grpSp>
-            <p:nvGrpSpPr>
-              <p:cNvPr id="16" name="Gruppieren 9">
-                <a:extLst>
-                  <a:ext uri="{FF2B5EF4-FFF2-40B4-BE49-F238E27FC236}">
-                    <a16:creationId xmlns:a16="http://schemas.microsoft.com/office/drawing/2014/main" id="{166DA1A0-A844-48F7-8B19-E81606D0BE77}"/>
-                  </a:ext>
-                </a:extLst>
-              </p:cNvPr>
-              <p:cNvGrpSpPr/>
-              <p:nvPr/>
-            </p:nvGrpSpPr>
-            <p:grpSpPr>
-              <a:xfrm>
-                <a:off x="1231182" y="4424618"/>
-                <a:ext cx="304800" cy="304801"/>
-                <a:chOff x="604913" y="5263852"/>
-                <a:chExt cx="304800" cy="304801"/>
-              </a:xfrm>
-            </p:grpSpPr>
-            <p:sp>
-              <p:nvSpPr>
-                <p:cNvPr id="17" name="Rechteck: abgerundete Ecken 20">
-                  <a:extLst>
-                    <a:ext uri="{FF2B5EF4-FFF2-40B4-BE49-F238E27FC236}">
-                      <a16:creationId xmlns:a16="http://schemas.microsoft.com/office/drawing/2014/main" id="{0EFBA3B1-6883-4CBB-AC79-A97DC214836D}"/>
-                    </a:ext>
-                  </a:extLst>
-                </p:cNvPr>
-                <p:cNvSpPr/>
-                <p:nvPr/>
-              </p:nvSpPr>
-              <p:spPr>
-                <a:xfrm>
-                  <a:off x="604913" y="5263852"/>
-                  <a:ext cx="304800" cy="304801"/>
-                </a:xfrm>
-                <a:prstGeom prst="roundRect">
-                  <a:avLst/>
-                </a:prstGeom>
-                <a:solidFill>
-                  <a:srgbClr val="46ABE3"/>
-                </a:solidFill>
-                <a:ln>
-                  <a:solidFill>
-                    <a:srgbClr val="46ABE3"/>
-                  </a:solidFill>
-                </a:ln>
-                <a:effectLst>
-                  <a:outerShdw blurRad="50800" dist="38100" dir="5400000" algn="t" rotWithShape="0">
-                    <a:prstClr val="black">
-                      <a:alpha val="40000"/>
-                    </a:prstClr>
-                  </a:outerShdw>
-                </a:effectLst>
-              </p:spPr>
-              <p:style>
-                <a:lnRef idx="2">
-                  <a:schemeClr val="accent1">
-                    <a:shade val="50000"/>
-                  </a:schemeClr>
-                </a:lnRef>
-                <a:fillRef idx="1">
-                  <a:schemeClr val="accent1"/>
-                </a:fillRef>
-                <a:effectRef idx="0">
-                  <a:schemeClr val="accent1"/>
-                </a:effectRef>
-                <a:fontRef idx="minor">
-                  <a:schemeClr val="lt1"/>
-                </a:fontRef>
-              </p:style>
-              <p:txBody>
-                <a:bodyPr rtlCol="0" anchor="ctr"/>
-                <a:lstStyle/>
-                <a:p>
-                  <a:pPr algn="ctr"/>
-                  <a:endParaRPr lang="de-DE" u="sng"/>
-                </a:p>
-              </p:txBody>
-            </p:sp>
-            <p:pic>
-              <p:nvPicPr>
-                <p:cNvPr id="18" name="Grafik 6">
-                  <a:extLst>
-                    <a:ext uri="{FF2B5EF4-FFF2-40B4-BE49-F238E27FC236}">
-                      <a16:creationId xmlns:a16="http://schemas.microsoft.com/office/drawing/2014/main" id="{00CF64C4-E1DD-4E19-91AE-9CA169D8C143}"/>
-                    </a:ext>
-                  </a:extLst>
-                </p:cNvPr>
-                <p:cNvPicPr>
-                  <a:picLocks noChangeAspect="1"/>
-                </p:cNvPicPr>
-                <p:nvPr/>
-              </p:nvPicPr>
-              <p:blipFill>
-                <a:blip r:embed="rId7" cstate="print">
-                  <a:extLst>
-                    <a:ext uri="{28A0092B-C50C-407E-A947-70E740481C1C}">
-                      <a14:useLocalDpi xmlns:a14="http://schemas.microsoft.com/office/drawing/2010/main" val="0"/>
-                    </a:ext>
-                  </a:extLst>
-                </a:blip>
-                <a:stretch>
-                  <a:fillRect/>
-                </a:stretch>
-              </p:blipFill>
-              <p:spPr>
-                <a:xfrm>
-                  <a:off x="621571" y="5280510"/>
-                  <a:ext cx="271484" cy="271484"/>
-                </a:xfrm>
-                <a:prstGeom prst="rect">
-                  <a:avLst/>
-                </a:prstGeom>
-                <a:solidFill>
-                  <a:srgbClr val="46ABE3"/>
-                </a:solidFill>
-              </p:spPr>
-            </p:pic>
-          </p:grpSp>
-        </p:grpSp>
         <p:sp>
           <p:nvSpPr>
             <p:cNvPr id="9" name="Textfeld 11">
@@ -10441,8 +9947,8 @@
           </p:nvSpPr>
           <p:spPr>
             <a:xfrm>
-              <a:off x="1621283" y="3575346"/>
-              <a:ext cx="1668405" cy="369332"/>
+              <a:off x="5728047" y="3269605"/>
+              <a:ext cx="2161361" cy="461665"/>
             </a:xfrm>
             <a:prstGeom prst="rect">
               <a:avLst/>
@@ -10456,7 +9962,7 @@
             <a:lstStyle/>
             <a:p>
               <a:r>
-                <a:rPr lang="en-US" dirty="0">
+                <a:rPr lang="en-US" sz="2400" dirty="0">
                   <a:solidFill>
                     <a:schemeClr val="bg1">
                       <a:lumMod val="50000"/>
@@ -10465,7 +9971,7 @@
                 </a:rPr>
                 <a:t>Robin Rojowiec</a:t>
               </a:r>
-              <a:endParaRPr lang="de-DE" dirty="0">
+              <a:endParaRPr lang="de-DE" sz="2400" dirty="0">
                 <a:solidFill>
                   <a:schemeClr val="bg1">
                     <a:lumMod val="50000"/>
@@ -10475,33 +9981,654 @@
             </a:p>
           </p:txBody>
         </p:sp>
-      </p:grpSp>
-      <p:grpSp>
-        <p:nvGrpSpPr>
-          <p:cNvPr id="2" name="Group 1">
-            <a:extLst>
-              <a:ext uri="{FF2B5EF4-FFF2-40B4-BE49-F238E27FC236}">
-                <a16:creationId xmlns:a16="http://schemas.microsoft.com/office/drawing/2014/main" id="{42FB220C-3827-4127-B762-1CC6C35E3783}"/>
-              </a:ext>
-            </a:extLst>
-          </p:cNvPr>
-          <p:cNvGrpSpPr/>
-          <p:nvPr/>
-        </p:nvGrpSpPr>
-        <p:grpSpPr>
-          <a:xfrm>
-            <a:off x="5239187" y="1284928"/>
-            <a:ext cx="6845001" cy="3474498"/>
-            <a:chOff x="5239187" y="1284928"/>
-            <a:chExt cx="6845001" cy="3474498"/>
-          </a:xfrm>
-        </p:grpSpPr>
+        <p:graphicFrame>
+          <p:nvGraphicFramePr>
+            <p:cNvPr id="30" name="Diagram 29">
+              <a:extLst>
+                <a:ext uri="{FF2B5EF4-FFF2-40B4-BE49-F238E27FC236}">
+                  <a16:creationId xmlns:a16="http://schemas.microsoft.com/office/drawing/2014/main" id="{EC93751D-BEC8-43A4-AF9E-F6EA6A9BCAB1}"/>
+                </a:ext>
+              </a:extLst>
+            </p:cNvPr>
+            <p:cNvGraphicFramePr/>
+            <p:nvPr>
+              <p:extLst>
+                <p:ext uri="{D42A27DB-BD31-4B8C-83A1-F6EECF244321}">
+                  <p14:modId xmlns:p14="http://schemas.microsoft.com/office/powerpoint/2010/main" val="4206383522"/>
+                </p:ext>
+              </p:extLst>
+            </p:nvPr>
+          </p:nvGraphicFramePr>
+          <p:xfrm>
+            <a:off x="3888825" y="25400"/>
+            <a:ext cx="5269584" cy="3969440"/>
+          </p:xfrm>
+          <a:graphic>
+            <a:graphicData uri="http://schemas.openxmlformats.org/drawingml/2006/diagram">
+              <dgm:relIds xmlns:dgm="http://schemas.openxmlformats.org/drawingml/2006/diagram" xmlns:r="http://schemas.openxmlformats.org/officeDocument/2006/relationships" r:dm="rId3" r:lo="rId4" r:qs="rId5" r:cs="rId6"/>
+            </a:graphicData>
+          </a:graphic>
+        </p:graphicFrame>
+        <p:grpSp>
+          <p:nvGrpSpPr>
+            <p:cNvPr id="21" name="Group 20">
+              <a:extLst>
+                <a:ext uri="{FF2B5EF4-FFF2-40B4-BE49-F238E27FC236}">
+                  <a16:creationId xmlns:a16="http://schemas.microsoft.com/office/drawing/2014/main" id="{E526B147-550C-44AB-8AD7-8F368F824D7E}"/>
+                </a:ext>
+              </a:extLst>
+            </p:cNvPr>
+            <p:cNvGrpSpPr/>
+            <p:nvPr/>
+          </p:nvGrpSpPr>
+          <p:grpSpPr>
+            <a:xfrm>
+              <a:off x="5293440" y="4092687"/>
+              <a:ext cx="4592896" cy="1602417"/>
+              <a:chOff x="4796489" y="3762894"/>
+              <a:chExt cx="4617224" cy="1602417"/>
+            </a:xfrm>
+          </p:grpSpPr>
+          <p:grpSp>
+            <p:nvGrpSpPr>
+              <p:cNvPr id="8" name="Gruppieren 10">
+                <a:extLst>
+                  <a:ext uri="{FF2B5EF4-FFF2-40B4-BE49-F238E27FC236}">
+                    <a16:creationId xmlns:a16="http://schemas.microsoft.com/office/drawing/2014/main" id="{CCC112F2-9DC6-406C-8E29-48AF3A370DE4}"/>
+                  </a:ext>
+                </a:extLst>
+              </p:cNvPr>
+              <p:cNvGrpSpPr/>
+              <p:nvPr/>
+            </p:nvGrpSpPr>
+            <p:grpSpPr>
+              <a:xfrm>
+                <a:off x="4796489" y="3762894"/>
+                <a:ext cx="4617224" cy="1155251"/>
+                <a:chOff x="1136650" y="3574168"/>
+                <a:chExt cx="4617224" cy="1155251"/>
+              </a:xfrm>
+            </p:grpSpPr>
+            <p:sp>
+              <p:nvSpPr>
+                <p:cNvPr id="10" name="Textfeld 3">
+                  <a:extLst>
+                    <a:ext uri="{FF2B5EF4-FFF2-40B4-BE49-F238E27FC236}">
+                      <a16:creationId xmlns:a16="http://schemas.microsoft.com/office/drawing/2014/main" id="{09002A7E-0ED0-4D93-AFE2-22AB7A0FC4D8}"/>
+                    </a:ext>
+                  </a:extLst>
+                </p:cNvPr>
+                <p:cNvSpPr txBox="1"/>
+                <p:nvPr/>
+              </p:nvSpPr>
+              <p:spPr>
+                <a:xfrm>
+                  <a:off x="1520928" y="3653025"/>
+                  <a:ext cx="4217891" cy="276999"/>
+                </a:xfrm>
+                <a:prstGeom prst="rect">
+                  <a:avLst/>
+                </a:prstGeom>
+                <a:noFill/>
+              </p:spPr>
+              <p:txBody>
+                <a:bodyPr wrap="square" rtlCol="0">
+                  <a:spAutoFit/>
+                </a:bodyPr>
+                <a:lstStyle/>
+                <a:p>
+                  <a:r>
+                    <a:rPr lang="de-DE" sz="1200" u="sng" dirty="0">
+                      <a:solidFill>
+                        <a:srgbClr val="0070C0"/>
+                      </a:solidFill>
+                      <a:hlinkClick r:id="rId8">
+                        <a:extLst>
+                          <a:ext uri="{A12FA001-AC4F-418D-AE19-62706E023703}">
+                            <ahyp:hlinkClr xmlns:ahyp="http://schemas.microsoft.com/office/drawing/2018/hyperlinkcolor" val="tx"/>
+                          </a:ext>
+                        </a:extLst>
+                      </a:hlinkClick>
+                    </a:rPr>
+                    <a:t>https://www.linkedin.com/in/rojowiec/</a:t>
+                  </a:r>
+                  <a:endParaRPr lang="de-DE" sz="1200" u="sng" dirty="0">
+                    <a:solidFill>
+                      <a:srgbClr val="0070C0"/>
+                    </a:solidFill>
+                  </a:endParaRPr>
+                </a:p>
+              </p:txBody>
+            </p:sp>
+            <p:pic>
+              <p:nvPicPr>
+                <p:cNvPr id="11" name="Grafik 7">
+                  <a:extLst>
+                    <a:ext uri="{FF2B5EF4-FFF2-40B4-BE49-F238E27FC236}">
+                      <a16:creationId xmlns:a16="http://schemas.microsoft.com/office/drawing/2014/main" id="{7861E19F-0E8F-4A4C-849F-D1D4B9034618}"/>
+                    </a:ext>
+                  </a:extLst>
+                </p:cNvPr>
+                <p:cNvPicPr>
+                  <a:picLocks noChangeAspect="1"/>
+                </p:cNvPicPr>
+                <p:nvPr/>
+              </p:nvPicPr>
+              <p:blipFill>
+                <a:blip r:embed="rId9" cstate="print">
+                  <a:extLst>
+                    <a:ext uri="{28A0092B-C50C-407E-A947-70E740481C1C}">
+                      <a14:useLocalDpi xmlns:a14="http://schemas.microsoft.com/office/drawing/2010/main" val="0"/>
+                    </a:ext>
+                  </a:extLst>
+                </a:blip>
+                <a:stretch>
+                  <a:fillRect/>
+                </a:stretch>
+              </p:blipFill>
+              <p:spPr>
+                <a:xfrm>
+                  <a:off x="1188026" y="3574168"/>
+                  <a:ext cx="391112" cy="391112"/>
+                </a:xfrm>
+                <a:prstGeom prst="rect">
+                  <a:avLst/>
+                </a:prstGeom>
+                <a:ln>
+                  <a:noFill/>
+                </a:ln>
+                <a:effectLst>
+                  <a:outerShdw blurRad="50800" dist="38100" dir="5400000" algn="t" rotWithShape="0">
+                    <a:prstClr val="black">
+                      <a:alpha val="40000"/>
+                    </a:prstClr>
+                  </a:outerShdw>
+                </a:effectLst>
+              </p:spPr>
+            </p:pic>
+            <p:sp>
+              <p:nvSpPr>
+                <p:cNvPr id="12" name="AutoShape 6" descr="image being cropped">
+                  <a:extLst>
+                    <a:ext uri="{FF2B5EF4-FFF2-40B4-BE49-F238E27FC236}">
+                      <a16:creationId xmlns:a16="http://schemas.microsoft.com/office/drawing/2014/main" id="{2940297D-AE31-4C96-9D2F-E22E6E05108E}"/>
+                    </a:ext>
+                  </a:extLst>
+                </p:cNvPr>
+                <p:cNvSpPr>
+                  <a:spLocks noChangeAspect="1" noChangeArrowheads="1"/>
+                </p:cNvSpPr>
+                <p:nvPr/>
+              </p:nvSpPr>
+              <p:spPr bwMode="auto">
+                <a:xfrm>
+                  <a:off x="1136650" y="3765550"/>
+                  <a:ext cx="304800" cy="304800"/>
+                </a:xfrm>
+                <a:prstGeom prst="rect">
+                  <a:avLst/>
+                </a:prstGeom>
+                <a:noFill/>
+                <a:extLst>
+                  <a:ext uri="{909E8E84-426E-40DD-AFC4-6F175D3DCCD1}">
+                    <a14:hiddenFill xmlns:a14="http://schemas.microsoft.com/office/drawing/2010/main">
+                      <a:solidFill>
+                        <a:srgbClr val="FFFFFF"/>
+                      </a:solidFill>
+                    </a14:hiddenFill>
+                  </a:ext>
+                </a:extLst>
+              </p:spPr>
+              <p:txBody>
+                <a:bodyPr vert="horz" wrap="square" lIns="91440" tIns="45720" rIns="91440" bIns="45720" numCol="1" anchor="t" anchorCtr="0" compatLnSpc="1">
+                  <a:prstTxWarp prst="textNoShape">
+                    <a:avLst/>
+                  </a:prstTxWarp>
+                </a:bodyPr>
+                <a:lstStyle/>
+                <a:p>
+                  <a:endParaRPr lang="de-DE" u="sng"/>
+                </a:p>
+              </p:txBody>
+            </p:sp>
+            <p:sp>
+              <p:nvSpPr>
+                <p:cNvPr id="13" name="Textfeld 14">
+                  <a:extLst>
+                    <a:ext uri="{FF2B5EF4-FFF2-40B4-BE49-F238E27FC236}">
+                      <a16:creationId xmlns:a16="http://schemas.microsoft.com/office/drawing/2014/main" id="{4487F737-622B-493A-966C-829CB956C075}"/>
+                    </a:ext>
+                  </a:extLst>
+                </p:cNvPr>
+                <p:cNvSpPr txBox="1"/>
+                <p:nvPr/>
+              </p:nvSpPr>
+              <p:spPr>
+                <a:xfrm>
+                  <a:off x="1535983" y="4029075"/>
+                  <a:ext cx="4217891" cy="276999"/>
+                </a:xfrm>
+                <a:prstGeom prst="rect">
+                  <a:avLst/>
+                </a:prstGeom>
+                <a:noFill/>
+                <a:effectLst/>
+              </p:spPr>
+              <p:txBody>
+                <a:bodyPr wrap="square" rtlCol="0">
+                  <a:spAutoFit/>
+                </a:bodyPr>
+                <a:lstStyle/>
+                <a:p>
+                  <a:r>
+                    <a:rPr lang="de-DE" sz="1200" u="sng" dirty="0">
+                      <a:solidFill>
+                        <a:srgbClr val="0070C0"/>
+                      </a:solidFill>
+                      <a:hlinkClick r:id="rId10">
+                        <a:extLst>
+                          <a:ext uri="{A12FA001-AC4F-418D-AE19-62706E023703}">
+                            <ahyp:hlinkClr xmlns:ahyp="http://schemas.microsoft.com/office/drawing/2018/hyperlinkcolor" val="tx"/>
+                          </a:ext>
+                        </a:extLst>
+                      </a:hlinkClick>
+                    </a:rPr>
+                    <a:t>robin.rojowiec@de.ibm.com</a:t>
+                  </a:r>
+                  <a:endParaRPr lang="de-DE" sz="1200" u="sng" dirty="0">
+                    <a:solidFill>
+                      <a:srgbClr val="0070C0"/>
+                    </a:solidFill>
+                  </a:endParaRPr>
+                </a:p>
+              </p:txBody>
+            </p:sp>
+            <p:grpSp>
+              <p:nvGrpSpPr>
+                <p:cNvPr id="14" name="Gruppieren 22">
+                  <a:extLst>
+                    <a:ext uri="{FF2B5EF4-FFF2-40B4-BE49-F238E27FC236}">
+                      <a16:creationId xmlns:a16="http://schemas.microsoft.com/office/drawing/2014/main" id="{C1F02B87-0805-4E99-AF62-CA3814BB4A81}"/>
+                    </a:ext>
+                  </a:extLst>
+                </p:cNvPr>
+                <p:cNvGrpSpPr/>
+                <p:nvPr/>
+              </p:nvGrpSpPr>
+              <p:grpSpPr>
+                <a:xfrm>
+                  <a:off x="1231182" y="4020766"/>
+                  <a:ext cx="304800" cy="304801"/>
+                  <a:chOff x="5869169" y="3489799"/>
+                  <a:chExt cx="437856" cy="436409"/>
+                </a:xfrm>
+              </p:grpSpPr>
+              <p:sp>
+                <p:nvSpPr>
+                  <p:cNvPr id="19" name="Rechteck: abgerundete Ecken 19">
+                    <a:extLst>
+                      <a:ext uri="{FF2B5EF4-FFF2-40B4-BE49-F238E27FC236}">
+                        <a16:creationId xmlns:a16="http://schemas.microsoft.com/office/drawing/2014/main" id="{423FE7D7-B3D0-4994-A2C1-9644C431920A}"/>
+                      </a:ext>
+                    </a:extLst>
+                  </p:cNvPr>
+                  <p:cNvSpPr/>
+                  <p:nvPr/>
+                </p:nvSpPr>
+                <p:spPr>
+                  <a:xfrm>
+                    <a:off x="5869169" y="3489799"/>
+                    <a:ext cx="437856" cy="436409"/>
+                  </a:xfrm>
+                  <a:prstGeom prst="roundRect">
+                    <a:avLst/>
+                  </a:prstGeom>
+                  <a:solidFill>
+                    <a:schemeClr val="bg1"/>
+                  </a:solidFill>
+                  <a:ln>
+                    <a:solidFill>
+                      <a:schemeClr val="bg1"/>
+                    </a:solidFill>
+                  </a:ln>
+                  <a:effectLst>
+                    <a:outerShdw blurRad="50800" dist="38100" dir="5400000" algn="t" rotWithShape="0">
+                      <a:prstClr val="black">
+                        <a:alpha val="40000"/>
+                      </a:prstClr>
+                    </a:outerShdw>
+                  </a:effectLst>
+                </p:spPr>
+                <p:style>
+                  <a:lnRef idx="2">
+                    <a:schemeClr val="accent1">
+                      <a:shade val="50000"/>
+                    </a:schemeClr>
+                  </a:lnRef>
+                  <a:fillRef idx="1">
+                    <a:schemeClr val="accent1"/>
+                  </a:fillRef>
+                  <a:effectRef idx="0">
+                    <a:schemeClr val="accent1"/>
+                  </a:effectRef>
+                  <a:fontRef idx="minor">
+                    <a:schemeClr val="lt1"/>
+                  </a:fontRef>
+                </p:style>
+                <p:txBody>
+                  <a:bodyPr rtlCol="0" anchor="ctr"/>
+                  <a:lstStyle/>
+                  <a:p>
+                    <a:pPr algn="ctr"/>
+                    <a:endParaRPr lang="de-DE" u="sng"/>
+                  </a:p>
+                </p:txBody>
+              </p:sp>
+              <p:pic>
+                <p:nvPicPr>
+                  <p:cNvPr id="20" name="Grafik 21">
+                    <a:extLst>
+                      <a:ext uri="{FF2B5EF4-FFF2-40B4-BE49-F238E27FC236}">
+                        <a16:creationId xmlns:a16="http://schemas.microsoft.com/office/drawing/2014/main" id="{4909E320-EEC9-4183-B5E2-4E0F4F8DAEEF}"/>
+                      </a:ext>
+                    </a:extLst>
+                  </p:cNvPr>
+                  <p:cNvPicPr>
+                    <a:picLocks noChangeAspect="1"/>
+                  </p:cNvPicPr>
+                  <p:nvPr/>
+                </p:nvPicPr>
+                <p:blipFill>
+                  <a:blip r:embed="rId11" cstate="print">
+                    <a:extLst>
+                      <a:ext uri="{28A0092B-C50C-407E-A947-70E740481C1C}">
+                        <a14:useLocalDpi xmlns:a14="http://schemas.microsoft.com/office/drawing/2010/main" val="0"/>
+                      </a:ext>
+                    </a:extLst>
+                  </a:blip>
+                  <a:stretch>
+                    <a:fillRect/>
+                  </a:stretch>
+                </p:blipFill>
+                <p:spPr>
+                  <a:xfrm>
+                    <a:off x="5906598" y="3638700"/>
+                    <a:ext cx="378802" cy="172182"/>
+                  </a:xfrm>
+                  <a:prstGeom prst="rect">
+                    <a:avLst/>
+                  </a:prstGeom>
+                </p:spPr>
+              </p:pic>
+            </p:grpSp>
+            <p:sp>
+              <p:nvSpPr>
+                <p:cNvPr id="15" name="Textfeld 15">
+                  <a:extLst>
+                    <a:ext uri="{FF2B5EF4-FFF2-40B4-BE49-F238E27FC236}">
+                      <a16:creationId xmlns:a16="http://schemas.microsoft.com/office/drawing/2014/main" id="{B02E5B29-58ED-4959-87C4-EE6F851EBD62}"/>
+                    </a:ext>
+                  </a:extLst>
+                </p:cNvPr>
+                <p:cNvSpPr txBox="1"/>
+                <p:nvPr/>
+              </p:nvSpPr>
+              <p:spPr>
+                <a:xfrm>
+                  <a:off x="1535983" y="4452420"/>
+                  <a:ext cx="4217891" cy="276999"/>
+                </a:xfrm>
+                <a:prstGeom prst="rect">
+                  <a:avLst/>
+                </a:prstGeom>
+                <a:noFill/>
+                <a:effectLst/>
+              </p:spPr>
+              <p:txBody>
+                <a:bodyPr wrap="square" rtlCol="0">
+                  <a:spAutoFit/>
+                </a:bodyPr>
+                <a:lstStyle/>
+                <a:p>
+                  <a:r>
+                    <a:rPr lang="de-DE" sz="1200" u="sng" dirty="0">
+                      <a:solidFill>
+                        <a:srgbClr val="0070C0"/>
+                      </a:solidFill>
+                    </a:rPr>
+                    <a:t>https://twitter.com/Robin_it_is</a:t>
+                  </a:r>
+                </a:p>
+              </p:txBody>
+            </p:sp>
+            <p:grpSp>
+              <p:nvGrpSpPr>
+                <p:cNvPr id="16" name="Gruppieren 9">
+                  <a:extLst>
+                    <a:ext uri="{FF2B5EF4-FFF2-40B4-BE49-F238E27FC236}">
+                      <a16:creationId xmlns:a16="http://schemas.microsoft.com/office/drawing/2014/main" id="{166DA1A0-A844-48F7-8B19-E81606D0BE77}"/>
+                    </a:ext>
+                  </a:extLst>
+                </p:cNvPr>
+                <p:cNvGrpSpPr/>
+                <p:nvPr/>
+              </p:nvGrpSpPr>
+              <p:grpSpPr>
+                <a:xfrm>
+                  <a:off x="1231182" y="4424618"/>
+                  <a:ext cx="304800" cy="304801"/>
+                  <a:chOff x="604913" y="5263852"/>
+                  <a:chExt cx="304800" cy="304801"/>
+                </a:xfrm>
+              </p:grpSpPr>
+              <p:sp>
+                <p:nvSpPr>
+                  <p:cNvPr id="17" name="Rechteck: abgerundete Ecken 20">
+                    <a:extLst>
+                      <a:ext uri="{FF2B5EF4-FFF2-40B4-BE49-F238E27FC236}">
+                        <a16:creationId xmlns:a16="http://schemas.microsoft.com/office/drawing/2014/main" id="{0EFBA3B1-6883-4CBB-AC79-A97DC214836D}"/>
+                      </a:ext>
+                    </a:extLst>
+                  </p:cNvPr>
+                  <p:cNvSpPr/>
+                  <p:nvPr/>
+                </p:nvSpPr>
+                <p:spPr>
+                  <a:xfrm>
+                    <a:off x="604913" y="5263852"/>
+                    <a:ext cx="304800" cy="304801"/>
+                  </a:xfrm>
+                  <a:prstGeom prst="roundRect">
+                    <a:avLst/>
+                  </a:prstGeom>
+                  <a:solidFill>
+                    <a:srgbClr val="46ABE3"/>
+                  </a:solidFill>
+                  <a:ln>
+                    <a:solidFill>
+                      <a:srgbClr val="46ABE3"/>
+                    </a:solidFill>
+                  </a:ln>
+                  <a:effectLst>
+                    <a:outerShdw blurRad="50800" dist="38100" dir="5400000" algn="t" rotWithShape="0">
+                      <a:prstClr val="black">
+                        <a:alpha val="40000"/>
+                      </a:prstClr>
+                    </a:outerShdw>
+                  </a:effectLst>
+                </p:spPr>
+                <p:style>
+                  <a:lnRef idx="2">
+                    <a:schemeClr val="accent1">
+                      <a:shade val="50000"/>
+                    </a:schemeClr>
+                  </a:lnRef>
+                  <a:fillRef idx="1">
+                    <a:schemeClr val="accent1"/>
+                  </a:fillRef>
+                  <a:effectRef idx="0">
+                    <a:schemeClr val="accent1"/>
+                  </a:effectRef>
+                  <a:fontRef idx="minor">
+                    <a:schemeClr val="lt1"/>
+                  </a:fontRef>
+                </p:style>
+                <p:txBody>
+                  <a:bodyPr rtlCol="0" anchor="ctr"/>
+                  <a:lstStyle/>
+                  <a:p>
+                    <a:pPr algn="ctr"/>
+                    <a:endParaRPr lang="de-DE" u="sng"/>
+                  </a:p>
+                </p:txBody>
+              </p:sp>
+              <p:pic>
+                <p:nvPicPr>
+                  <p:cNvPr id="18" name="Grafik 6">
+                    <a:extLst>
+                      <a:ext uri="{FF2B5EF4-FFF2-40B4-BE49-F238E27FC236}">
+                        <a16:creationId xmlns:a16="http://schemas.microsoft.com/office/drawing/2014/main" id="{00CF64C4-E1DD-4E19-91AE-9CA169D8C143}"/>
+                      </a:ext>
+                    </a:extLst>
+                  </p:cNvPr>
+                  <p:cNvPicPr>
+                    <a:picLocks noChangeAspect="1"/>
+                  </p:cNvPicPr>
+                  <p:nvPr/>
+                </p:nvPicPr>
+                <p:blipFill>
+                  <a:blip r:embed="rId12" cstate="print">
+                    <a:extLst>
+                      <a:ext uri="{28A0092B-C50C-407E-A947-70E740481C1C}">
+                        <a14:useLocalDpi xmlns:a14="http://schemas.microsoft.com/office/drawing/2010/main" val="0"/>
+                      </a:ext>
+                    </a:extLst>
+                  </a:blip>
+                  <a:stretch>
+                    <a:fillRect/>
+                  </a:stretch>
+                </p:blipFill>
+                <p:spPr>
+                  <a:xfrm>
+                    <a:off x="621571" y="5280510"/>
+                    <a:ext cx="271484" cy="271484"/>
+                  </a:xfrm>
+                  <a:prstGeom prst="rect">
+                    <a:avLst/>
+                  </a:prstGeom>
+                  <a:solidFill>
+                    <a:srgbClr val="46ABE3"/>
+                  </a:solidFill>
+                </p:spPr>
+              </p:pic>
+            </p:grpSp>
+          </p:grpSp>
+          <p:pic>
+            <p:nvPicPr>
+              <p:cNvPr id="3" name="Picture 2">
+                <a:extLst>
+                  <a:ext uri="{FF2B5EF4-FFF2-40B4-BE49-F238E27FC236}">
+                    <a16:creationId xmlns:a16="http://schemas.microsoft.com/office/drawing/2014/main" id="{39CF07CA-D025-48C8-993A-C989AB155795}"/>
+                  </a:ext>
+                </a:extLst>
+              </p:cNvPr>
+              <p:cNvPicPr>
+                <a:picLocks noChangeAspect="1"/>
+              </p:cNvPicPr>
+              <p:nvPr/>
+            </p:nvPicPr>
+            <p:blipFill>
+              <a:blip r:embed="rId13">
+                <a:extLst>
+                  <a:ext uri="{28A0092B-C50C-407E-A947-70E740481C1C}">
+                    <a14:useLocalDpi xmlns:a14="http://schemas.microsoft.com/office/drawing/2010/main" val="0"/>
+                  </a:ext>
+                </a:extLst>
+              </a:blip>
+              <a:stretch>
+                <a:fillRect/>
+              </a:stretch>
+            </p:blipFill>
+            <p:spPr>
+              <a:xfrm>
+                <a:off x="4866311" y="5020537"/>
+                <a:ext cx="344774" cy="344774"/>
+              </a:xfrm>
+              <a:prstGeom prst="rect">
+                <a:avLst/>
+              </a:prstGeom>
+              <a:effectLst>
+                <a:outerShdw blurRad="50800" dist="38100" dir="5400000" algn="t" rotWithShape="0">
+                  <a:prstClr val="black">
+                    <a:alpha val="40000"/>
+                  </a:prstClr>
+                </a:outerShdw>
+              </a:effectLst>
+            </p:spPr>
+          </p:pic>
+          <p:sp>
+            <p:nvSpPr>
+              <p:cNvPr id="4" name="TextBox 3">
+                <a:extLst>
+                  <a:ext uri="{FF2B5EF4-FFF2-40B4-BE49-F238E27FC236}">
+                    <a16:creationId xmlns:a16="http://schemas.microsoft.com/office/drawing/2014/main" id="{4EE09D7F-296D-4D21-AB34-C2B956606BEB}"/>
+                  </a:ext>
+                </a:extLst>
+              </p:cNvPr>
+              <p:cNvSpPr txBox="1"/>
+              <p:nvPr/>
+            </p:nvSpPr>
+            <p:spPr>
+              <a:xfrm>
+                <a:off x="5195821" y="5081983"/>
+                <a:ext cx="2731582" cy="276999"/>
+              </a:xfrm>
+              <a:prstGeom prst="rect">
+                <a:avLst/>
+              </a:prstGeom>
+              <a:noFill/>
+              <a:effectLst/>
+            </p:spPr>
+            <p:txBody>
+              <a:bodyPr wrap="square" rtlCol="0">
+                <a:spAutoFit/>
+              </a:bodyPr>
+              <a:lstStyle>
+                <a:defPPr>
+                  <a:defRPr lang="en-US"/>
+                </a:defPPr>
+                <a:lvl1pPr>
+                  <a:defRPr sz="1200" u="sng">
+                    <a:solidFill>
+                      <a:srgbClr val="0070C0"/>
+                    </a:solidFill>
+                  </a:defRPr>
+                </a:lvl1pPr>
+              </a:lstStyle>
+              <a:p>
+                <a:r>
+                  <a:rPr lang="en-US" dirty="0">
+                    <a:hlinkClick r:id="rId14">
+                      <a:extLst>
+                        <a:ext uri="{A12FA001-AC4F-418D-AE19-62706E023703}">
+                          <ahyp:hlinkClr xmlns:ahyp="http://schemas.microsoft.com/office/drawing/2018/hyperlinkcolor" val="tx"/>
+                        </a:ext>
+                      </a:extLst>
+                    </a:hlinkClick>
+                  </a:rPr>
+                  <a:t>https://www.instagram.com/robinlphood/</a:t>
+                </a:r>
+                <a:endParaRPr lang="en-US" dirty="0"/>
+              </a:p>
+            </p:txBody>
+          </p:sp>
+        </p:grpSp>
         <p:sp>
           <p:nvSpPr>
-            <p:cNvPr id="22" name="Textfeld 12">
+            <p:cNvPr id="24" name="TextBox 23">
               <a:extLst>
                 <a:ext uri="{FF2B5EF4-FFF2-40B4-BE49-F238E27FC236}">
-                  <a16:creationId xmlns:a16="http://schemas.microsoft.com/office/drawing/2014/main" id="{EE430C2C-AAD9-4B28-9EEB-60662C72ADF9}"/>
+                  <a16:creationId xmlns:a16="http://schemas.microsoft.com/office/drawing/2014/main" id="{41DF1424-3362-4344-88A2-159449924FE1}"/>
                 </a:ext>
               </a:extLst>
             </p:cNvPr>
@@ -10510,8 +10637,8 @@
           </p:nvSpPr>
           <p:spPr>
             <a:xfrm>
-              <a:off x="6272114" y="2693859"/>
-              <a:ext cx="2780889" cy="646331"/>
+              <a:off x="5293440" y="3680281"/>
+              <a:ext cx="3030573" cy="307777"/>
             </a:xfrm>
             <a:prstGeom prst="rect">
               <a:avLst/>
@@ -10525,455 +10652,26 @@
             <a:lstStyle/>
             <a:p>
               <a:r>
-                <a:rPr lang="en-US" dirty="0">
+                <a:rPr lang="de-DE" sz="1400" i="1" dirty="0">
                   <a:solidFill>
-                    <a:schemeClr val="tx1">
-                      <a:lumMod val="65000"/>
-                      <a:lumOff val="35000"/>
+                    <a:schemeClr val="bg1">
+                      <a:lumMod val="50000"/>
                     </a:schemeClr>
                   </a:solidFill>
                 </a:rPr>
-                <a:t>Computational Linguistics, </a:t>
+                <a:t>Master Student and Consultant for AI/NLP</a:t>
               </a:r>
-            </a:p>
-            <a:p>
-              <a:r>
-                <a:rPr lang="en-US" dirty="0">
-                  <a:solidFill>
-                    <a:schemeClr val="tx1">
-                      <a:lumMod val="65000"/>
-                      <a:lumOff val="35000"/>
-                    </a:schemeClr>
-                  </a:solidFill>
-                </a:rPr>
-                <a:t>Master of Science (ongoing)</a:t>
-              </a:r>
-              <a:endParaRPr lang="de-DE" dirty="0">
+              <a:endParaRPr lang="en-US" sz="1400" i="1" dirty="0">
                 <a:solidFill>
-                  <a:schemeClr val="tx1">
-                    <a:lumMod val="65000"/>
-                    <a:lumOff val="35000"/>
+                  <a:schemeClr val="bg1">
+                    <a:lumMod val="50000"/>
                   </a:schemeClr>
                 </a:solidFill>
               </a:endParaRPr>
             </a:p>
           </p:txBody>
         </p:sp>
-        <p:pic>
-          <p:nvPicPr>
-            <p:cNvPr id="23" name="Grafik 25" descr="Bücher">
-              <a:extLst>
-                <a:ext uri="{FF2B5EF4-FFF2-40B4-BE49-F238E27FC236}">
-                  <a16:creationId xmlns:a16="http://schemas.microsoft.com/office/drawing/2014/main" id="{0DE32401-08CF-412D-B272-31861C5F1833}"/>
-                </a:ext>
-              </a:extLst>
-            </p:cNvPr>
-            <p:cNvPicPr>
-              <a:picLocks noChangeAspect="1"/>
-            </p:cNvPicPr>
-            <p:nvPr/>
-          </p:nvPicPr>
-          <p:blipFill>
-            <a:blip r:embed="rId8">
-              <a:extLst>
-                <a:ext uri="{28A0092B-C50C-407E-A947-70E740481C1C}">
-                  <a14:useLocalDpi xmlns:a14="http://schemas.microsoft.com/office/drawing/2010/main" val="0"/>
-                </a:ext>
-                <a:ext uri="{96DAC541-7B7A-43D3-8B79-37D633B846F1}">
-                  <asvg:svgBlip xmlns:asvg="http://schemas.microsoft.com/office/drawing/2016/SVG/main" r:embed="rId9"/>
-                </a:ext>
-              </a:extLst>
-            </a:blip>
-            <a:stretch>
-              <a:fillRect/>
-            </a:stretch>
-          </p:blipFill>
-          <p:spPr>
-            <a:xfrm>
-              <a:off x="5239187" y="2563139"/>
-              <a:ext cx="914400" cy="914400"/>
-            </a:xfrm>
-            <a:prstGeom prst="rect">
-              <a:avLst/>
-            </a:prstGeom>
-          </p:spPr>
-        </p:pic>
-        <p:sp>
-          <p:nvSpPr>
-            <p:cNvPr id="25" name="Textfeld 18">
-              <a:extLst>
-                <a:ext uri="{FF2B5EF4-FFF2-40B4-BE49-F238E27FC236}">
-                  <a16:creationId xmlns:a16="http://schemas.microsoft.com/office/drawing/2014/main" id="{C4CE8578-9B35-4AFF-A5A3-C10F5C5E999D}"/>
-                </a:ext>
-              </a:extLst>
-            </p:cNvPr>
-            <p:cNvSpPr txBox="1"/>
-            <p:nvPr/>
-          </p:nvSpPr>
-          <p:spPr>
-            <a:xfrm>
-              <a:off x="6245214" y="1422177"/>
-              <a:ext cx="5838974" cy="646331"/>
-            </a:xfrm>
-            <a:prstGeom prst="rect">
-              <a:avLst/>
-            </a:prstGeom>
-            <a:noFill/>
-          </p:spPr>
-          <p:txBody>
-            <a:bodyPr wrap="square" rtlCol="0">
-              <a:spAutoFit/>
-            </a:bodyPr>
-            <a:lstStyle/>
-            <a:p>
-              <a:r>
-                <a:rPr lang="en-US" dirty="0">
-                  <a:solidFill>
-                    <a:schemeClr val="tx1">
-                      <a:lumMod val="65000"/>
-                      <a:lumOff val="35000"/>
-                    </a:schemeClr>
-                  </a:solidFill>
-                </a:rPr>
-                <a:t>Cognitive Engineer, </a:t>
-              </a:r>
-            </a:p>
-            <a:p>
-              <a:r>
-                <a:rPr lang="en-US" dirty="0">
-                  <a:solidFill>
-                    <a:schemeClr val="tx1">
-                      <a:lumMod val="65000"/>
-                      <a:lumOff val="35000"/>
-                    </a:schemeClr>
-                  </a:solidFill>
-                </a:rPr>
-                <a:t>IBM Watson and Cloud Platform</a:t>
-              </a:r>
-              <a:endParaRPr lang="de-DE" dirty="0">
-                <a:solidFill>
-                  <a:schemeClr val="tx1">
-                    <a:lumMod val="65000"/>
-                    <a:lumOff val="35000"/>
-                  </a:schemeClr>
-                </a:solidFill>
-              </a:endParaRPr>
-            </a:p>
-          </p:txBody>
-        </p:sp>
-        <p:pic>
-          <p:nvPicPr>
-            <p:cNvPr id="26" name="Grafik 27" descr="Aktenkoffer">
-              <a:extLst>
-                <a:ext uri="{FF2B5EF4-FFF2-40B4-BE49-F238E27FC236}">
-                  <a16:creationId xmlns:a16="http://schemas.microsoft.com/office/drawing/2014/main" id="{4B4316DC-08AE-46CD-B359-49899055B5DC}"/>
-                </a:ext>
-              </a:extLst>
-            </p:cNvPr>
-            <p:cNvPicPr>
-              <a:picLocks noChangeAspect="1"/>
-            </p:cNvPicPr>
-            <p:nvPr/>
-          </p:nvPicPr>
-          <p:blipFill>
-            <a:blip r:embed="rId10">
-              <a:extLst>
-                <a:ext uri="{28A0092B-C50C-407E-A947-70E740481C1C}">
-                  <a14:useLocalDpi xmlns:a14="http://schemas.microsoft.com/office/drawing/2010/main" val="0"/>
-                </a:ext>
-                <a:ext uri="{96DAC541-7B7A-43D3-8B79-37D633B846F1}">
-                  <asvg:svgBlip xmlns:asvg="http://schemas.microsoft.com/office/drawing/2016/SVG/main" r:embed="rId11"/>
-                </a:ext>
-              </a:extLst>
-            </a:blip>
-            <a:stretch>
-              <a:fillRect/>
-            </a:stretch>
-          </p:blipFill>
-          <p:spPr>
-            <a:xfrm>
-              <a:off x="5239187" y="1284928"/>
-              <a:ext cx="914400" cy="914400"/>
-            </a:xfrm>
-            <a:prstGeom prst="rect">
-              <a:avLst/>
-            </a:prstGeom>
-          </p:spPr>
-        </p:pic>
-        <p:sp>
-          <p:nvSpPr>
-            <p:cNvPr id="28" name="Textfeld 2">
-              <a:extLst>
-                <a:ext uri="{FF2B5EF4-FFF2-40B4-BE49-F238E27FC236}">
-                  <a16:creationId xmlns:a16="http://schemas.microsoft.com/office/drawing/2014/main" id="{90B4CA53-6F7C-4911-944B-20DC1611540E}"/>
-                </a:ext>
-              </a:extLst>
-            </p:cNvPr>
-            <p:cNvSpPr txBox="1"/>
-            <p:nvPr/>
-          </p:nvSpPr>
-          <p:spPr>
-            <a:xfrm>
-              <a:off x="6153587" y="3985810"/>
-              <a:ext cx="4753851" cy="646331"/>
-            </a:xfrm>
-            <a:prstGeom prst="rect">
-              <a:avLst/>
-            </a:prstGeom>
-            <a:noFill/>
-          </p:spPr>
-          <p:txBody>
-            <a:bodyPr wrap="square" rtlCol="0">
-              <a:spAutoFit/>
-            </a:bodyPr>
-            <a:lstStyle/>
-            <a:p>
-              <a:r>
-                <a:rPr lang="en-US" dirty="0">
-                  <a:solidFill>
-                    <a:schemeClr val="tx1">
-                      <a:lumMod val="65000"/>
-                      <a:lumOff val="35000"/>
-                    </a:schemeClr>
-                  </a:solidFill>
-                </a:rPr>
-                <a:t>#</a:t>
-              </a:r>
-              <a:r>
-                <a:rPr lang="en-US" dirty="0" err="1">
-                  <a:solidFill>
-                    <a:schemeClr val="tx1">
-                      <a:lumMod val="65000"/>
-                      <a:lumOff val="35000"/>
-                    </a:schemeClr>
-                  </a:solidFill>
-                </a:rPr>
-                <a:t>nlp</a:t>
-              </a:r>
-              <a:r>
-                <a:rPr lang="en-US" dirty="0">
-                  <a:solidFill>
-                    <a:schemeClr val="tx1">
-                      <a:lumMod val="65000"/>
-                      <a:lumOff val="35000"/>
-                    </a:schemeClr>
-                  </a:solidFill>
-                </a:rPr>
-                <a:t> #ml #cognitive #Watson #linguistics #java</a:t>
-              </a:r>
-            </a:p>
-            <a:p>
-              <a:r>
-                <a:rPr lang="en-US" dirty="0">
-                  <a:solidFill>
-                    <a:schemeClr val="tx1">
-                      <a:lumMod val="65000"/>
-                      <a:lumOff val="35000"/>
-                    </a:schemeClr>
-                  </a:solidFill>
-                </a:rPr>
-                <a:t>#climbing #drums #</a:t>
-              </a:r>
-              <a:r>
-                <a:rPr lang="en-US" dirty="0" err="1">
-                  <a:solidFill>
-                    <a:schemeClr val="tx1">
-                      <a:lumMod val="65000"/>
-                      <a:lumOff val="35000"/>
-                    </a:schemeClr>
-                  </a:solidFill>
-                </a:rPr>
-                <a:t>moredrums</a:t>
-              </a:r>
-              <a:r>
-                <a:rPr lang="en-US" dirty="0">
-                  <a:solidFill>
-                    <a:schemeClr val="tx1">
-                      <a:lumMod val="65000"/>
-                      <a:lumOff val="35000"/>
-                    </a:schemeClr>
-                  </a:solidFill>
-                </a:rPr>
-                <a:t> #coding #travel</a:t>
-              </a:r>
-              <a:endParaRPr lang="de-DE" dirty="0">
-                <a:solidFill>
-                  <a:schemeClr val="tx1">
-                    <a:lumMod val="65000"/>
-                    <a:lumOff val="35000"/>
-                  </a:schemeClr>
-                </a:solidFill>
-              </a:endParaRPr>
-            </a:p>
-          </p:txBody>
-        </p:sp>
-        <p:pic>
-          <p:nvPicPr>
-            <p:cNvPr id="29" name="Grafik 29" descr="Fußball">
-              <a:extLst>
-                <a:ext uri="{FF2B5EF4-FFF2-40B4-BE49-F238E27FC236}">
-                  <a16:creationId xmlns:a16="http://schemas.microsoft.com/office/drawing/2014/main" id="{A9FDB289-D1A8-466B-98A5-FD9350A625D9}"/>
-                </a:ext>
-              </a:extLst>
-            </p:cNvPr>
-            <p:cNvPicPr>
-              <a:picLocks noChangeAspect="1"/>
-            </p:cNvPicPr>
-            <p:nvPr/>
-          </p:nvPicPr>
-          <p:blipFill>
-            <a:blip r:embed="rId12">
-              <a:extLst>
-                <a:ext uri="{28A0092B-C50C-407E-A947-70E740481C1C}">
-                  <a14:useLocalDpi xmlns:a14="http://schemas.microsoft.com/office/drawing/2010/main" val="0"/>
-                </a:ext>
-                <a:ext uri="{96DAC541-7B7A-43D3-8B79-37D633B846F1}">
-                  <asvg:svgBlip xmlns:asvg="http://schemas.microsoft.com/office/drawing/2016/SVG/main" r:embed="rId13"/>
-                </a:ext>
-              </a:extLst>
-            </a:blip>
-            <a:stretch>
-              <a:fillRect/>
-            </a:stretch>
-          </p:blipFill>
-          <p:spPr>
-            <a:xfrm>
-              <a:off x="5239187" y="3845026"/>
-              <a:ext cx="914400" cy="914400"/>
-            </a:xfrm>
-            <a:prstGeom prst="rect">
-              <a:avLst/>
-            </a:prstGeom>
-          </p:spPr>
-        </p:pic>
       </p:grpSp>
-      <p:graphicFrame>
-        <p:nvGraphicFramePr>
-          <p:cNvPr id="30" name="Diagram 29">
-            <a:extLst>
-              <a:ext uri="{FF2B5EF4-FFF2-40B4-BE49-F238E27FC236}">
-                <a16:creationId xmlns:a16="http://schemas.microsoft.com/office/drawing/2014/main" id="{EC93751D-BEC8-43A4-AF9E-F6EA6A9BCAB1}"/>
-              </a:ext>
-            </a:extLst>
-          </p:cNvPr>
-          <p:cNvGraphicFramePr/>
-          <p:nvPr>
-            <p:extLst>
-              <p:ext uri="{D42A27DB-BD31-4B8C-83A1-F6EECF244321}">
-                <p14:modId xmlns:p14="http://schemas.microsoft.com/office/powerpoint/2010/main" val="865720456"/>
-              </p:ext>
-            </p:extLst>
-          </p:nvPr>
-        </p:nvGraphicFramePr>
-        <p:xfrm>
-          <a:off x="0" y="-5589"/>
-          <a:ext cx="5361739" cy="4267082"/>
-        </p:xfrm>
-        <a:graphic>
-          <a:graphicData uri="http://schemas.openxmlformats.org/drawingml/2006/diagram">
-            <dgm:relIds xmlns:dgm="http://schemas.openxmlformats.org/drawingml/2006/diagram" xmlns:r="http://schemas.openxmlformats.org/officeDocument/2006/relationships" r:dm="rId14" r:lo="rId15" r:qs="rId16" r:cs="rId17"/>
-          </a:graphicData>
-        </a:graphic>
-      </p:graphicFrame>
-      <p:pic>
-        <p:nvPicPr>
-          <p:cNvPr id="3" name="Picture 2">
-            <a:extLst>
-              <a:ext uri="{FF2B5EF4-FFF2-40B4-BE49-F238E27FC236}">
-                <a16:creationId xmlns:a16="http://schemas.microsoft.com/office/drawing/2014/main" id="{39CF07CA-D025-48C8-993A-C989AB155795}"/>
-              </a:ext>
-            </a:extLst>
-          </p:cNvPr>
-          <p:cNvPicPr>
-            <a:picLocks noChangeAspect="1"/>
-          </p:cNvPicPr>
-          <p:nvPr/>
-        </p:nvPicPr>
-        <p:blipFill>
-          <a:blip r:embed="rId19">
-            <a:extLst>
-              <a:ext uri="{28A0092B-C50C-407E-A947-70E740481C1C}">
-                <a14:useLocalDpi xmlns:a14="http://schemas.microsoft.com/office/drawing/2010/main" val="0"/>
-              </a:ext>
-            </a:extLst>
-          </a:blip>
-          <a:stretch>
-            <a:fillRect/>
-          </a:stretch>
-        </p:blipFill>
-        <p:spPr>
-          <a:xfrm>
-            <a:off x="1236992" y="5482450"/>
-            <a:ext cx="344774" cy="344774"/>
-          </a:xfrm>
-          <a:prstGeom prst="rect">
-            <a:avLst/>
-          </a:prstGeom>
-          <a:effectLst>
-            <a:outerShdw blurRad="50800" dist="38100" dir="5400000" algn="t" rotWithShape="0">
-              <a:prstClr val="black">
-                <a:alpha val="40000"/>
-              </a:prstClr>
-            </a:outerShdw>
-          </a:effectLst>
-        </p:spPr>
-      </p:pic>
-      <p:sp>
-        <p:nvSpPr>
-          <p:cNvPr id="4" name="TextBox 3">
-            <a:extLst>
-              <a:ext uri="{FF2B5EF4-FFF2-40B4-BE49-F238E27FC236}">
-                <a16:creationId xmlns:a16="http://schemas.microsoft.com/office/drawing/2014/main" id="{4EE09D7F-296D-4D21-AB34-C2B956606BEB}"/>
-              </a:ext>
-            </a:extLst>
-          </p:cNvPr>
-          <p:cNvSpPr txBox="1"/>
-          <p:nvPr/>
-        </p:nvSpPr>
-        <p:spPr>
-          <a:xfrm>
-            <a:off x="1566502" y="5543896"/>
-            <a:ext cx="2731582" cy="276999"/>
-          </a:xfrm>
-          <a:prstGeom prst="rect">
-            <a:avLst/>
-          </a:prstGeom>
-          <a:noFill/>
-          <a:effectLst/>
-        </p:spPr>
-        <p:txBody>
-          <a:bodyPr wrap="square" rtlCol="0">
-            <a:spAutoFit/>
-          </a:bodyPr>
-          <a:lstStyle>
-            <a:defPPr>
-              <a:defRPr lang="en-US"/>
-            </a:defPPr>
-            <a:lvl1pPr>
-              <a:defRPr sz="1200" u="sng">
-                <a:solidFill>
-                  <a:srgbClr val="0070C0"/>
-                </a:solidFill>
-              </a:defRPr>
-            </a:lvl1pPr>
-          </a:lstStyle>
-          <a:p>
-            <a:r>
-              <a:rPr lang="en-US" dirty="0">
-                <a:hlinkClick r:id="rId20">
-                  <a:extLst>
-                    <a:ext uri="{A12FA001-AC4F-418D-AE19-62706E023703}">
-                      <ahyp:hlinkClr xmlns:ahyp="http://schemas.microsoft.com/office/drawing/2018/hyperlinkcolor" val="tx"/>
-                    </a:ext>
-                  </a:extLst>
-                </a:hlinkClick>
-              </a:rPr>
-              <a:t>https://www.instagram.com/robinlphood/</a:t>
-            </a:r>
-            <a:endParaRPr lang="en-US" dirty="0"/>
-          </a:p>
-        </p:txBody>
-      </p:sp>
     </p:spTree>
     <p:extLst>
       <p:ext uri="{BB962C8B-B14F-4D97-AF65-F5344CB8AC3E}">
